--- a/Report/Final Presentation Slides.pptx
+++ b/Report/Final Presentation Slides.pptx
@@ -272,7 +272,7 @@
       </p15:sldGuideLst>
     </p:ext>
     <p:ext uri="http://customooxmlschemas.google.com/">
-      <go:slidesCustomData xmlns:go="http://customooxmlschemas.google.com/" xmlns:p15="http://schemas.microsoft.com/office/powerpoint/2012/main" xmlns:p14="http://schemas.microsoft.com/office/powerpoint/2010/main" xmlns:com="http://schemas.openxmlformats.org/drawingml/2006/compatibility" xmlns:pvml="urn:schemas-microsoft-com:office:powerpoint" xmlns:v="urn:schemas-microsoft-com:vml" xmlns:o="urn:schemas-microsoft-com:office:office" xmlns:dgm="http://schemas.openxmlformats.org/drawingml/2006/diagram" xmlns:c="http://schemas.openxmlformats.org/drawingml/2006/chart" xmlns:mv="urn:schemas-microsoft-com:mac:vml" xmlns:mc="http://schemas.openxmlformats.org/markup-compatibility/2006" xmlns="" r:id="rId23" roundtripDataSignature="AMtx7mjulLEx3j5KoI4qvfzWHaI9fLfvVg=="/>
+      <go:slidesCustomData xmlns="" xmlns:mc="http://schemas.openxmlformats.org/markup-compatibility/2006" xmlns:mv="urn:schemas-microsoft-com:mac:vml" xmlns:c="http://schemas.openxmlformats.org/drawingml/2006/chart" xmlns:dgm="http://schemas.openxmlformats.org/drawingml/2006/diagram" xmlns:o="urn:schemas-microsoft-com:office:office" xmlns:v="urn:schemas-microsoft-com:vml" xmlns:pvml="urn:schemas-microsoft-com:office:powerpoint" xmlns:com="http://schemas.openxmlformats.org/drawingml/2006/compatibility" xmlns:p14="http://schemas.microsoft.com/office/powerpoint/2010/main" xmlns:p15="http://schemas.microsoft.com/office/powerpoint/2012/main" xmlns:go="http://customooxmlschemas.google.com/" r:id="rId23" roundtripDataSignature="AMtx7mjulLEx3j5KoI4qvfzWHaI9fLfvVg=="/>
     </p:ext>
   </p:extLst>
 </p:presentation>
@@ -3769,7 +3769,7 @@
             </a:pPr>
             <a:fld id="{00000000-1234-1234-1234-123412341234}" type="slidenum">
               <a:rPr lang="en"/>
-              <a:t>‹N°›</a:t>
+              <a:t>‹#›</a:t>
             </a:fld>
             <a:endParaRPr/>
           </a:p>
@@ -4745,7 +4745,7 @@
             </a:pPr>
             <a:fld id="{00000000-1234-1234-1234-123412341234}" type="slidenum">
               <a:rPr lang="en"/>
-              <a:t>‹N°›</a:t>
+              <a:t>‹#›</a:t>
             </a:fld>
             <a:endParaRPr/>
           </a:p>
@@ -5721,7 +5721,7 @@
             </a:pPr>
             <a:fld id="{00000000-1234-1234-1234-123412341234}" type="slidenum">
               <a:rPr lang="en"/>
-              <a:t>‹N°›</a:t>
+              <a:t>‹#›</a:t>
             </a:fld>
             <a:endParaRPr/>
           </a:p>
@@ -6697,7 +6697,7 @@
             </a:pPr>
             <a:fld id="{00000000-1234-1234-1234-123412341234}" type="slidenum">
               <a:rPr lang="en"/>
-              <a:t>‹N°›</a:t>
+              <a:t>‹#›</a:t>
             </a:fld>
             <a:endParaRPr/>
           </a:p>
@@ -7710,7 +7710,7 @@
             </a:pPr>
             <a:fld id="{00000000-1234-1234-1234-123412341234}" type="slidenum">
               <a:rPr lang="en"/>
-              <a:t>‹N°›</a:t>
+              <a:t>‹#›</a:t>
             </a:fld>
             <a:endParaRPr/>
           </a:p>
@@ -8873,7 +8873,7 @@
             </a:pPr>
             <a:fld id="{00000000-1234-1234-1234-123412341234}" type="slidenum">
               <a:rPr lang="en"/>
-              <a:t>‹N°›</a:t>
+              <a:t>‹#›</a:t>
             </a:fld>
             <a:endParaRPr/>
           </a:p>
@@ -10410,7 +10410,7 @@
             </a:pPr>
             <a:fld id="{00000000-1234-1234-1234-123412341234}" type="slidenum">
               <a:rPr lang="en"/>
-              <a:t>‹N°›</a:t>
+              <a:t>‹#›</a:t>
             </a:fld>
             <a:endParaRPr/>
           </a:p>
@@ -11199,7 +11199,7 @@
             </a:pPr>
             <a:fld id="{00000000-1234-1234-1234-123412341234}" type="slidenum">
               <a:rPr lang="en"/>
-              <a:t>‹N°›</a:t>
+              <a:t>‹#›</a:t>
             </a:fld>
             <a:endParaRPr/>
           </a:p>
@@ -11825,7 +11825,7 @@
             </a:pPr>
             <a:fld id="{00000000-1234-1234-1234-123412341234}" type="slidenum">
               <a:rPr lang="en"/>
-              <a:t>‹N°›</a:t>
+              <a:t>‹#›</a:t>
             </a:fld>
             <a:endParaRPr/>
           </a:p>
@@ -12989,7 +12989,7 @@
             </a:pPr>
             <a:fld id="{00000000-1234-1234-1234-123412341234}" type="slidenum">
               <a:rPr lang="en"/>
-              <a:t>‹N°›</a:t>
+              <a:t>‹#›</a:t>
             </a:fld>
             <a:endParaRPr/>
           </a:p>
@@ -14234,7 +14234,7 @@
             </a:pPr>
             <a:fld id="{00000000-1234-1234-1234-123412341234}" type="slidenum">
               <a:rPr lang="en"/>
-              <a:t>‹N°›</a:t>
+              <a:t>‹#›</a:t>
             </a:fld>
             <a:endParaRPr/>
           </a:p>
@@ -15357,7 +15357,7 @@
             </a:pPr>
             <a:fld id="{00000000-1234-1234-1234-123412341234}" type="slidenum">
               <a:rPr lang="en"/>
-              <a:t>‹N°›</a:t>
+              <a:t>‹#›</a:t>
             </a:fld>
             <a:endParaRPr/>
           </a:p>

--- a/Report/Final Presentation Slides.pptx
+++ b/Report/Final Presentation Slides.pptx
@@ -5,7 +5,7 @@
     <p:sldMasterId id="2147483648" r:id="rId1"/>
   </p:sldMasterIdLst>
   <p:notesMasterIdLst>
-    <p:notesMasterId r:id="rId18"/>
+    <p:notesMasterId r:id="rId20"/>
   </p:notesMasterIdLst>
   <p:sldIdLst>
     <p:sldId id="256" r:id="rId2"/>
@@ -18,12 +18,14 @@
     <p:sldId id="263" r:id="rId9"/>
     <p:sldId id="264" r:id="rId10"/>
     <p:sldId id="265" r:id="rId11"/>
-    <p:sldId id="266" r:id="rId12"/>
-    <p:sldId id="267" r:id="rId13"/>
+    <p:sldId id="267" r:id="rId12"/>
+    <p:sldId id="273" r:id="rId13"/>
     <p:sldId id="268" r:id="rId14"/>
-    <p:sldId id="270" r:id="rId15"/>
-    <p:sldId id="271" r:id="rId16"/>
-    <p:sldId id="272" r:id="rId17"/>
+    <p:sldId id="274" r:id="rId15"/>
+    <p:sldId id="275" r:id="rId16"/>
+    <p:sldId id="271" r:id="rId17"/>
+    <p:sldId id="272" r:id="rId18"/>
+    <p:sldId id="270" r:id="rId19"/>
   </p:sldIdLst>
   <p:sldSz cx="9144000" cy="5143500" type="screen16x9"/>
   <p:notesSz cx="6858000" cy="9144000"/>
@@ -1103,7 +1105,7 @@
   <p:cSld>
     <p:spTree>
       <p:nvGrpSpPr>
-        <p:cNvPr id="1" name="Shape 169"/>
+        <p:cNvPr id="1" name="Shape 178"/>
         <p:cNvGrpSpPr/>
         <p:nvPr/>
       </p:nvGrpSpPr>
@@ -1117,7 +1119,7 @@
       </p:grpSpPr>
       <p:sp>
         <p:nvSpPr>
-          <p:cNvPr id="170" name="Google Shape;170;g7094c8f8b5_0_143:notes"/>
+          <p:cNvPr id="179" name="Google Shape;179;g6c62c62412_0_178:notes"/>
           <p:cNvSpPr txBox="1">
             <a:spLocks noGrp="1"/>
           </p:cNvSpPr>
@@ -1163,7 +1165,7 @@
       </p:sp>
       <p:sp>
         <p:nvSpPr>
-          <p:cNvPr id="171" name="Google Shape;171;g7094c8f8b5_0_143:notes"/>
+          <p:cNvPr id="180" name="Google Shape;180;g6c62c62412_0_178:notes"/>
           <p:cNvSpPr>
             <a:spLocks noGrp="1" noRot="1" noChangeAspect="1"/>
           </p:cNvSpPr>
@@ -1335,6 +1337,11 @@
         </p:spPr>
       </p:sp>
     </p:spTree>
+    <p:extLst>
+      <p:ext uri="{BB962C8B-B14F-4D97-AF65-F5344CB8AC3E}">
+        <p14:creationId xmlns:p14="http://schemas.microsoft.com/office/powerpoint/2010/main" val="102195623"/>
+      </p:ext>
+    </p:extLst>
   </p:cSld>
   <p:clrMapOvr>
     <a:masterClrMapping/>
@@ -1469,7 +1476,7 @@
   <p:cSld>
     <p:spTree>
       <p:nvGrpSpPr>
-        <p:cNvPr id="1" name="Shape 226"/>
+        <p:cNvPr id="1" name="Shape 232"/>
         <p:cNvGrpSpPr/>
         <p:nvPr/>
       </p:nvGrpSpPr>
@@ -1483,7 +1490,7 @@
       </p:grpSpPr>
       <p:sp>
         <p:nvSpPr>
-          <p:cNvPr id="227" name="Google Shape;227;g6c62c62412_0_173:notes"/>
+          <p:cNvPr id="233" name="Google Shape;233;p5:notes"/>
           <p:cNvSpPr txBox="1">
             <a:spLocks noGrp="1"/>
           </p:cNvSpPr>
@@ -1523,13 +1530,13 @@
               <a:buSzPts val="1100"/>
               <a:buNone/>
             </a:pPr>
-            <a:endParaRPr dirty="0"/>
+            <a:endParaRPr/>
           </a:p>
         </p:txBody>
       </p:sp>
       <p:sp>
         <p:nvSpPr>
-          <p:cNvPr id="228" name="Google Shape;228;g6c62c62412_0_173:notes"/>
+          <p:cNvPr id="234" name="Google Shape;234;p5:notes"/>
           <p:cNvSpPr>
             <a:spLocks noGrp="1" noRot="1" noChangeAspect="1"/>
           </p:cNvSpPr>
@@ -1579,6 +1586,11 @@
         </p:spPr>
       </p:sp>
     </p:spTree>
+    <p:extLst>
+      <p:ext uri="{BB962C8B-B14F-4D97-AF65-F5344CB8AC3E}">
+        <p14:creationId xmlns:p14="http://schemas.microsoft.com/office/powerpoint/2010/main" val="372635472"/>
+      </p:ext>
+    </p:extLst>
   </p:cSld>
   <p:clrMapOvr>
     <a:masterClrMapping/>
@@ -1587,6 +1599,133 @@
 </file>
 
 <file path=ppt/notesSlides/notesSlide15.xml><?xml version="1.0" encoding="utf-8"?>
+<p:notes xmlns:a="http://schemas.openxmlformats.org/drawingml/2006/main" xmlns:r="http://schemas.openxmlformats.org/officeDocument/2006/relationships" xmlns:p="http://schemas.openxmlformats.org/presentationml/2006/main" showMasterSp="0" showMasterPhAnim="0">
+  <p:cSld>
+    <p:spTree>
+      <p:nvGrpSpPr>
+        <p:cNvPr id="1" name="Shape 232"/>
+        <p:cNvGrpSpPr/>
+        <p:nvPr/>
+      </p:nvGrpSpPr>
+      <p:grpSpPr>
+        <a:xfrm>
+          <a:off x="0" y="0"/>
+          <a:ext cx="0" cy="0"/>
+          <a:chOff x="0" y="0"/>
+          <a:chExt cx="0" cy="0"/>
+        </a:xfrm>
+      </p:grpSpPr>
+      <p:sp>
+        <p:nvSpPr>
+          <p:cNvPr id="233" name="Google Shape;233;p5:notes"/>
+          <p:cNvSpPr txBox="1">
+            <a:spLocks noGrp="1"/>
+          </p:cNvSpPr>
+          <p:nvPr>
+            <p:ph type="body" idx="1"/>
+          </p:nvPr>
+        </p:nvSpPr>
+        <p:spPr>
+          <a:xfrm>
+            <a:off x="685800" y="4400550"/>
+            <a:ext cx="5486400" cy="3600600"/>
+          </a:xfrm>
+          <a:prstGeom prst="rect">
+            <a:avLst/>
+          </a:prstGeom>
+          <a:noFill/>
+          <a:ln>
+            <a:noFill/>
+          </a:ln>
+        </p:spPr>
+        <p:txBody>
+          <a:bodyPr spcFirstLastPara="1" wrap="square" lIns="91425" tIns="91425" rIns="91425" bIns="91425" anchor="t" anchorCtr="0">
+            <a:noAutofit/>
+          </a:bodyPr>
+          <a:lstStyle/>
+          <a:p>
+            <a:pPr marL="0" lvl="0" indent="0" algn="l" rtl="0">
+              <a:lnSpc>
+                <a:spcPct val="100000"/>
+              </a:lnSpc>
+              <a:spcBef>
+                <a:spcPts val="0"/>
+              </a:spcBef>
+              <a:spcAft>
+                <a:spcPts val="0"/>
+              </a:spcAft>
+              <a:buSzPts val="1100"/>
+              <a:buNone/>
+            </a:pPr>
+            <a:endParaRPr/>
+          </a:p>
+        </p:txBody>
+      </p:sp>
+      <p:sp>
+        <p:nvSpPr>
+          <p:cNvPr id="234" name="Google Shape;234;p5:notes"/>
+          <p:cNvSpPr>
+            <a:spLocks noGrp="1" noRot="1" noChangeAspect="1"/>
+          </p:cNvSpPr>
+          <p:nvPr>
+            <p:ph type="sldImg" idx="2"/>
+          </p:nvPr>
+        </p:nvSpPr>
+        <p:spPr>
+          <a:xfrm>
+            <a:off x="685800" y="1143000"/>
+            <a:ext cx="5486400" cy="3086100"/>
+          </a:xfrm>
+          <a:custGeom>
+            <a:avLst/>
+            <a:gdLst/>
+            <a:ahLst/>
+            <a:cxnLst/>
+            <a:rect l="l" t="t" r="r" b="b"/>
+            <a:pathLst>
+              <a:path w="120000" h="120000" extrusionOk="0">
+                <a:moveTo>
+                  <a:pt x="0" y="0"/>
+                </a:moveTo>
+                <a:lnTo>
+                  <a:pt x="120000" y="0"/>
+                </a:lnTo>
+                <a:lnTo>
+                  <a:pt x="120000" y="120000"/>
+                </a:lnTo>
+                <a:lnTo>
+                  <a:pt x="0" y="120000"/>
+                </a:lnTo>
+                <a:close/>
+              </a:path>
+            </a:pathLst>
+          </a:custGeom>
+          <a:noFill/>
+          <a:ln w="9525" cap="flat" cmpd="sng">
+            <a:solidFill>
+              <a:srgbClr val="000000"/>
+            </a:solidFill>
+            <a:prstDash val="solid"/>
+            <a:round/>
+            <a:headEnd type="none" w="sm" len="sm"/>
+            <a:tailEnd type="none" w="sm" len="sm"/>
+          </a:ln>
+        </p:spPr>
+      </p:sp>
+    </p:spTree>
+    <p:extLst>
+      <p:ext uri="{BB962C8B-B14F-4D97-AF65-F5344CB8AC3E}">
+        <p14:creationId xmlns:p14="http://schemas.microsoft.com/office/powerpoint/2010/main" val="948816366"/>
+      </p:ext>
+    </p:extLst>
+  </p:cSld>
+  <p:clrMapOvr>
+    <a:masterClrMapping/>
+  </p:clrMapOvr>
+</p:notes>
+</file>
+
+<file path=ppt/notesSlides/notesSlide16.xml><?xml version="1.0" encoding="utf-8"?>
 <p:notes xmlns:a="http://schemas.openxmlformats.org/drawingml/2006/main" xmlns:r="http://schemas.openxmlformats.org/officeDocument/2006/relationships" xmlns:p="http://schemas.openxmlformats.org/presentationml/2006/main" showMasterSp="0" showMasterPhAnim="0">
   <p:cSld>
     <p:spTree>
@@ -1708,7 +1847,7 @@
 </p:notes>
 </file>
 
-<file path=ppt/notesSlides/notesSlide16.xml><?xml version="1.0" encoding="utf-8"?>
+<file path=ppt/notesSlides/notesSlide17.xml><?xml version="1.0" encoding="utf-8"?>
 <p:notes xmlns:a="http://schemas.openxmlformats.org/drawingml/2006/main" xmlns:r="http://schemas.openxmlformats.org/officeDocument/2006/relationships" xmlns:p="http://schemas.openxmlformats.org/presentationml/2006/main" showMasterSp="0" showMasterPhAnim="0">
   <p:cSld>
     <p:spTree>
@@ -1774,6 +1913,128 @@
       <p:sp>
         <p:nvSpPr>
           <p:cNvPr id="240" name="Google Shape;240;g6c62c62412_0_308:notes"/>
+          <p:cNvSpPr>
+            <a:spLocks noGrp="1" noRot="1" noChangeAspect="1"/>
+          </p:cNvSpPr>
+          <p:nvPr>
+            <p:ph type="sldImg" idx="2"/>
+          </p:nvPr>
+        </p:nvSpPr>
+        <p:spPr>
+          <a:xfrm>
+            <a:off x="685800" y="1143000"/>
+            <a:ext cx="5486400" cy="3086100"/>
+          </a:xfrm>
+          <a:custGeom>
+            <a:avLst/>
+            <a:gdLst/>
+            <a:ahLst/>
+            <a:cxnLst/>
+            <a:rect l="l" t="t" r="r" b="b"/>
+            <a:pathLst>
+              <a:path w="120000" h="120000" extrusionOk="0">
+                <a:moveTo>
+                  <a:pt x="0" y="0"/>
+                </a:moveTo>
+                <a:lnTo>
+                  <a:pt x="120000" y="0"/>
+                </a:lnTo>
+                <a:lnTo>
+                  <a:pt x="120000" y="120000"/>
+                </a:lnTo>
+                <a:lnTo>
+                  <a:pt x="0" y="120000"/>
+                </a:lnTo>
+                <a:close/>
+              </a:path>
+            </a:pathLst>
+          </a:custGeom>
+          <a:noFill/>
+          <a:ln w="9525" cap="flat" cmpd="sng">
+            <a:solidFill>
+              <a:srgbClr val="000000"/>
+            </a:solidFill>
+            <a:prstDash val="solid"/>
+            <a:round/>
+            <a:headEnd type="none" w="sm" len="sm"/>
+            <a:tailEnd type="none" w="sm" len="sm"/>
+          </a:ln>
+        </p:spPr>
+      </p:sp>
+    </p:spTree>
+  </p:cSld>
+  <p:clrMapOvr>
+    <a:masterClrMapping/>
+  </p:clrMapOvr>
+</p:notes>
+</file>
+
+<file path=ppt/notesSlides/notesSlide18.xml><?xml version="1.0" encoding="utf-8"?>
+<p:notes xmlns:a="http://schemas.openxmlformats.org/drawingml/2006/main" xmlns:r="http://schemas.openxmlformats.org/officeDocument/2006/relationships" xmlns:p="http://schemas.openxmlformats.org/presentationml/2006/main" showMasterSp="0" showMasterPhAnim="0">
+  <p:cSld>
+    <p:spTree>
+      <p:nvGrpSpPr>
+        <p:cNvPr id="1" name="Shape 226"/>
+        <p:cNvGrpSpPr/>
+        <p:nvPr/>
+      </p:nvGrpSpPr>
+      <p:grpSpPr>
+        <a:xfrm>
+          <a:off x="0" y="0"/>
+          <a:ext cx="0" cy="0"/>
+          <a:chOff x="0" y="0"/>
+          <a:chExt cx="0" cy="0"/>
+        </a:xfrm>
+      </p:grpSpPr>
+      <p:sp>
+        <p:nvSpPr>
+          <p:cNvPr id="227" name="Google Shape;227;g6c62c62412_0_173:notes"/>
+          <p:cNvSpPr txBox="1">
+            <a:spLocks noGrp="1"/>
+          </p:cNvSpPr>
+          <p:nvPr>
+            <p:ph type="body" idx="1"/>
+          </p:nvPr>
+        </p:nvSpPr>
+        <p:spPr>
+          <a:xfrm>
+            <a:off x="685800" y="4400550"/>
+            <a:ext cx="5486400" cy="3600600"/>
+          </a:xfrm>
+          <a:prstGeom prst="rect">
+            <a:avLst/>
+          </a:prstGeom>
+          <a:noFill/>
+          <a:ln>
+            <a:noFill/>
+          </a:ln>
+        </p:spPr>
+        <p:txBody>
+          <a:bodyPr spcFirstLastPara="1" wrap="square" lIns="91425" tIns="91425" rIns="91425" bIns="91425" anchor="t" anchorCtr="0">
+            <a:noAutofit/>
+          </a:bodyPr>
+          <a:lstStyle/>
+          <a:p>
+            <a:pPr marL="0" lvl="0" indent="0" algn="l" rtl="0">
+              <a:lnSpc>
+                <a:spcPct val="100000"/>
+              </a:lnSpc>
+              <a:spcBef>
+                <a:spcPts val="0"/>
+              </a:spcBef>
+              <a:spcAft>
+                <a:spcPts val="0"/>
+              </a:spcAft>
+              <a:buSzPts val="1100"/>
+              <a:buNone/>
+            </a:pPr>
+            <a:endParaRPr dirty="0"/>
+          </a:p>
+        </p:txBody>
+      </p:sp>
+      <p:sp>
+        <p:nvSpPr>
+          <p:cNvPr id="228" name="Google Shape;228;g6c62c62412_0_173:notes"/>
           <p:cNvSpPr>
             <a:spLocks noGrp="1" noRot="1" noChangeAspect="1"/>
           </p:cNvSpPr>
@@ -17007,15 +17268,15 @@
               <a:buNone/>
             </a:pPr>
             <a:r>
-              <a:rPr lang="en" sz="1100" b="1">
+              <a:rPr lang="en" sz="1100" b="1" dirty="0">
                 <a:latin typeface="Calibri"/>
                 <a:ea typeface="Calibri"/>
                 <a:cs typeface="Calibri"/>
                 <a:sym typeface="Calibri"/>
               </a:rPr>
-              <a:t>Extracted Aspect		     Clustered Result</a:t>
+              <a:t>Extracted Aspect	     Clustered Result</a:t>
             </a:r>
-            <a:endParaRPr sz="1100" b="1">
+            <a:endParaRPr sz="1100" b="1" dirty="0">
               <a:latin typeface="Calibri"/>
               <a:ea typeface="Calibri"/>
               <a:cs typeface="Calibri"/>
@@ -17085,483 +17346,6 @@
 </file>
 
 <file path=ppt/slides/slide11.xml><?xml version="1.0" encoding="utf-8"?>
-<p:sld xmlns:a="http://schemas.openxmlformats.org/drawingml/2006/main" xmlns:r="http://schemas.openxmlformats.org/officeDocument/2006/relationships" xmlns:p="http://schemas.openxmlformats.org/presentationml/2006/main">
-  <p:cSld>
-    <p:spTree>
-      <p:nvGrpSpPr>
-        <p:cNvPr id="1" name="Shape 172"/>
-        <p:cNvGrpSpPr/>
-        <p:nvPr/>
-      </p:nvGrpSpPr>
-      <p:grpSpPr>
-        <a:xfrm>
-          <a:off x="0" y="0"/>
-          <a:ext cx="0" cy="0"/>
-          <a:chOff x="0" y="0"/>
-          <a:chExt cx="0" cy="0"/>
-        </a:xfrm>
-      </p:grpSpPr>
-      <p:sp>
-        <p:nvSpPr>
-          <p:cNvPr id="173" name="Google Shape;173;g7094c8f8b5_0_143"/>
-          <p:cNvSpPr txBox="1"/>
-          <p:nvPr/>
-        </p:nvSpPr>
-        <p:spPr>
-          <a:xfrm>
-            <a:off x="358489" y="107523"/>
-            <a:ext cx="6420000" cy="519000"/>
-          </a:xfrm>
-          <a:prstGeom prst="rect">
-            <a:avLst/>
-          </a:prstGeom>
-          <a:noFill/>
-          <a:ln>
-            <a:noFill/>
-          </a:ln>
-        </p:spPr>
-        <p:txBody>
-          <a:bodyPr spcFirstLastPara="1" wrap="square" lIns="35100" tIns="35100" rIns="35100" bIns="35100" anchor="t" anchorCtr="0">
-            <a:noAutofit/>
-          </a:bodyPr>
-          <a:lstStyle/>
-          <a:p>
-            <a:pPr marL="342900" marR="0" lvl="0" indent="-342900" algn="l" rtl="0">
-              <a:lnSpc>
-                <a:spcPct val="90000"/>
-              </a:lnSpc>
-              <a:spcBef>
-                <a:spcPts val="0"/>
-              </a:spcBef>
-              <a:spcAft>
-                <a:spcPts val="0"/>
-              </a:spcAft>
-              <a:buClr>
-                <a:srgbClr val="000000"/>
-              </a:buClr>
-              <a:buSzPts val="2100"/>
-              <a:buFont typeface="Arial"/>
-              <a:buNone/>
-            </a:pPr>
-            <a:r>
-              <a:rPr lang="en" sz="2100" b="1" i="0" u="none" strike="noStrike" cap="none">
-                <a:solidFill>
-                  <a:srgbClr val="0000FF"/>
-                </a:solidFill>
-                <a:latin typeface="Arial"/>
-                <a:ea typeface="Arial"/>
-                <a:cs typeface="Arial"/>
-                <a:sym typeface="Arial"/>
-              </a:rPr>
-              <a:t>Compute Sentiment of each Aspect</a:t>
-            </a:r>
-            <a:endParaRPr sz="1100" b="0" i="0" u="none" strike="noStrike" cap="none">
-              <a:solidFill>
-                <a:srgbClr val="000000"/>
-              </a:solidFill>
-              <a:latin typeface="Arial"/>
-              <a:ea typeface="Arial"/>
-              <a:cs typeface="Arial"/>
-              <a:sym typeface="Arial"/>
-            </a:endParaRPr>
-          </a:p>
-        </p:txBody>
-      </p:sp>
-      <p:pic>
-        <p:nvPicPr>
-          <p:cNvPr id="174" name="Google Shape;174;g7094c8f8b5_0_143"/>
-          <p:cNvPicPr preferRelativeResize="0"/>
-          <p:nvPr/>
-        </p:nvPicPr>
-        <p:blipFill rotWithShape="1">
-          <a:blip r:embed="rId3">
-            <a:alphaModFix/>
-          </a:blip>
-          <a:srcRect/>
-          <a:stretch/>
-        </p:blipFill>
-        <p:spPr>
-          <a:xfrm>
-            <a:off x="289575" y="1405288"/>
-            <a:ext cx="5046151" cy="2754625"/>
-          </a:xfrm>
-          <a:prstGeom prst="rect">
-            <a:avLst/>
-          </a:prstGeom>
-          <a:noFill/>
-          <a:ln>
-            <a:noFill/>
-          </a:ln>
-        </p:spPr>
-      </p:pic>
-      <p:pic>
-        <p:nvPicPr>
-          <p:cNvPr id="175" name="Google Shape;175;g7094c8f8b5_0_143"/>
-          <p:cNvPicPr preferRelativeResize="0"/>
-          <p:nvPr/>
-        </p:nvPicPr>
-        <p:blipFill rotWithShape="1">
-          <a:blip r:embed="rId4">
-            <a:alphaModFix/>
-          </a:blip>
-          <a:srcRect/>
-          <a:stretch/>
-        </p:blipFill>
-        <p:spPr>
-          <a:xfrm>
-            <a:off x="5453826" y="3692488"/>
-            <a:ext cx="3537774" cy="467426"/>
-          </a:xfrm>
-          <a:prstGeom prst="rect">
-            <a:avLst/>
-          </a:prstGeom>
-          <a:noFill/>
-          <a:ln>
-            <a:noFill/>
-          </a:ln>
-        </p:spPr>
-      </p:pic>
-      <p:sp>
-        <p:nvSpPr>
-          <p:cNvPr id="176" name="Google Shape;176;g7094c8f8b5_0_143"/>
-          <p:cNvSpPr txBox="1"/>
-          <p:nvPr/>
-        </p:nvSpPr>
-        <p:spPr>
-          <a:xfrm>
-            <a:off x="198125" y="983588"/>
-            <a:ext cx="3665100" cy="582900"/>
-          </a:xfrm>
-          <a:prstGeom prst="rect">
-            <a:avLst/>
-          </a:prstGeom>
-          <a:noFill/>
-          <a:ln>
-            <a:noFill/>
-          </a:ln>
-        </p:spPr>
-        <p:txBody>
-          <a:bodyPr spcFirstLastPara="1" wrap="square" lIns="91425" tIns="91425" rIns="91425" bIns="91425" anchor="t" anchorCtr="0">
-            <a:noAutofit/>
-          </a:bodyPr>
-          <a:lstStyle/>
-          <a:p>
-            <a:pPr marL="0" marR="0" lvl="0" indent="0" algn="l" rtl="0">
-              <a:lnSpc>
-                <a:spcPct val="100000"/>
-              </a:lnSpc>
-              <a:spcBef>
-                <a:spcPts val="0"/>
-              </a:spcBef>
-              <a:spcAft>
-                <a:spcPts val="0"/>
-              </a:spcAft>
-              <a:buClr>
-                <a:srgbClr val="000000"/>
-              </a:buClr>
-              <a:buSzPts val="1500"/>
-              <a:buFont typeface="Arial"/>
-              <a:buNone/>
-            </a:pPr>
-            <a:r>
-              <a:rPr lang="en" sz="1500" b="1" i="0" u="none" strike="noStrike" cap="none">
-                <a:solidFill>
-                  <a:srgbClr val="000000"/>
-                </a:solidFill>
-                <a:latin typeface="Arial"/>
-                <a:ea typeface="Arial"/>
-                <a:cs typeface="Arial"/>
-                <a:sym typeface="Arial"/>
-              </a:rPr>
-              <a:t>Data Structure :</a:t>
-            </a:r>
-            <a:endParaRPr sz="1500" b="1" i="0" u="none" strike="noStrike" cap="none">
-              <a:solidFill>
-                <a:srgbClr val="000000"/>
-              </a:solidFill>
-              <a:latin typeface="Arial"/>
-              <a:ea typeface="Arial"/>
-              <a:cs typeface="Arial"/>
-              <a:sym typeface="Arial"/>
-            </a:endParaRPr>
-          </a:p>
-        </p:txBody>
-      </p:sp>
-      <p:sp>
-        <p:nvSpPr>
-          <p:cNvPr id="177" name="Google Shape;177;g7094c8f8b5_0_143"/>
-          <p:cNvSpPr txBox="1"/>
-          <p:nvPr/>
-        </p:nvSpPr>
-        <p:spPr>
-          <a:xfrm>
-            <a:off x="5453813" y="1086688"/>
-            <a:ext cx="3665100" cy="2345100"/>
-          </a:xfrm>
-          <a:prstGeom prst="rect">
-            <a:avLst/>
-          </a:prstGeom>
-          <a:noFill/>
-          <a:ln>
-            <a:noFill/>
-          </a:ln>
-        </p:spPr>
-        <p:txBody>
-          <a:bodyPr spcFirstLastPara="1" wrap="square" lIns="91425" tIns="91425" rIns="91425" bIns="91425" anchor="t" anchorCtr="0">
-            <a:noAutofit/>
-          </a:bodyPr>
-          <a:lstStyle/>
-          <a:p>
-            <a:pPr marL="0" marR="0" lvl="0" indent="0" algn="l" rtl="0">
-              <a:lnSpc>
-                <a:spcPct val="100000"/>
-              </a:lnSpc>
-              <a:spcBef>
-                <a:spcPts val="0"/>
-              </a:spcBef>
-              <a:spcAft>
-                <a:spcPts val="0"/>
-              </a:spcAft>
-              <a:buClr>
-                <a:srgbClr val="000000"/>
-              </a:buClr>
-              <a:buSzPts val="1500"/>
-              <a:buFont typeface="Arial"/>
-              <a:buNone/>
-            </a:pPr>
-            <a:r>
-              <a:rPr lang="en" sz="1500" b="0" i="0" u="sng" strike="noStrike" cap="none">
-                <a:solidFill>
-                  <a:srgbClr val="000000"/>
-                </a:solidFill>
-                <a:latin typeface="Arial"/>
-                <a:ea typeface="Arial"/>
-                <a:cs typeface="Arial"/>
-                <a:sym typeface="Arial"/>
-              </a:rPr>
-              <a:t>Sentiment analysis</a:t>
-            </a:r>
-            <a:r>
-              <a:rPr lang="en" sz="1500" b="0" i="0" u="none" strike="noStrike" cap="none">
-                <a:solidFill>
-                  <a:srgbClr val="000000"/>
-                </a:solidFill>
-                <a:latin typeface="Arial"/>
-                <a:ea typeface="Arial"/>
-                <a:cs typeface="Arial"/>
-                <a:sym typeface="Arial"/>
-              </a:rPr>
-              <a:t> :</a:t>
-            </a:r>
-            <a:endParaRPr sz="1500" b="0" i="0" u="none" strike="noStrike" cap="none">
-              <a:solidFill>
-                <a:srgbClr val="000000"/>
-              </a:solidFill>
-              <a:latin typeface="Arial"/>
-              <a:ea typeface="Arial"/>
-              <a:cs typeface="Arial"/>
-              <a:sym typeface="Arial"/>
-            </a:endParaRPr>
-          </a:p>
-          <a:p>
-            <a:pPr marL="0" marR="0" lvl="0" indent="0" algn="l" rtl="0">
-              <a:lnSpc>
-                <a:spcPct val="100000"/>
-              </a:lnSpc>
-              <a:spcBef>
-                <a:spcPts val="0"/>
-              </a:spcBef>
-              <a:spcAft>
-                <a:spcPts val="0"/>
-              </a:spcAft>
-              <a:buClr>
-                <a:srgbClr val="000000"/>
-              </a:buClr>
-              <a:buSzPts val="1500"/>
-              <a:buFont typeface="Arial"/>
-              <a:buNone/>
-            </a:pPr>
-            <a:endParaRPr sz="1500" b="0" i="0" u="none" strike="noStrike" cap="none">
-              <a:solidFill>
-                <a:srgbClr val="000000"/>
-              </a:solidFill>
-              <a:latin typeface="Arial"/>
-              <a:ea typeface="Arial"/>
-              <a:cs typeface="Arial"/>
-              <a:sym typeface="Arial"/>
-            </a:endParaRPr>
-          </a:p>
-          <a:p>
-            <a:pPr marL="457200" marR="0" lvl="0" indent="-323850" algn="l" rtl="0">
-              <a:lnSpc>
-                <a:spcPct val="100000"/>
-              </a:lnSpc>
-              <a:spcBef>
-                <a:spcPts val="0"/>
-              </a:spcBef>
-              <a:spcAft>
-                <a:spcPts val="0"/>
-              </a:spcAft>
-              <a:buClr>
-                <a:srgbClr val="000000"/>
-              </a:buClr>
-              <a:buSzPts val="1500"/>
-              <a:buFont typeface="Arial"/>
-              <a:buChar char="●"/>
-            </a:pPr>
-            <a:r>
-              <a:rPr lang="en" sz="1500" b="0" i="0" u="none" strike="noStrike" cap="none">
-                <a:solidFill>
-                  <a:srgbClr val="000000"/>
-                </a:solidFill>
-                <a:latin typeface="Arial"/>
-                <a:ea typeface="Arial"/>
-                <a:cs typeface="Arial"/>
-                <a:sym typeface="Arial"/>
-              </a:rPr>
-              <a:t>Split the dataset,</a:t>
-            </a:r>
-            <a:endParaRPr sz="1500" b="0" i="0" u="none" strike="noStrike" cap="none">
-              <a:solidFill>
-                <a:srgbClr val="000000"/>
-              </a:solidFill>
-              <a:latin typeface="Arial"/>
-              <a:ea typeface="Arial"/>
-              <a:cs typeface="Arial"/>
-              <a:sym typeface="Arial"/>
-            </a:endParaRPr>
-          </a:p>
-          <a:p>
-            <a:pPr marL="457200" marR="0" lvl="0" indent="-323850" algn="l" rtl="0">
-              <a:lnSpc>
-                <a:spcPct val="100000"/>
-              </a:lnSpc>
-              <a:spcBef>
-                <a:spcPts val="1200"/>
-              </a:spcBef>
-              <a:spcAft>
-                <a:spcPts val="0"/>
-              </a:spcAft>
-              <a:buClr>
-                <a:srgbClr val="000000"/>
-              </a:buClr>
-              <a:buSzPts val="1500"/>
-              <a:buFont typeface="Arial"/>
-              <a:buChar char="●"/>
-            </a:pPr>
-            <a:r>
-              <a:rPr lang="en" sz="1500" b="0" i="0" u="none" strike="noStrike" cap="none">
-                <a:solidFill>
-                  <a:srgbClr val="000000"/>
-                </a:solidFill>
-                <a:latin typeface="Arial"/>
-                <a:ea typeface="Arial"/>
-                <a:cs typeface="Arial"/>
-                <a:sym typeface="Arial"/>
-              </a:rPr>
-              <a:t>Create one training set and one test set for each aspect,</a:t>
-            </a:r>
-            <a:endParaRPr sz="1500" b="0" i="0" u="none" strike="noStrike" cap="none">
-              <a:solidFill>
-                <a:srgbClr val="000000"/>
-              </a:solidFill>
-              <a:latin typeface="Arial"/>
-              <a:ea typeface="Arial"/>
-              <a:cs typeface="Arial"/>
-              <a:sym typeface="Arial"/>
-            </a:endParaRPr>
-          </a:p>
-          <a:p>
-            <a:pPr marL="457200" marR="0" lvl="0" indent="-323850" algn="l" rtl="0">
-              <a:lnSpc>
-                <a:spcPct val="100000"/>
-              </a:lnSpc>
-              <a:spcBef>
-                <a:spcPts val="1200"/>
-              </a:spcBef>
-              <a:spcAft>
-                <a:spcPts val="0"/>
-              </a:spcAft>
-              <a:buClr>
-                <a:srgbClr val="000000"/>
-              </a:buClr>
-              <a:buSzPts val="1500"/>
-              <a:buFont typeface="Arial"/>
-              <a:buChar char="●"/>
-            </a:pPr>
-            <a:r>
-              <a:rPr lang="en" sz="1500" b="0" i="0" u="none" strike="noStrike" cap="none">
-                <a:solidFill>
-                  <a:srgbClr val="000000"/>
-                </a:solidFill>
-                <a:latin typeface="Arial"/>
-                <a:ea typeface="Arial"/>
-                <a:cs typeface="Arial"/>
-                <a:sym typeface="Arial"/>
-              </a:rPr>
-              <a:t>Train a Deep learning sentiment analyzer for each aspect,</a:t>
-            </a:r>
-            <a:endParaRPr sz="1500" b="0" i="0" u="none" strike="noStrike" cap="none">
-              <a:solidFill>
-                <a:srgbClr val="000000"/>
-              </a:solidFill>
-              <a:latin typeface="Arial"/>
-              <a:ea typeface="Arial"/>
-              <a:cs typeface="Arial"/>
-              <a:sym typeface="Arial"/>
-            </a:endParaRPr>
-          </a:p>
-          <a:p>
-            <a:pPr marL="457200" marR="0" lvl="0" indent="-323850" algn="l" rtl="0">
-              <a:lnSpc>
-                <a:spcPct val="100000"/>
-              </a:lnSpc>
-              <a:spcBef>
-                <a:spcPts val="1200"/>
-              </a:spcBef>
-              <a:spcAft>
-                <a:spcPts val="1200"/>
-              </a:spcAft>
-              <a:buClr>
-                <a:srgbClr val="000000"/>
-              </a:buClr>
-              <a:buSzPts val="1500"/>
-              <a:buFont typeface="Arial"/>
-              <a:buChar char="●"/>
-            </a:pPr>
-            <a:r>
-              <a:rPr lang="en" sz="1500" b="0" i="0" u="none" strike="noStrike" cap="none">
-                <a:solidFill>
-                  <a:srgbClr val="000000"/>
-                </a:solidFill>
-                <a:latin typeface="Arial"/>
-                <a:ea typeface="Arial"/>
-                <a:cs typeface="Arial"/>
-                <a:sym typeface="Arial"/>
-              </a:rPr>
-              <a:t>Evaluate sentiment analyzers.</a:t>
-            </a:r>
-            <a:endParaRPr sz="1500" b="0" i="0" u="none" strike="noStrike" cap="none">
-              <a:solidFill>
-                <a:srgbClr val="000000"/>
-              </a:solidFill>
-              <a:latin typeface="Arial"/>
-              <a:ea typeface="Arial"/>
-              <a:cs typeface="Arial"/>
-              <a:sym typeface="Arial"/>
-            </a:endParaRPr>
-          </a:p>
-        </p:txBody>
-      </p:sp>
-    </p:spTree>
-  </p:cSld>
-  <p:clrMapOvr>
-    <a:masterClrMapping/>
-  </p:clrMapOvr>
-</p:sld>
-</file>
-
-<file path=ppt/slides/slide12.xml><?xml version="1.0" encoding="utf-8"?>
 <p:sld xmlns:a="http://schemas.openxmlformats.org/drawingml/2006/main" xmlns:r="http://schemas.openxmlformats.org/officeDocument/2006/relationships" xmlns:p="http://schemas.openxmlformats.org/presentationml/2006/main">
   <p:cSld>
     <p:spTree>
@@ -17592,7 +17376,7 @@
         </p:nvSpPr>
         <p:spPr>
           <a:xfrm>
-            <a:off x="3340429" y="1472761"/>
+            <a:off x="3340429" y="2571750"/>
             <a:ext cx="2143560" cy="1630141"/>
           </a:xfrm>
           <a:prstGeom prst="rect">
@@ -17682,19 +17466,7 @@
                 <a:cs typeface="Arial"/>
                 <a:sym typeface="Arial"/>
               </a:rPr>
-              <a:t>Compute Sentiment of each Aspect </a:t>
-            </a:r>
-            <a:r>
-              <a:rPr lang="en" sz="2100" b="1" i="0" u="none" strike="noStrike" cap="none">
-                <a:solidFill>
-                  <a:srgbClr val="0000FF"/>
-                </a:solidFill>
-                <a:latin typeface="Arial"/>
-                <a:ea typeface="Arial"/>
-                <a:cs typeface="Arial"/>
-                <a:sym typeface="Arial"/>
-              </a:rPr>
-              <a:t>- Results</a:t>
+              <a:t>Compute Sentiment of each Aspect</a:t>
             </a:r>
             <a:endParaRPr sz="1100" b="0" i="0" u="none" strike="noStrike" cap="none" dirty="0">
               <a:solidFill>
@@ -17716,7 +17488,7 @@
         </p:nvSpPr>
         <p:spPr>
           <a:xfrm>
-            <a:off x="597467" y="765538"/>
+            <a:off x="597467" y="1087614"/>
             <a:ext cx="7794900" cy="669900"/>
           </a:xfrm>
           <a:prstGeom prst="rect">
@@ -17762,7 +17534,7 @@
         </p:nvSpPr>
         <p:spPr>
           <a:xfrm>
-            <a:off x="1761077" y="765538"/>
+            <a:off x="1761077" y="1087614"/>
             <a:ext cx="1953600" cy="669900"/>
           </a:xfrm>
           <a:prstGeom prst="rect">
@@ -17831,7 +17603,7 @@
         </p:blipFill>
         <p:spPr>
           <a:xfrm>
-            <a:off x="809908" y="787873"/>
+            <a:off x="809908" y="1109949"/>
             <a:ext cx="556695" cy="577313"/>
           </a:xfrm>
           <a:prstGeom prst="rect">
@@ -17859,7 +17631,7 @@
         </p:blipFill>
         <p:spPr>
           <a:xfrm>
-            <a:off x="3946930" y="841613"/>
+            <a:off x="3946930" y="1163689"/>
             <a:ext cx="254763" cy="254763"/>
           </a:xfrm>
           <a:prstGeom prst="rect">
@@ -17887,7 +17659,7 @@
         </p:blipFill>
         <p:spPr>
           <a:xfrm>
-            <a:off x="6167842" y="827020"/>
+            <a:off x="6167842" y="1149096"/>
             <a:ext cx="254750" cy="254750"/>
           </a:xfrm>
           <a:prstGeom prst="rect">
@@ -17907,7 +17679,7 @@
         </p:nvSpPr>
         <p:spPr>
           <a:xfrm>
-            <a:off x="192300" y="406933"/>
+            <a:off x="192300" y="506160"/>
             <a:ext cx="8951700" cy="254700"/>
           </a:xfrm>
           <a:prstGeom prst="rect">
@@ -17953,7 +17725,7 @@
         </p:nvSpPr>
         <p:spPr>
           <a:xfrm>
-            <a:off x="4085242" y="742138"/>
+            <a:off x="4085242" y="1064214"/>
             <a:ext cx="2082600" cy="693300"/>
           </a:xfrm>
           <a:prstGeom prst="rect">
@@ -18052,7 +17824,7 @@
         </p:nvSpPr>
         <p:spPr>
           <a:xfrm>
-            <a:off x="6294242" y="742138"/>
+            <a:off x="6294242" y="1064214"/>
             <a:ext cx="2082600" cy="669900"/>
           </a:xfrm>
           <a:prstGeom prst="rect">
@@ -18194,370 +17966,6 @@
           </a:p>
         </p:txBody>
       </p:sp>
-      <p:pic>
-        <p:nvPicPr>
-          <p:cNvPr id="205" name="Google Shape;205;g6c62c62412_0_178"/>
-          <p:cNvPicPr preferRelativeResize="0"/>
-          <p:nvPr/>
-        </p:nvPicPr>
-        <p:blipFill>
-          <a:blip r:embed="rId6">
-            <a:alphaModFix/>
-          </a:blip>
-          <a:stretch>
-            <a:fillRect/>
-          </a:stretch>
-        </p:blipFill>
-        <p:spPr>
-          <a:xfrm>
-            <a:off x="968944" y="3503353"/>
-            <a:ext cx="7389135" cy="519000"/>
-          </a:xfrm>
-          <a:prstGeom prst="rect">
-            <a:avLst/>
-          </a:prstGeom>
-          <a:noFill/>
-          <a:ln>
-            <a:noFill/>
-          </a:ln>
-        </p:spPr>
-      </p:pic>
-      <p:sp>
-        <p:nvSpPr>
-          <p:cNvPr id="206" name="Google Shape;206;g6c62c62412_0_178" title="2"/>
-          <p:cNvSpPr txBox="1"/>
-          <p:nvPr/>
-        </p:nvSpPr>
-        <p:spPr>
-          <a:xfrm>
-            <a:off x="537094" y="3158706"/>
-            <a:ext cx="8951700" cy="519000"/>
-          </a:xfrm>
-          <a:prstGeom prst="rect">
-            <a:avLst/>
-          </a:prstGeom>
-          <a:noFill/>
-          <a:ln>
-            <a:noFill/>
-          </a:ln>
-        </p:spPr>
-        <p:txBody>
-          <a:bodyPr spcFirstLastPara="1" wrap="square" lIns="91425" tIns="91425" rIns="91425" bIns="91425" anchor="t" anchorCtr="0">
-            <a:noAutofit/>
-          </a:bodyPr>
-          <a:lstStyle/>
-          <a:p>
-            <a:pPr marL="457200" marR="0" lvl="0" indent="-317500" algn="l" rtl="0">
-              <a:lnSpc>
-                <a:spcPct val="100000"/>
-              </a:lnSpc>
-              <a:spcBef>
-                <a:spcPts val="0"/>
-              </a:spcBef>
-              <a:spcAft>
-                <a:spcPts val="0"/>
-              </a:spcAft>
-              <a:buSzPts val="1400"/>
-              <a:buFont typeface="Calibri"/>
-              <a:buChar char="●"/>
-            </a:pPr>
-            <a:r>
-              <a:rPr lang="en" b="1" dirty="0">
-                <a:latin typeface="Calibri"/>
-                <a:ea typeface="Calibri"/>
-                <a:cs typeface="Calibri"/>
-                <a:sym typeface="Calibri"/>
-              </a:rPr>
-              <a:t>Split the reviews to isolate each aspect. </a:t>
-            </a:r>
-            <a:endParaRPr b="1" dirty="0">
-              <a:latin typeface="Calibri"/>
-              <a:ea typeface="Calibri"/>
-              <a:cs typeface="Calibri"/>
-              <a:sym typeface="Calibri"/>
-            </a:endParaRPr>
-          </a:p>
-        </p:txBody>
-      </p:sp>
-      <p:sp>
-        <p:nvSpPr>
-          <p:cNvPr id="207" name="Google Shape;207;g6c62c62412_0_178"/>
-          <p:cNvSpPr/>
-          <p:nvPr/>
-        </p:nvSpPr>
-        <p:spPr>
-          <a:xfrm>
-            <a:off x="995544" y="3536110"/>
-            <a:ext cx="1615800" cy="197400"/>
-          </a:xfrm>
-          <a:prstGeom prst="rect">
-            <a:avLst/>
-          </a:prstGeom>
-          <a:noFill/>
-          <a:ln w="9525" cap="flat" cmpd="sng">
-            <a:solidFill>
-              <a:srgbClr val="FF0000"/>
-            </a:solidFill>
-            <a:prstDash val="solid"/>
-            <a:round/>
-            <a:headEnd type="none" w="sm" len="sm"/>
-            <a:tailEnd type="none" w="sm" len="sm"/>
-          </a:ln>
-        </p:spPr>
-        <p:txBody>
-          <a:bodyPr spcFirstLastPara="1" wrap="square" lIns="91425" tIns="91425" rIns="91425" bIns="91425" anchor="ctr" anchorCtr="0">
-            <a:noAutofit/>
-          </a:bodyPr>
-          <a:lstStyle/>
-          <a:p>
-            <a:pPr marL="0" lvl="0" indent="0" algn="l" rtl="0">
-              <a:spcBef>
-                <a:spcPts val="0"/>
-              </a:spcBef>
-              <a:spcAft>
-                <a:spcPts val="0"/>
-              </a:spcAft>
-              <a:buNone/>
-            </a:pPr>
-            <a:endParaRPr/>
-          </a:p>
-        </p:txBody>
-      </p:sp>
-      <p:sp>
-        <p:nvSpPr>
-          <p:cNvPr id="208" name="Google Shape;208;g6c62c62412_0_178"/>
-          <p:cNvSpPr/>
-          <p:nvPr/>
-        </p:nvSpPr>
-        <p:spPr>
-          <a:xfrm>
-            <a:off x="2595744" y="3536110"/>
-            <a:ext cx="1615800" cy="197400"/>
-          </a:xfrm>
-          <a:prstGeom prst="rect">
-            <a:avLst/>
-          </a:prstGeom>
-          <a:noFill/>
-          <a:ln w="9525" cap="flat" cmpd="sng">
-            <a:solidFill>
-              <a:srgbClr val="FF0000"/>
-            </a:solidFill>
-            <a:prstDash val="solid"/>
-            <a:round/>
-            <a:headEnd type="none" w="sm" len="sm"/>
-            <a:tailEnd type="none" w="sm" len="sm"/>
-          </a:ln>
-        </p:spPr>
-        <p:txBody>
-          <a:bodyPr spcFirstLastPara="1" wrap="square" lIns="91425" tIns="91425" rIns="91425" bIns="91425" anchor="ctr" anchorCtr="0">
-            <a:noAutofit/>
-          </a:bodyPr>
-          <a:lstStyle/>
-          <a:p>
-            <a:pPr marL="0" lvl="0" indent="0" algn="l" rtl="0">
-              <a:spcBef>
-                <a:spcPts val="0"/>
-              </a:spcBef>
-              <a:spcAft>
-                <a:spcPts val="0"/>
-              </a:spcAft>
-              <a:buNone/>
-            </a:pPr>
-            <a:endParaRPr/>
-          </a:p>
-        </p:txBody>
-      </p:sp>
-      <p:sp>
-        <p:nvSpPr>
-          <p:cNvPr id="30" name="Google Shape;198;g6c62c62412_0_178">
-            <a:extLst>
-              <a:ext uri="{FF2B5EF4-FFF2-40B4-BE49-F238E27FC236}">
-                <a16:creationId xmlns:a16="http://schemas.microsoft.com/office/drawing/2014/main" id="{D87CAAC7-61DB-4546-A8E1-1A2FE62F3ECE}"/>
-              </a:ext>
-            </a:extLst>
-          </p:cNvPr>
-          <p:cNvSpPr txBox="1"/>
-          <p:nvPr/>
-        </p:nvSpPr>
-        <p:spPr>
-          <a:xfrm>
-            <a:off x="358489" y="2898692"/>
-            <a:ext cx="8951700" cy="254700"/>
-          </a:xfrm>
-          <a:prstGeom prst="rect">
-            <a:avLst/>
-          </a:prstGeom>
-          <a:noFill/>
-          <a:ln>
-            <a:noFill/>
-          </a:ln>
-        </p:spPr>
-        <p:txBody>
-          <a:bodyPr spcFirstLastPara="1" wrap="square" lIns="91425" tIns="91425" rIns="91425" bIns="91425" anchor="t" anchorCtr="0">
-            <a:noAutofit/>
-          </a:bodyPr>
-          <a:lstStyle/>
-          <a:p>
-            <a:pPr marL="139700" lvl="0" algn="l" rtl="0">
-              <a:spcBef>
-                <a:spcPts val="0"/>
-              </a:spcBef>
-              <a:spcAft>
-                <a:spcPts val="0"/>
-              </a:spcAft>
-              <a:buSzPts val="1400"/>
-            </a:pPr>
-            <a:r>
-              <a:rPr lang="en-GB" b="1" dirty="0">
-                <a:solidFill>
-                  <a:srgbClr val="0000FF"/>
-                </a:solidFill>
-                <a:sym typeface="Calibri"/>
-              </a:rPr>
-              <a:t>Integration in the pipeline</a:t>
-            </a:r>
-          </a:p>
-        </p:txBody>
-      </p:sp>
-      <p:sp>
-        <p:nvSpPr>
-          <p:cNvPr id="31" name="Google Shape;206;g6c62c62412_0_178" title="2">
-            <a:extLst>
-              <a:ext uri="{FF2B5EF4-FFF2-40B4-BE49-F238E27FC236}">
-                <a16:creationId xmlns:a16="http://schemas.microsoft.com/office/drawing/2014/main" id="{987380F5-559C-4C22-9020-DAF4368A5305}"/>
-              </a:ext>
-            </a:extLst>
-          </p:cNvPr>
-          <p:cNvSpPr txBox="1"/>
-          <p:nvPr/>
-        </p:nvSpPr>
-        <p:spPr>
-          <a:xfrm>
-            <a:off x="487088" y="4056980"/>
-            <a:ext cx="8951700" cy="519000"/>
-          </a:xfrm>
-          <a:prstGeom prst="rect">
-            <a:avLst/>
-          </a:prstGeom>
-          <a:noFill/>
-          <a:ln>
-            <a:noFill/>
-          </a:ln>
-        </p:spPr>
-        <p:txBody>
-          <a:bodyPr spcFirstLastPara="1" wrap="square" lIns="91425" tIns="91425" rIns="91425" bIns="91425" anchor="t" anchorCtr="0">
-            <a:noAutofit/>
-          </a:bodyPr>
-          <a:lstStyle/>
-          <a:p>
-            <a:pPr marL="457200" marR="0" lvl="0" indent="-317500" algn="l" rtl="0">
-              <a:lnSpc>
-                <a:spcPct val="100000"/>
-              </a:lnSpc>
-              <a:spcBef>
-                <a:spcPts val="0"/>
-              </a:spcBef>
-              <a:spcAft>
-                <a:spcPts val="0"/>
-              </a:spcAft>
-              <a:buSzPts val="1400"/>
-              <a:buFont typeface="Calibri"/>
-              <a:buChar char="●"/>
-            </a:pPr>
-            <a:r>
-              <a:rPr lang="en-GB" b="1" dirty="0">
-                <a:latin typeface="Calibri"/>
-                <a:ea typeface="Calibri"/>
-                <a:cs typeface="Calibri"/>
-                <a:sym typeface="Calibri"/>
-              </a:rPr>
-              <a:t>Prediction.</a:t>
-            </a:r>
-          </a:p>
-          <a:p>
-            <a:pPr marL="139700" marR="0" lvl="0" algn="l" rtl="0">
-              <a:lnSpc>
-                <a:spcPct val="100000"/>
-              </a:lnSpc>
-              <a:spcBef>
-                <a:spcPts val="0"/>
-              </a:spcBef>
-              <a:spcAft>
-                <a:spcPts val="0"/>
-              </a:spcAft>
-              <a:buSzPts val="1400"/>
-            </a:pPr>
-            <a:r>
-              <a:rPr lang="en-GB" dirty="0">
-                <a:latin typeface="Calibri"/>
-                <a:ea typeface="Calibri"/>
-                <a:cs typeface="Calibri"/>
-                <a:sym typeface="Calibri"/>
-              </a:rPr>
-              <a:t>For each simple sentence that discuss an aspect we predict the sentiment.</a:t>
-            </a:r>
-          </a:p>
-          <a:p>
-            <a:pPr marL="139700" marR="0" lvl="0" algn="l" rtl="0">
-              <a:lnSpc>
-                <a:spcPct val="100000"/>
-              </a:lnSpc>
-              <a:spcBef>
-                <a:spcPts val="0"/>
-              </a:spcBef>
-              <a:spcAft>
-                <a:spcPts val="0"/>
-              </a:spcAft>
-              <a:buSzPts val="1400"/>
-            </a:pPr>
-            <a:r>
-              <a:rPr lang="en-GB" dirty="0">
-                <a:latin typeface="Calibri"/>
-                <a:ea typeface="Calibri"/>
-                <a:cs typeface="Calibri"/>
-                <a:sym typeface="Calibri"/>
-              </a:rPr>
-              <a:t>Then we aggregate the sentiments in one “opinion vector” per review.      </a:t>
-            </a:r>
-            <a:r>
-              <a:rPr lang="en-GB" dirty="0" err="1">
-                <a:latin typeface="Calibri"/>
-                <a:ea typeface="Calibri"/>
-                <a:cs typeface="Calibri"/>
-                <a:sym typeface="Calibri"/>
-              </a:rPr>
-              <a:t>E.g</a:t>
-            </a:r>
-            <a:r>
-              <a:rPr lang="en-GB" dirty="0">
-                <a:latin typeface="Calibri"/>
-                <a:ea typeface="Calibri"/>
-                <a:cs typeface="Calibri"/>
-                <a:sym typeface="Calibri"/>
-              </a:rPr>
-              <a:t>  o</a:t>
-            </a:r>
-            <a:r>
-              <a:rPr lang="en-GB" sz="1050" dirty="0">
-                <a:latin typeface="Calibri"/>
-                <a:ea typeface="Calibri"/>
-                <a:cs typeface="Calibri"/>
-                <a:sym typeface="Calibri"/>
-              </a:rPr>
-              <a:t>r</a:t>
-            </a:r>
-            <a:r>
-              <a:rPr lang="en-GB" dirty="0">
-                <a:latin typeface="Calibri"/>
-                <a:ea typeface="Calibri"/>
-                <a:cs typeface="Calibri"/>
-                <a:sym typeface="Calibri"/>
-              </a:rPr>
-              <a:t> = [ 0, 0, +0.9, 0, 0, -0.4]</a:t>
-            </a:r>
-          </a:p>
-        </p:txBody>
-      </p:sp>
       <p:sp>
         <p:nvSpPr>
           <p:cNvPr id="2" name="Rectangle 1">
@@ -18572,7 +17980,7 @@
         </p:nvSpPr>
         <p:spPr>
           <a:xfrm>
-            <a:off x="3377621" y="1531644"/>
+            <a:off x="3377621" y="2630633"/>
             <a:ext cx="2082600" cy="254700"/>
           </a:xfrm>
           <a:prstGeom prst="rect">
@@ -18624,7 +18032,7 @@
         </p:nvSpPr>
         <p:spPr>
           <a:xfrm>
-            <a:off x="3388552" y="1849473"/>
+            <a:off x="3388552" y="2948462"/>
             <a:ext cx="2071669" cy="254700"/>
           </a:xfrm>
           <a:prstGeom prst="rect">
@@ -18676,7 +18084,7 @@
         </p:nvSpPr>
         <p:spPr>
           <a:xfrm>
-            <a:off x="3388552" y="2171442"/>
+            <a:off x="3388552" y="3270431"/>
             <a:ext cx="2071669" cy="254700"/>
           </a:xfrm>
           <a:prstGeom prst="rect">
@@ -18728,7 +18136,7 @@
         </p:nvSpPr>
         <p:spPr>
           <a:xfrm>
-            <a:off x="3645986" y="1543426"/>
+            <a:off x="3645986" y="2642415"/>
             <a:ext cx="1726112" cy="261610"/>
           </a:xfrm>
           <a:prstGeom prst="rect">
@@ -18763,7 +18171,7 @@
         </p:nvSpPr>
         <p:spPr>
           <a:xfrm>
-            <a:off x="3652309" y="1834942"/>
+            <a:off x="3652309" y="2933931"/>
             <a:ext cx="1868872" cy="261610"/>
           </a:xfrm>
           <a:prstGeom prst="rect">
@@ -18798,7 +18206,7 @@
         </p:nvSpPr>
         <p:spPr>
           <a:xfrm>
-            <a:off x="3549131" y="2163005"/>
+            <a:off x="3549131" y="3261994"/>
             <a:ext cx="1739579" cy="261610"/>
           </a:xfrm>
           <a:prstGeom prst="rect">
@@ -18837,7 +18245,7 @@
         </p:nvSpPr>
         <p:spPr>
           <a:xfrm>
-            <a:off x="3931445" y="2488177"/>
+            <a:off x="3931445" y="3587166"/>
             <a:ext cx="974947" cy="254700"/>
           </a:xfrm>
           <a:prstGeom prst="rect">
@@ -18889,7 +18297,7 @@
         </p:nvSpPr>
         <p:spPr>
           <a:xfrm>
-            <a:off x="3931445" y="2484722"/>
+            <a:off x="3931445" y="3583711"/>
             <a:ext cx="974947" cy="261610"/>
           </a:xfrm>
           <a:prstGeom prst="rect">
@@ -18924,7 +18332,7 @@
         </p:nvSpPr>
         <p:spPr>
           <a:xfrm>
-            <a:off x="4106572" y="2784811"/>
+            <a:off x="4106572" y="3883800"/>
             <a:ext cx="621506" cy="254700"/>
           </a:xfrm>
           <a:prstGeom prst="rect">
@@ -18976,7 +18384,7 @@
         </p:nvSpPr>
         <p:spPr>
           <a:xfrm>
-            <a:off x="4034848" y="2768665"/>
+            <a:off x="4034848" y="3867654"/>
             <a:ext cx="764953" cy="261610"/>
           </a:xfrm>
           <a:prstGeom prst="rect">
@@ -19011,7 +18419,7 @@
         </p:nvSpPr>
         <p:spPr>
           <a:xfrm rot="5400000">
-            <a:off x="2739068" y="2036214"/>
+            <a:off x="2739068" y="3135203"/>
             <a:ext cx="530384" cy="498726"/>
           </a:xfrm>
           <a:prstGeom prst="triangle">
@@ -19069,7 +18477,7 @@
         </p:nvSpPr>
         <p:spPr>
           <a:xfrm rot="5400000">
-            <a:off x="5560450" y="2036251"/>
+            <a:off x="5560450" y="3135240"/>
             <a:ext cx="530384" cy="498726"/>
           </a:xfrm>
           <a:prstGeom prst="triangle">
@@ -19128,7 +18536,7 @@
           <p:nvPr/>
         </p:nvPicPr>
         <p:blipFill>
-          <a:blip r:embed="rId7">
+          <a:blip r:embed="rId6">
             <a:extLst>
               <a:ext uri="{28A0092B-C50C-407E-A947-70E740481C1C}">
                 <a14:useLocalDpi xmlns:a14="http://schemas.microsoft.com/office/drawing/2010/main" val="0"/>
@@ -19142,7 +18550,7 @@
         </p:blipFill>
         <p:spPr bwMode="auto">
           <a:xfrm>
-            <a:off x="6091733" y="1544968"/>
+            <a:off x="6091733" y="2643957"/>
             <a:ext cx="2256682" cy="1592278"/>
           </a:xfrm>
           <a:prstGeom prst="rect">
@@ -19174,8 +18582,8 @@
         </p:nvSpPr>
         <p:spPr>
           <a:xfrm>
-            <a:off x="172714" y="1553297"/>
-            <a:ext cx="2645286" cy="1231106"/>
+            <a:off x="172714" y="2948462"/>
+            <a:ext cx="2645286" cy="1015663"/>
           </a:xfrm>
           <a:prstGeom prst="rect">
             <a:avLst/>
@@ -19189,29 +18597,761 @@
           <a:lstStyle/>
           <a:p>
             <a:r>
-              <a:rPr lang="fr-FR" u="sng" dirty="0"/>
-              <a:t>Training Data </a:t>
+              <a:rPr lang="en-GB" sz="1200" dirty="0"/>
+              <a:t>500,000 unused reviews from the original dataset.</a:t>
+            </a:r>
+          </a:p>
+          <a:p>
+            <a:endParaRPr lang="en-GB" sz="1200" dirty="0"/>
+          </a:p>
+          <a:p>
+            <a:r>
+              <a:rPr lang="en-GB" sz="1200" dirty="0"/>
+              <a:t>Binary Labels (Positive = 1, Negative = -1)</a:t>
+            </a:r>
+          </a:p>
+        </p:txBody>
+      </p:sp>
+      <p:sp>
+        <p:nvSpPr>
+          <p:cNvPr id="6" name="TextBox 5">
+            <a:extLst>
+              <a:ext uri="{FF2B5EF4-FFF2-40B4-BE49-F238E27FC236}">
+                <a16:creationId xmlns:a16="http://schemas.microsoft.com/office/drawing/2014/main" id="{2CE27645-0391-49AF-9462-82FB92DD4A7A}"/>
+              </a:ext>
+            </a:extLst>
+          </p:cNvPr>
+          <p:cNvSpPr txBox="1"/>
+          <p:nvPr/>
+        </p:nvSpPr>
+        <p:spPr>
+          <a:xfrm>
+            <a:off x="163113" y="2258410"/>
+            <a:ext cx="1534069" cy="276999"/>
+          </a:xfrm>
+          <a:prstGeom prst="rect">
+            <a:avLst/>
+          </a:prstGeom>
+          <a:noFill/>
+        </p:spPr>
+        <p:txBody>
+          <a:bodyPr wrap="square" rtlCol="0">
+            <a:spAutoFit/>
+          </a:bodyPr>
+          <a:lstStyle/>
+          <a:p>
+            <a:r>
+              <a:rPr lang="en-GB" sz="1200" b="1" dirty="0"/>
+              <a:t>Training Data</a:t>
+            </a:r>
+          </a:p>
+        </p:txBody>
+      </p:sp>
+      <p:cxnSp>
+        <p:nvCxnSpPr>
+          <p:cNvPr id="8" name="Straight Connector 7">
+            <a:extLst>
+              <a:ext uri="{FF2B5EF4-FFF2-40B4-BE49-F238E27FC236}">
+                <a16:creationId xmlns:a16="http://schemas.microsoft.com/office/drawing/2014/main" id="{AF3B61AA-3591-4DF2-AD43-044248BE6E7E}"/>
+              </a:ext>
+            </a:extLst>
+          </p:cNvPr>
+          <p:cNvCxnSpPr/>
+          <p:nvPr/>
+        </p:nvCxnSpPr>
+        <p:spPr>
+          <a:xfrm>
+            <a:off x="255403" y="2516334"/>
+            <a:ext cx="2562597" cy="0"/>
+          </a:xfrm>
+          <a:prstGeom prst="line">
+            <a:avLst/>
+          </a:prstGeom>
+          <a:ln w="22225"/>
+        </p:spPr>
+        <p:style>
+          <a:lnRef idx="1">
+            <a:schemeClr val="accent1"/>
+          </a:lnRef>
+          <a:fillRef idx="0">
+            <a:schemeClr val="accent1"/>
+          </a:fillRef>
+          <a:effectRef idx="0">
+            <a:schemeClr val="accent1"/>
+          </a:effectRef>
+          <a:fontRef idx="minor">
+            <a:schemeClr val="tx1"/>
+          </a:fontRef>
+        </p:style>
+      </p:cxnSp>
+      <p:sp>
+        <p:nvSpPr>
+          <p:cNvPr id="43" name="TextBox 42">
+            <a:extLst>
+              <a:ext uri="{FF2B5EF4-FFF2-40B4-BE49-F238E27FC236}">
+                <a16:creationId xmlns:a16="http://schemas.microsoft.com/office/drawing/2014/main" id="{6EC168AF-D51E-4B76-9EE8-751A28D04B9B}"/>
+              </a:ext>
+            </a:extLst>
+          </p:cNvPr>
+          <p:cNvSpPr txBox="1"/>
+          <p:nvPr/>
+        </p:nvSpPr>
+        <p:spPr>
+          <a:xfrm>
+            <a:off x="3245707" y="2261425"/>
+            <a:ext cx="2214514" cy="276999"/>
+          </a:xfrm>
+          <a:prstGeom prst="rect">
+            <a:avLst/>
+          </a:prstGeom>
+          <a:noFill/>
+        </p:spPr>
+        <p:txBody>
+          <a:bodyPr wrap="square" rtlCol="0">
+            <a:spAutoFit/>
+          </a:bodyPr>
+          <a:lstStyle/>
+          <a:p>
+            <a:r>
+              <a:rPr lang="en-GB" sz="1200" b="1" dirty="0"/>
+              <a:t>Network Parameters</a:t>
+            </a:r>
+          </a:p>
+        </p:txBody>
+      </p:sp>
+      <p:cxnSp>
+        <p:nvCxnSpPr>
+          <p:cNvPr id="44" name="Straight Connector 43">
+            <a:extLst>
+              <a:ext uri="{FF2B5EF4-FFF2-40B4-BE49-F238E27FC236}">
+                <a16:creationId xmlns:a16="http://schemas.microsoft.com/office/drawing/2014/main" id="{C2B4B937-7C6B-442B-9C32-AB425594558E}"/>
+              </a:ext>
+            </a:extLst>
+          </p:cNvPr>
+          <p:cNvCxnSpPr/>
+          <p:nvPr/>
+        </p:nvCxnSpPr>
+        <p:spPr>
+          <a:xfrm>
+            <a:off x="3337997" y="2519349"/>
+            <a:ext cx="2562597" cy="0"/>
+          </a:xfrm>
+          <a:prstGeom prst="line">
+            <a:avLst/>
+          </a:prstGeom>
+          <a:ln w="22225"/>
+        </p:spPr>
+        <p:style>
+          <a:lnRef idx="1">
+            <a:schemeClr val="accent1"/>
+          </a:lnRef>
+          <a:fillRef idx="0">
+            <a:schemeClr val="accent1"/>
+          </a:fillRef>
+          <a:effectRef idx="0">
+            <a:schemeClr val="accent1"/>
+          </a:effectRef>
+          <a:fontRef idx="minor">
+            <a:schemeClr val="tx1"/>
+          </a:fontRef>
+        </p:style>
+      </p:cxnSp>
+      <p:sp>
+        <p:nvSpPr>
+          <p:cNvPr id="46" name="TextBox 45">
+            <a:extLst>
+              <a:ext uri="{FF2B5EF4-FFF2-40B4-BE49-F238E27FC236}">
+                <a16:creationId xmlns:a16="http://schemas.microsoft.com/office/drawing/2014/main" id="{9A556409-D908-492F-A4E8-8FACFFFC9444}"/>
+              </a:ext>
+            </a:extLst>
+          </p:cNvPr>
+          <p:cNvSpPr txBox="1"/>
+          <p:nvPr/>
+        </p:nvSpPr>
+        <p:spPr>
+          <a:xfrm>
+            <a:off x="6075005" y="2258410"/>
+            <a:ext cx="1534069" cy="276999"/>
+          </a:xfrm>
+          <a:prstGeom prst="rect">
+            <a:avLst/>
+          </a:prstGeom>
+          <a:noFill/>
+        </p:spPr>
+        <p:txBody>
+          <a:bodyPr wrap="square" rtlCol="0">
+            <a:spAutoFit/>
+          </a:bodyPr>
+          <a:lstStyle/>
+          <a:p>
+            <a:r>
+              <a:rPr lang="en-GB" sz="1200" b="1" dirty="0"/>
+              <a:t>Results</a:t>
+            </a:r>
+          </a:p>
+        </p:txBody>
+      </p:sp>
+      <p:cxnSp>
+        <p:nvCxnSpPr>
+          <p:cNvPr id="47" name="Straight Connector 46">
+            <a:extLst>
+              <a:ext uri="{FF2B5EF4-FFF2-40B4-BE49-F238E27FC236}">
+                <a16:creationId xmlns:a16="http://schemas.microsoft.com/office/drawing/2014/main" id="{AAA4678F-1F88-44E3-AEEB-9CF9012F81B3}"/>
+              </a:ext>
+            </a:extLst>
+          </p:cNvPr>
+          <p:cNvCxnSpPr/>
+          <p:nvPr/>
+        </p:nvCxnSpPr>
+        <p:spPr>
+          <a:xfrm>
+            <a:off x="6167295" y="2516334"/>
+            <a:ext cx="2562597" cy="0"/>
+          </a:xfrm>
+          <a:prstGeom prst="line">
+            <a:avLst/>
+          </a:prstGeom>
+          <a:ln w="22225"/>
+        </p:spPr>
+        <p:style>
+          <a:lnRef idx="1">
+            <a:schemeClr val="accent1"/>
+          </a:lnRef>
+          <a:fillRef idx="0">
+            <a:schemeClr val="accent1"/>
+          </a:fillRef>
+          <a:effectRef idx="0">
+            <a:schemeClr val="accent1"/>
+          </a:effectRef>
+          <a:fontRef idx="minor">
+            <a:schemeClr val="tx1"/>
+          </a:fontRef>
+        </p:style>
+      </p:cxnSp>
+    </p:spTree>
+  </p:cSld>
+  <p:clrMapOvr>
+    <a:masterClrMapping/>
+  </p:clrMapOvr>
+</p:sld>
+</file>
+
+<file path=ppt/slides/slide12.xml><?xml version="1.0" encoding="utf-8"?>
+<p:sld xmlns:a="http://schemas.openxmlformats.org/drawingml/2006/main" xmlns:r="http://schemas.openxmlformats.org/officeDocument/2006/relationships" xmlns:p="http://schemas.openxmlformats.org/presentationml/2006/main">
+  <p:cSld>
+    <p:spTree>
+      <p:nvGrpSpPr>
+        <p:cNvPr id="1" name="Shape 181"/>
+        <p:cNvGrpSpPr/>
+        <p:nvPr/>
+      </p:nvGrpSpPr>
+      <p:grpSpPr>
+        <a:xfrm>
+          <a:off x="0" y="0"/>
+          <a:ext cx="0" cy="0"/>
+          <a:chOff x="0" y="0"/>
+          <a:chExt cx="0" cy="0"/>
+        </a:xfrm>
+      </p:grpSpPr>
+      <p:sp>
+        <p:nvSpPr>
+          <p:cNvPr id="182" name="Google Shape;182;g6c62c62412_0_178"/>
+          <p:cNvSpPr txBox="1"/>
+          <p:nvPr/>
+        </p:nvSpPr>
+        <p:spPr>
+          <a:xfrm>
+            <a:off x="358489" y="107523"/>
+            <a:ext cx="6420000" cy="519000"/>
+          </a:xfrm>
+          <a:prstGeom prst="rect">
+            <a:avLst/>
+          </a:prstGeom>
+          <a:noFill/>
+          <a:ln>
+            <a:noFill/>
+          </a:ln>
+        </p:spPr>
+        <p:txBody>
+          <a:bodyPr spcFirstLastPara="1" wrap="square" lIns="35100" tIns="35100" rIns="35100" bIns="35100" anchor="t" anchorCtr="0">
+            <a:noAutofit/>
+          </a:bodyPr>
+          <a:lstStyle/>
+          <a:p>
+            <a:pPr marL="342900" marR="0" lvl="0" indent="-342900" algn="l" rtl="0">
+              <a:lnSpc>
+                <a:spcPct val="90000"/>
+              </a:lnSpc>
+              <a:spcBef>
+                <a:spcPts val="0"/>
+              </a:spcBef>
+              <a:spcAft>
+                <a:spcPts val="0"/>
+              </a:spcAft>
+              <a:buClr>
+                <a:srgbClr val="000000"/>
+              </a:buClr>
+              <a:buSzPts val="2100"/>
+              <a:buFont typeface="Arial"/>
+              <a:buNone/>
+            </a:pPr>
+            <a:r>
+              <a:rPr lang="en" sz="2100" b="1" i="0" u="none" strike="noStrike" cap="none" dirty="0">
+                <a:solidFill>
+                  <a:srgbClr val="0000FF"/>
+                </a:solidFill>
+                <a:latin typeface="Arial"/>
+                <a:ea typeface="Arial"/>
+                <a:cs typeface="Arial"/>
+                <a:sym typeface="Arial"/>
+              </a:rPr>
+              <a:t>Compute Sentiment of each Aspect</a:t>
+            </a:r>
+            <a:endParaRPr sz="1100" b="0" i="0" u="none" strike="noStrike" cap="none" dirty="0">
+              <a:solidFill>
+                <a:srgbClr val="000000"/>
+              </a:solidFill>
+              <a:latin typeface="Arial"/>
+              <a:ea typeface="Arial"/>
+              <a:cs typeface="Arial"/>
+              <a:sym typeface="Arial"/>
+            </a:endParaRPr>
+          </a:p>
+        </p:txBody>
+      </p:sp>
+      <p:pic>
+        <p:nvPicPr>
+          <p:cNvPr id="205" name="Google Shape;205;g6c62c62412_0_178"/>
+          <p:cNvPicPr preferRelativeResize="0"/>
+          <p:nvPr/>
+        </p:nvPicPr>
+        <p:blipFill>
+          <a:blip r:embed="rId3">
+            <a:alphaModFix/>
+          </a:blip>
+          <a:stretch>
+            <a:fillRect/>
+          </a:stretch>
+        </p:blipFill>
+        <p:spPr>
+          <a:xfrm>
+            <a:off x="727387" y="1547200"/>
+            <a:ext cx="7389135" cy="519000"/>
+          </a:xfrm>
+          <a:prstGeom prst="rect">
+            <a:avLst/>
+          </a:prstGeom>
+          <a:noFill/>
+          <a:ln>
+            <a:noFill/>
+          </a:ln>
+        </p:spPr>
+      </p:pic>
+      <p:sp>
+        <p:nvSpPr>
+          <p:cNvPr id="207" name="Google Shape;207;g6c62c62412_0_178"/>
+          <p:cNvSpPr/>
+          <p:nvPr/>
+        </p:nvSpPr>
+        <p:spPr>
+          <a:xfrm>
+            <a:off x="753987" y="1579957"/>
+            <a:ext cx="1615800" cy="197400"/>
+          </a:xfrm>
+          <a:prstGeom prst="rect">
+            <a:avLst/>
+          </a:prstGeom>
+          <a:noFill/>
+          <a:ln w="9525" cap="flat" cmpd="sng">
+            <a:solidFill>
+              <a:srgbClr val="FF0000"/>
+            </a:solidFill>
+            <a:prstDash val="solid"/>
+            <a:round/>
+            <a:headEnd type="none" w="sm" len="sm"/>
+            <a:tailEnd type="none" w="sm" len="sm"/>
+          </a:ln>
+        </p:spPr>
+        <p:txBody>
+          <a:bodyPr spcFirstLastPara="1" wrap="square" lIns="91425" tIns="91425" rIns="91425" bIns="91425" anchor="ctr" anchorCtr="0">
+            <a:noAutofit/>
+          </a:bodyPr>
+          <a:lstStyle/>
+          <a:p>
+            <a:pPr marL="0" lvl="0" indent="0" algn="l" rtl="0">
+              <a:spcBef>
+                <a:spcPts val="0"/>
+              </a:spcBef>
+              <a:spcAft>
+                <a:spcPts val="0"/>
+              </a:spcAft>
+              <a:buNone/>
+            </a:pPr>
+            <a:endParaRPr/>
+          </a:p>
+        </p:txBody>
+      </p:sp>
+      <p:sp>
+        <p:nvSpPr>
+          <p:cNvPr id="208" name="Google Shape;208;g6c62c62412_0_178"/>
+          <p:cNvSpPr/>
+          <p:nvPr/>
+        </p:nvSpPr>
+        <p:spPr>
+          <a:xfrm>
+            <a:off x="2354187" y="1579957"/>
+            <a:ext cx="1615800" cy="197400"/>
+          </a:xfrm>
+          <a:prstGeom prst="rect">
+            <a:avLst/>
+          </a:prstGeom>
+          <a:noFill/>
+          <a:ln w="9525" cap="flat" cmpd="sng">
+            <a:solidFill>
+              <a:srgbClr val="FF0000"/>
+            </a:solidFill>
+            <a:prstDash val="solid"/>
+            <a:round/>
+            <a:headEnd type="none" w="sm" len="sm"/>
+            <a:tailEnd type="none" w="sm" len="sm"/>
+          </a:ln>
+        </p:spPr>
+        <p:txBody>
+          <a:bodyPr spcFirstLastPara="1" wrap="square" lIns="91425" tIns="91425" rIns="91425" bIns="91425" anchor="ctr" anchorCtr="0">
+            <a:noAutofit/>
+          </a:bodyPr>
+          <a:lstStyle/>
+          <a:p>
+            <a:pPr marL="0" lvl="0" indent="0" algn="l" rtl="0">
+              <a:spcBef>
+                <a:spcPts val="0"/>
+              </a:spcBef>
+              <a:spcAft>
+                <a:spcPts val="0"/>
+              </a:spcAft>
+              <a:buNone/>
+            </a:pPr>
+            <a:endParaRPr/>
+          </a:p>
+        </p:txBody>
+      </p:sp>
+      <p:sp>
+        <p:nvSpPr>
+          <p:cNvPr id="30" name="Google Shape;198;g6c62c62412_0_178">
+            <a:extLst>
+              <a:ext uri="{FF2B5EF4-FFF2-40B4-BE49-F238E27FC236}">
+                <a16:creationId xmlns:a16="http://schemas.microsoft.com/office/drawing/2014/main" id="{D87CAAC7-61DB-4546-A8E1-1A2FE62F3ECE}"/>
+              </a:ext>
+            </a:extLst>
+          </p:cNvPr>
+          <p:cNvSpPr txBox="1"/>
+          <p:nvPr/>
+        </p:nvSpPr>
+        <p:spPr>
+          <a:xfrm>
+            <a:off x="96150" y="730455"/>
+            <a:ext cx="8951700" cy="254700"/>
+          </a:xfrm>
+          <a:prstGeom prst="rect">
+            <a:avLst/>
+          </a:prstGeom>
+          <a:noFill/>
+          <a:ln>
+            <a:noFill/>
+          </a:ln>
+        </p:spPr>
+        <p:txBody>
+          <a:bodyPr spcFirstLastPara="1" wrap="square" lIns="91425" tIns="91425" rIns="91425" bIns="91425" anchor="t" anchorCtr="0">
+            <a:noAutofit/>
+          </a:bodyPr>
+          <a:lstStyle/>
+          <a:p>
+            <a:pPr marL="139700" lvl="0" algn="l" rtl="0">
+              <a:spcBef>
+                <a:spcPts val="0"/>
+              </a:spcBef>
+              <a:spcAft>
+                <a:spcPts val="0"/>
+              </a:spcAft>
+              <a:buSzPts val="1400"/>
+            </a:pPr>
+            <a:r>
+              <a:rPr lang="en-GB" b="1" dirty="0">
+                <a:solidFill>
+                  <a:srgbClr val="0000FF"/>
+                </a:solidFill>
+                <a:sym typeface="Calibri"/>
+              </a:rPr>
+              <a:t>Integration in the pipeline</a:t>
+            </a:r>
+          </a:p>
+        </p:txBody>
+      </p:sp>
+      <p:sp>
+        <p:nvSpPr>
+          <p:cNvPr id="32" name="Google Shape;158;g7094c8f8b5_0_132">
+            <a:extLst>
+              <a:ext uri="{FF2B5EF4-FFF2-40B4-BE49-F238E27FC236}">
+                <a16:creationId xmlns:a16="http://schemas.microsoft.com/office/drawing/2014/main" id="{DC3D5A4D-D0C1-473F-ADB9-898DBDB7935E}"/>
+              </a:ext>
+            </a:extLst>
+          </p:cNvPr>
+          <p:cNvSpPr txBox="1"/>
+          <p:nvPr/>
+        </p:nvSpPr>
+        <p:spPr>
+          <a:xfrm>
+            <a:off x="224749" y="1203910"/>
+            <a:ext cx="7977930" cy="1367840"/>
+          </a:xfrm>
+          <a:prstGeom prst="rect">
+            <a:avLst/>
+          </a:prstGeom>
+          <a:noFill/>
+          <a:ln>
+            <a:noFill/>
+          </a:ln>
+        </p:spPr>
+        <p:txBody>
+          <a:bodyPr spcFirstLastPara="1" wrap="square" lIns="91425" tIns="91425" rIns="91425" bIns="91425" anchor="t" anchorCtr="0">
+            <a:noAutofit/>
+          </a:bodyPr>
+          <a:lstStyle/>
+          <a:p>
+            <a:pPr marL="457200" marR="0" lvl="0" indent="-323850" algn="l" rtl="0">
+              <a:lnSpc>
+                <a:spcPct val="100000"/>
+              </a:lnSpc>
+              <a:spcBef>
+                <a:spcPts val="0"/>
+              </a:spcBef>
+              <a:spcAft>
+                <a:spcPts val="0"/>
+              </a:spcAft>
+              <a:buClr>
+                <a:srgbClr val="000000"/>
+              </a:buClr>
+              <a:buSzPts val="1500"/>
+              <a:buFont typeface="Arial"/>
+              <a:buChar char="●"/>
+            </a:pPr>
+            <a:r>
+              <a:rPr lang="en-GB" sz="1200" b="0" i="0" u="none" strike="noStrike" cap="none" dirty="0">
+                <a:solidFill>
+                  <a:srgbClr val="000000"/>
+                </a:solidFill>
+                <a:latin typeface="Arial"/>
+                <a:ea typeface="Arial"/>
+                <a:cs typeface="Arial"/>
+                <a:sym typeface="Arial"/>
+              </a:rPr>
+              <a:t>For each aspect, identify and extract the relevant sentence</a:t>
+            </a:r>
+          </a:p>
+          <a:p>
+            <a:pPr marL="457200" marR="0" lvl="0" indent="-323850" algn="l" rtl="0">
+              <a:lnSpc>
+                <a:spcPct val="100000"/>
+              </a:lnSpc>
+              <a:spcBef>
+                <a:spcPts val="0"/>
+              </a:spcBef>
+              <a:spcAft>
+                <a:spcPts val="0"/>
+              </a:spcAft>
+              <a:buClr>
+                <a:srgbClr val="000000"/>
+              </a:buClr>
+              <a:buSzPts val="1500"/>
+              <a:buFont typeface="Arial"/>
+              <a:buChar char="●"/>
+            </a:pPr>
+            <a:endParaRPr lang="en-GB" sz="1200" dirty="0"/>
+          </a:p>
+          <a:p>
+            <a:pPr marL="457200" marR="0" lvl="0" indent="-323850" algn="l" rtl="0">
+              <a:lnSpc>
+                <a:spcPct val="100000"/>
+              </a:lnSpc>
+              <a:spcBef>
+                <a:spcPts val="0"/>
+              </a:spcBef>
+              <a:spcAft>
+                <a:spcPts val="0"/>
+              </a:spcAft>
+              <a:buClr>
+                <a:srgbClr val="000000"/>
+              </a:buClr>
+              <a:buSzPts val="1500"/>
+              <a:buFont typeface="Arial"/>
+              <a:buChar char="●"/>
+            </a:pPr>
+            <a:endParaRPr lang="en-GB" sz="1200" b="0" i="0" u="none" strike="noStrike" cap="none" dirty="0">
+              <a:solidFill>
+                <a:srgbClr val="000000"/>
+              </a:solidFill>
+              <a:latin typeface="Arial"/>
+              <a:ea typeface="Arial"/>
+              <a:cs typeface="Arial"/>
+              <a:sym typeface="Arial"/>
+            </a:endParaRPr>
+          </a:p>
+          <a:p>
+            <a:pPr marL="457200" marR="0" lvl="0" indent="-323850" algn="l" rtl="0">
+              <a:lnSpc>
+                <a:spcPct val="100000"/>
+              </a:lnSpc>
+              <a:spcBef>
+                <a:spcPts val="0"/>
+              </a:spcBef>
+              <a:spcAft>
+                <a:spcPts val="0"/>
+              </a:spcAft>
+              <a:buClr>
+                <a:srgbClr val="000000"/>
+              </a:buClr>
+              <a:buSzPts val="1500"/>
+              <a:buFont typeface="Arial"/>
+              <a:buChar char="●"/>
+            </a:pPr>
+            <a:endParaRPr lang="en-GB" sz="1200" dirty="0"/>
+          </a:p>
+          <a:p>
+            <a:pPr marL="457200" marR="0" lvl="0" indent="-323850" algn="l" rtl="0">
+              <a:lnSpc>
+                <a:spcPct val="100000"/>
+              </a:lnSpc>
+              <a:spcBef>
+                <a:spcPts val="0"/>
+              </a:spcBef>
+              <a:spcAft>
+                <a:spcPts val="0"/>
+              </a:spcAft>
+              <a:buClr>
+                <a:srgbClr val="000000"/>
+              </a:buClr>
+              <a:buSzPts val="1500"/>
+              <a:buFont typeface="Arial"/>
+              <a:buChar char="●"/>
+            </a:pPr>
+            <a:endParaRPr lang="en-GB" sz="1200" b="0" i="0" u="none" strike="noStrike" cap="none" dirty="0">
+              <a:solidFill>
+                <a:srgbClr val="000000"/>
+              </a:solidFill>
+              <a:latin typeface="Arial"/>
+              <a:ea typeface="Arial"/>
+              <a:cs typeface="Arial"/>
+              <a:sym typeface="Arial"/>
+            </a:endParaRPr>
+          </a:p>
+          <a:p>
+            <a:pPr marL="457200" marR="0" lvl="0" indent="-323850" algn="l" rtl="0">
+              <a:lnSpc>
+                <a:spcPct val="100000"/>
+              </a:lnSpc>
+              <a:spcBef>
+                <a:spcPts val="0"/>
+              </a:spcBef>
+              <a:spcAft>
+                <a:spcPts val="0"/>
+              </a:spcAft>
+              <a:buClr>
+                <a:srgbClr val="000000"/>
+              </a:buClr>
+              <a:buSzPts val="1500"/>
+              <a:buFont typeface="Arial"/>
+              <a:buChar char="●"/>
+            </a:pPr>
+            <a:r>
+              <a:rPr lang="en-GB" sz="1200" dirty="0"/>
+              <a:t>Apply our sentiment model to each of the extract sentences</a:t>
+            </a:r>
+          </a:p>
+          <a:p>
+            <a:pPr marL="457200" lvl="4" indent="-323850">
+              <a:buSzPts val="1500"/>
+              <a:buFont typeface="Arial"/>
+              <a:buChar char="●"/>
+            </a:pPr>
+            <a:endParaRPr lang="en-GB" sz="1200" dirty="0"/>
+          </a:p>
+          <a:p>
+            <a:pPr marL="457200" lvl="4" indent="-323850">
+              <a:buSzPts val="1500"/>
+              <a:buFont typeface="Arial"/>
+              <a:buChar char="●"/>
+            </a:pPr>
+            <a:r>
+              <a:rPr lang="en-GB" sz="1200" dirty="0"/>
+              <a:t>Results in a single opinion per aspect </a:t>
+            </a:r>
+          </a:p>
+          <a:p>
+            <a:pPr marL="457200" lvl="4" indent="-323850">
+              <a:buSzPts val="1500"/>
+              <a:buFont typeface="Arial"/>
+              <a:buChar char="●"/>
+            </a:pPr>
+            <a:endParaRPr lang="en-GB" sz="1200" dirty="0"/>
+          </a:p>
+          <a:p>
+            <a:pPr marL="457200" lvl="4" indent="-323850">
+              <a:buSzPts val="1500"/>
+              <a:buFont typeface="Arial"/>
+              <a:buChar char="●"/>
+            </a:pPr>
+            <a:r>
+              <a:rPr lang="en-GB" sz="1200" dirty="0"/>
+              <a:t>Generate an opinion vector for each review. If there are 100 aspects in total then the opinion vector has 100 values where each index correspond to a particular aspect.  Within a single aspect, all values are 0 except for the aspects that appear in this review (e.g., </a:t>
             </a:r>
             <a:r>
-              <a:rPr lang="fr-FR" dirty="0"/>
-              <a:t>:</a:t>
+              <a:rPr lang="en-GB" sz="1200" dirty="0">
+                <a:latin typeface="+mj-lt"/>
+                <a:ea typeface="Calibri"/>
+                <a:cs typeface="Calibri"/>
+                <a:sym typeface="Calibri"/>
+              </a:rPr>
+              <a:t>[ 0, 0, +0.9, 0, 0, -0.4])</a:t>
             </a:r>
           </a:p>
           <a:p>
+            <a:pPr marL="457200" lvl="4" indent="-323850">
+              <a:buSzPts val="1500"/>
+              <a:buFont typeface="Arial"/>
+              <a:buChar char="●"/>
+            </a:pPr>
+            <a:endParaRPr lang="en-GB" sz="1200" dirty="0">
+              <a:latin typeface="+mj-lt"/>
+              <a:cs typeface="Calibri"/>
+              <a:sym typeface="Calibri"/>
+            </a:endParaRPr>
+          </a:p>
+          <a:p>
+            <a:pPr marL="457200" lvl="4" indent="-323850">
+              <a:buSzPts val="1500"/>
+              <a:buFont typeface="Arial"/>
+              <a:buChar char="●"/>
+            </a:pPr>
             <a:r>
-              <a:rPr lang="en-GB" sz="1200" dirty="0"/>
-              <a:t>Texts = 500 000 unused reviews from the original dataset.</a:t>
+              <a:rPr lang="en-GB" sz="1200" dirty="0">
+                <a:latin typeface="+mj-lt"/>
+                <a:cs typeface="Calibri"/>
+                <a:sym typeface="Calibri"/>
+              </a:rPr>
+              <a:t>Opinion vectors are utilized as the input into the ranking algorithm</a:t>
             </a:r>
-          </a:p>
-          <a:p>
-            <a:r>
-              <a:rPr lang="en-GB" sz="1200" dirty="0"/>
-              <a:t>Labels = 0 if the review’s score is 1 or 2, and 1 if the review’s score is 4 or 5. </a:t>
-            </a:r>
+            <a:endParaRPr lang="en-GB" sz="1200" dirty="0">
+              <a:latin typeface="+mj-lt"/>
+            </a:endParaRPr>
           </a:p>
         </p:txBody>
       </p:sp>
     </p:spTree>
+    <p:extLst>
+      <p:ext uri="{BB962C8B-B14F-4D97-AF65-F5344CB8AC3E}">
+        <p14:creationId xmlns:p14="http://schemas.microsoft.com/office/powerpoint/2010/main" val="2757361205"/>
+      </p:ext>
+    </p:extLst>
   </p:cSld>
   <p:clrMapOvr>
     <a:masterClrMapping/>
@@ -19310,8 +19450,8 @@
         </p:nvSpPr>
         <p:spPr>
           <a:xfrm>
-            <a:off x="224706" y="499318"/>
-            <a:ext cx="7407584" cy="519000"/>
+            <a:off x="209961" y="735578"/>
+            <a:ext cx="8532258" cy="519000"/>
           </a:xfrm>
           <a:prstGeom prst="rect">
             <a:avLst/>
@@ -19327,6 +19467,31 @@
           </a:bodyPr>
           <a:lstStyle/>
           <a:p>
+            <a:pPr marR="0" lvl="0" algn="l" rtl="0">
+              <a:lnSpc>
+                <a:spcPct val="100000"/>
+              </a:lnSpc>
+              <a:spcBef>
+                <a:spcPts val="0"/>
+              </a:spcBef>
+              <a:spcAft>
+                <a:spcPts val="0"/>
+              </a:spcAft>
+              <a:buClr>
+                <a:srgbClr val="000000"/>
+              </a:buClr>
+              <a:buSzPts val="1500"/>
+            </a:pPr>
+            <a:r>
+              <a:rPr lang="en-GB" sz="1200" b="1" dirty="0"/>
+              <a:t>Objective: </a:t>
+            </a:r>
+            <a:r>
+              <a:rPr lang="en-GB" sz="1200" dirty="0"/>
+              <a:t>compute the importance weights of each aspect utilizing the opinion vectors and the overall score of the review.</a:t>
+            </a:r>
+          </a:p>
+          <a:p>
             <a:pPr marL="285750" marR="0" lvl="0" indent="-285750" algn="l" rtl="0">
               <a:lnSpc>
                 <a:spcPct val="100000"/>
@@ -19345,31 +19510,8 @@
               <a:buChar char="•"/>
             </a:pPr>
             <a:r>
-              <a:rPr lang="en-GB" sz="1500" dirty="0"/>
-              <a:t>The objective is to compute the importance weights of each aspect from the opinion vectors and the overall score of the review.</a:t>
-            </a:r>
-          </a:p>
-          <a:p>
-            <a:pPr marL="285750" marR="0" lvl="0" indent="-285750" algn="l" rtl="0">
-              <a:lnSpc>
-                <a:spcPct val="100000"/>
-              </a:lnSpc>
-              <a:spcBef>
-                <a:spcPts val="0"/>
-              </a:spcBef>
-              <a:spcAft>
-                <a:spcPts val="0"/>
-              </a:spcAft>
-              <a:buClr>
-                <a:srgbClr val="000000"/>
-              </a:buClr>
-              <a:buSzPts val="1500"/>
-              <a:buFont typeface="Arial" panose="020B0604020202020204" pitchFamily="34" charset="0"/>
-              <a:buChar char="•"/>
-            </a:pPr>
-            <a:r>
-              <a:rPr lang="en-GB" sz="1500" dirty="0"/>
-              <a:t>The weights should represent the influence of the aspect on the overall score.</a:t>
+              <a:rPr lang="en-GB" sz="1200" dirty="0"/>
+              <a:t>The weights represent the contribution of the corresponding aspect to the overall opinion</a:t>
             </a:r>
           </a:p>
         </p:txBody>
@@ -19388,7 +19530,7 @@
         </p:nvSpPr>
         <p:spPr>
           <a:xfrm>
-            <a:off x="246831" y="1375369"/>
+            <a:off x="246831" y="1513914"/>
             <a:ext cx="3019938" cy="2606696"/>
           </a:xfrm>
           <a:prstGeom prst="rect">
@@ -19428,58 +19570,6 @@
       </p:sp>
       <p:sp>
         <p:nvSpPr>
-          <p:cNvPr id="7" name="Google Shape;184;g6c62c62412_0_178">
-            <a:extLst>
-              <a:ext uri="{FF2B5EF4-FFF2-40B4-BE49-F238E27FC236}">
-                <a16:creationId xmlns:a16="http://schemas.microsoft.com/office/drawing/2014/main" id="{C23A4255-F8CF-4375-8958-06086BA8F927}"/>
-              </a:ext>
-            </a:extLst>
-          </p:cNvPr>
-          <p:cNvSpPr/>
-          <p:nvPr/>
-        </p:nvSpPr>
-        <p:spPr>
-          <a:xfrm>
-            <a:off x="3524865" y="1375369"/>
-            <a:ext cx="2153264" cy="2606696"/>
-          </a:xfrm>
-          <a:prstGeom prst="rect">
-            <a:avLst/>
-          </a:prstGeom>
-          <a:solidFill>
-            <a:schemeClr val="lt2"/>
-          </a:solidFill>
-          <a:ln w="9525" cap="flat" cmpd="sng">
-            <a:solidFill>
-              <a:schemeClr val="dk2"/>
-            </a:solidFill>
-            <a:prstDash val="solid"/>
-            <a:round/>
-            <a:headEnd type="none" w="sm" len="sm"/>
-            <a:tailEnd type="none" w="sm" len="sm"/>
-          </a:ln>
-        </p:spPr>
-        <p:txBody>
-          <a:bodyPr spcFirstLastPara="1" wrap="square" lIns="91425" tIns="91425" rIns="91425" bIns="91425" anchor="ctr" anchorCtr="0">
-            <a:noAutofit/>
-          </a:bodyPr>
-          <a:lstStyle/>
-          <a:p>
-            <a:pPr marL="0" lvl="0" indent="0" algn="l" rtl="0">
-              <a:spcBef>
-                <a:spcPts val="0"/>
-              </a:spcBef>
-              <a:spcAft>
-                <a:spcPts val="0"/>
-              </a:spcAft>
-              <a:buNone/>
-            </a:pPr>
-            <a:endParaRPr/>
-          </a:p>
-        </p:txBody>
-      </p:sp>
-      <p:sp>
-        <p:nvSpPr>
           <p:cNvPr id="8" name="Google Shape;184;g6c62c62412_0_178">
             <a:extLst>
               <a:ext uri="{FF2B5EF4-FFF2-40B4-BE49-F238E27FC236}">
@@ -19492,7 +19582,7 @@
         </p:nvSpPr>
         <p:spPr>
           <a:xfrm>
-            <a:off x="5884608" y="1375369"/>
+            <a:off x="6286052" y="1513914"/>
             <a:ext cx="2470354" cy="2606696"/>
           </a:xfrm>
           <a:prstGeom prst="rect">
@@ -19544,7 +19634,7 @@
         </p:nvSpPr>
         <p:spPr>
           <a:xfrm>
-            <a:off x="280728" y="1361932"/>
+            <a:off x="280728" y="1500477"/>
             <a:ext cx="849913" cy="338554"/>
           </a:xfrm>
           <a:prstGeom prst="rect">
@@ -19587,7 +19677,7 @@
         </p:nvSpPr>
         <p:spPr>
           <a:xfrm>
-            <a:off x="5872634" y="1361932"/>
+            <a:off x="6274078" y="1500477"/>
             <a:ext cx="1021433" cy="338554"/>
           </a:xfrm>
           <a:prstGeom prst="rect">
@@ -19612,45 +19702,6 @@
             <a:r>
               <a:rPr lang="fr-FR" dirty="0"/>
               <a:t> </a:t>
-            </a:r>
-          </a:p>
-        </p:txBody>
-      </p:sp>
-      <p:sp>
-        <p:nvSpPr>
-          <p:cNvPr id="11" name="ZoneTexte 10">
-            <a:extLst>
-              <a:ext uri="{FF2B5EF4-FFF2-40B4-BE49-F238E27FC236}">
-                <a16:creationId xmlns:a16="http://schemas.microsoft.com/office/drawing/2014/main" id="{95E14A62-064E-4D98-A4EC-CEA96D591E7B}"/>
-              </a:ext>
-            </a:extLst>
-          </p:cNvPr>
-          <p:cNvSpPr txBox="1"/>
-          <p:nvPr/>
-        </p:nvSpPr>
-        <p:spPr>
-          <a:xfrm>
-            <a:off x="3524865" y="1361932"/>
-            <a:ext cx="777777" cy="338554"/>
-          </a:xfrm>
-          <a:prstGeom prst="rect">
-            <a:avLst/>
-          </a:prstGeom>
-          <a:noFill/>
-        </p:spPr>
-        <p:txBody>
-          <a:bodyPr wrap="none" rtlCol="0">
-            <a:spAutoFit/>
-          </a:bodyPr>
-          <a:lstStyle/>
-          <a:p>
-            <a:r>
-              <a:rPr lang="fr-FR" sz="1600" b="1" dirty="0">
-                <a:solidFill>
-                  <a:srgbClr val="0000FF"/>
-                </a:solidFill>
-              </a:rPr>
-              <a:t>Model</a:t>
             </a:r>
           </a:p>
         </p:txBody>
@@ -19669,7 +19720,7 @@
         </p:nvSpPr>
         <p:spPr>
           <a:xfrm rot="5400000">
-            <a:off x="5564073" y="2837359"/>
+            <a:off x="5856292" y="2931318"/>
             <a:ext cx="434590" cy="206478"/>
           </a:xfrm>
           <a:prstGeom prst="triangle">
@@ -19728,7 +19779,7 @@
         </p:nvSpPr>
         <p:spPr>
           <a:xfrm rot="5400000">
-            <a:off x="3156259" y="2858412"/>
+            <a:off x="3235515" y="2927772"/>
             <a:ext cx="434590" cy="213571"/>
           </a:xfrm>
           <a:prstGeom prst="triangle">
@@ -19787,7 +19838,7 @@
         </p:nvSpPr>
         <p:spPr>
           <a:xfrm>
-            <a:off x="604142" y="1681319"/>
+            <a:off x="604142" y="1819864"/>
             <a:ext cx="1489587" cy="1547847"/>
           </a:xfrm>
           <a:prstGeom prst="bracketPair">
@@ -19836,7 +19887,7 @@
         </p:nvSpPr>
         <p:spPr>
           <a:xfrm>
-            <a:off x="2598523" y="1681320"/>
+            <a:off x="2598523" y="1819865"/>
             <a:ext cx="569478" cy="1547847"/>
           </a:xfrm>
           <a:prstGeom prst="bracketPair">
@@ -19885,7 +19936,7 @@
         </p:nvSpPr>
         <p:spPr>
           <a:xfrm>
-            <a:off x="198396" y="2263203"/>
+            <a:off x="198396" y="2401748"/>
             <a:ext cx="417102" cy="369332"/>
           </a:xfrm>
           <a:prstGeom prst="rect">
@@ -19925,7 +19976,7 @@
         </p:nvSpPr>
         <p:spPr>
           <a:xfrm>
-            <a:off x="2091704" y="2270576"/>
+            <a:off x="2091704" y="2409121"/>
             <a:ext cx="532518" cy="369332"/>
           </a:xfrm>
           <a:prstGeom prst="rect">
@@ -19969,7 +20020,7 @@
         </p:nvSpPr>
         <p:spPr>
           <a:xfrm>
-            <a:off x="647558" y="2301353"/>
+            <a:off x="647558" y="2439898"/>
             <a:ext cx="1428596" cy="523220"/>
           </a:xfrm>
           <a:prstGeom prst="rect">
@@ -20016,7 +20067,7 @@
         </p:nvSpPr>
         <p:spPr>
           <a:xfrm>
-            <a:off x="2542641" y="2263203"/>
+            <a:off x="2542641" y="2401748"/>
             <a:ext cx="712054" cy="523220"/>
           </a:xfrm>
           <a:prstGeom prst="rect">
@@ -20063,7 +20114,7 @@
         </p:nvSpPr>
         <p:spPr>
           <a:xfrm>
-            <a:off x="246830" y="3260169"/>
+            <a:off x="246830" y="3398714"/>
             <a:ext cx="3019938" cy="738664"/>
           </a:xfrm>
           <a:prstGeom prst="rect">
@@ -20112,7 +20163,7 @@
         </p:nvSpPr>
         <p:spPr>
           <a:xfrm>
-            <a:off x="5936225" y="1650906"/>
+            <a:off x="6337669" y="1789451"/>
             <a:ext cx="2418737" cy="2031325"/>
           </a:xfrm>
           <a:prstGeom prst="rect">
@@ -20164,10 +20215,10 @@
       </p:sp>
       <p:sp>
         <p:nvSpPr>
-          <p:cNvPr id="24" name="Google Shape;215;g7094c8f8b5_0_152">
+          <p:cNvPr id="29" name="ZoneTexte 28">
             <a:extLst>
               <a:ext uri="{FF2B5EF4-FFF2-40B4-BE49-F238E27FC236}">
-                <a16:creationId xmlns:a16="http://schemas.microsoft.com/office/drawing/2014/main" id="{D28A13FE-C179-49A6-BA97-1F657CE2B285}"/>
+                <a16:creationId xmlns:a16="http://schemas.microsoft.com/office/drawing/2014/main" id="{311B5BDC-6EC5-4FA1-B9EA-175707B45418}"/>
               </a:ext>
             </a:extLst>
           </p:cNvPr>
@@ -20176,86 +20227,8 @@
         </p:nvSpPr>
         <p:spPr>
           <a:xfrm>
-            <a:off x="280728" y="4029835"/>
-            <a:ext cx="7407584" cy="519000"/>
-          </a:xfrm>
-          <a:prstGeom prst="rect">
-            <a:avLst/>
-          </a:prstGeom>
-          <a:noFill/>
-          <a:ln>
-            <a:noFill/>
-          </a:ln>
-        </p:spPr>
-        <p:txBody>
-          <a:bodyPr spcFirstLastPara="1" wrap="square" lIns="91425" tIns="91425" rIns="91425" bIns="91425" anchor="t" anchorCtr="0">
-            <a:noAutofit/>
-          </a:bodyPr>
-          <a:lstStyle/>
-          <a:p>
-            <a:pPr marL="285750" marR="0" lvl="0" indent="-285750" algn="l" rtl="0">
-              <a:lnSpc>
-                <a:spcPct val="100000"/>
-              </a:lnSpc>
-              <a:spcBef>
-                <a:spcPts val="0"/>
-              </a:spcBef>
-              <a:spcAft>
-                <a:spcPts val="0"/>
-              </a:spcAft>
-              <a:buClr>
-                <a:srgbClr val="000000"/>
-              </a:buClr>
-              <a:buSzPts val="1500"/>
-              <a:buFont typeface="Arial" panose="020B0604020202020204" pitchFamily="34" charset="0"/>
-              <a:buChar char="•"/>
-            </a:pPr>
-            <a:r>
-              <a:rPr lang="en-GB" sz="1500" dirty="0"/>
-              <a:t>This model is applied at a sub category level. Therefore we output one set of weights per sub category.</a:t>
-            </a:r>
-          </a:p>
-          <a:p>
-            <a:pPr marL="285750" marR="0" lvl="0" indent="-285750" algn="l" rtl="0">
-              <a:lnSpc>
-                <a:spcPct val="100000"/>
-              </a:lnSpc>
-              <a:spcBef>
-                <a:spcPts val="0"/>
-              </a:spcBef>
-              <a:spcAft>
-                <a:spcPts val="0"/>
-              </a:spcAft>
-              <a:buClr>
-                <a:srgbClr val="000000"/>
-              </a:buClr>
-              <a:buSzPts val="1500"/>
-              <a:buFont typeface="Arial" panose="020B0604020202020204" pitchFamily="34" charset="0"/>
-              <a:buChar char="•"/>
-            </a:pPr>
-            <a:r>
-              <a:rPr lang="en-GB" sz="1500" dirty="0"/>
-              <a:t>Remark : We are still developing a more robust model for the ranking. </a:t>
-            </a:r>
-          </a:p>
-        </p:txBody>
-      </p:sp>
-      <p:sp>
-        <p:nvSpPr>
-          <p:cNvPr id="17" name="ZoneTexte 16">
-            <a:extLst>
-              <a:ext uri="{FF2B5EF4-FFF2-40B4-BE49-F238E27FC236}">
-                <a16:creationId xmlns:a16="http://schemas.microsoft.com/office/drawing/2014/main" id="{E1B4D8D3-AFB5-4A0B-BFE1-75FCE3659599}"/>
-              </a:ext>
-            </a:extLst>
-          </p:cNvPr>
-          <p:cNvSpPr txBox="1"/>
-          <p:nvPr/>
-        </p:nvSpPr>
-        <p:spPr>
-          <a:xfrm>
-            <a:off x="3590183" y="1648168"/>
-            <a:ext cx="2070810" cy="523220"/>
+            <a:off x="3823647" y="2880668"/>
+            <a:ext cx="2070810" cy="307777"/>
           </a:xfrm>
           <a:prstGeom prst="rect">
             <a:avLst/>
@@ -20269,18 +20242,678 @@
           <a:lstStyle/>
           <a:p>
             <a:r>
-              <a:rPr lang="en-GB" dirty="0"/>
-              <a:t>We want the weight vector w such that</a:t>
+              <a:rPr lang="fr-FR" b="1" dirty="0">
+                <a:solidFill>
+                  <a:srgbClr val="0000FF"/>
+                </a:solidFill>
+              </a:rPr>
+              <a:t>Linear Regression</a:t>
             </a:r>
+            <a:endParaRPr lang="en-GB" dirty="0"/>
+          </a:p>
+        </p:txBody>
+      </p:sp>
+    </p:spTree>
+  </p:cSld>
+  <p:clrMapOvr>
+    <a:masterClrMapping/>
+  </p:clrMapOvr>
+</p:sld>
+</file>
+
+<file path=ppt/slides/slide14.xml><?xml version="1.0" encoding="utf-8"?>
+<p:sld xmlns:a="http://schemas.openxmlformats.org/drawingml/2006/main" xmlns:r="http://schemas.openxmlformats.org/officeDocument/2006/relationships" xmlns:p="http://schemas.openxmlformats.org/presentationml/2006/main">
+  <p:cSld>
+    <p:spTree>
+      <p:nvGrpSpPr>
+        <p:cNvPr id="1" name="Shape 235"/>
+        <p:cNvGrpSpPr/>
+        <p:nvPr/>
+      </p:nvGrpSpPr>
+      <p:grpSpPr>
+        <a:xfrm>
+          <a:off x="0" y="0"/>
+          <a:ext cx="0" cy="0"/>
+          <a:chOff x="0" y="0"/>
+          <a:chExt cx="0" cy="0"/>
+        </a:xfrm>
+      </p:grpSpPr>
+      <p:sp>
+        <p:nvSpPr>
+          <p:cNvPr id="236" name="Google Shape;236;p5"/>
+          <p:cNvSpPr txBox="1"/>
+          <p:nvPr/>
+        </p:nvSpPr>
+        <p:spPr>
+          <a:xfrm>
+            <a:off x="400349" y="150241"/>
+            <a:ext cx="7712745" cy="519000"/>
+          </a:xfrm>
+          <a:prstGeom prst="rect">
+            <a:avLst/>
+          </a:prstGeom>
+          <a:noFill/>
+          <a:ln>
+            <a:noFill/>
+          </a:ln>
+        </p:spPr>
+        <p:txBody>
+          <a:bodyPr spcFirstLastPara="1" wrap="square" lIns="35100" tIns="35100" rIns="35100" bIns="35100" anchor="t" anchorCtr="0">
+            <a:noAutofit/>
+          </a:bodyPr>
+          <a:lstStyle/>
+          <a:p>
+            <a:pPr marL="0" marR="0" lvl="0" indent="0" algn="l" rtl="0">
+              <a:lnSpc>
+                <a:spcPct val="90000"/>
+              </a:lnSpc>
+              <a:spcBef>
+                <a:spcPts val="0"/>
+              </a:spcBef>
+              <a:spcAft>
+                <a:spcPts val="0"/>
+              </a:spcAft>
+              <a:buClr>
+                <a:srgbClr val="000000"/>
+              </a:buClr>
+              <a:buSzPts val="2100"/>
+              <a:buFont typeface="Arial"/>
+              <a:buNone/>
+            </a:pPr>
+            <a:r>
+              <a:rPr lang="en-GB" sz="2100" b="1" dirty="0">
+                <a:solidFill>
+                  <a:srgbClr val="0000FF"/>
+                </a:solidFill>
+              </a:rPr>
+              <a:t>Category breakout of </a:t>
+            </a:r>
+            <a:r>
+              <a:rPr lang="en" sz="2100" b="1" dirty="0">
+                <a:solidFill>
+                  <a:srgbClr val="0000FF"/>
+                </a:solidFill>
+              </a:rPr>
+              <a:t>“</a:t>
+            </a:r>
+            <a:r>
+              <a:rPr lang="fr-FR" sz="2100" b="1" dirty="0" err="1">
+                <a:solidFill>
+                  <a:srgbClr val="0000FF"/>
+                </a:solidFill>
+              </a:rPr>
+              <a:t>Cell</a:t>
+            </a:r>
+            <a:r>
+              <a:rPr lang="fr-FR" sz="2100" b="1" dirty="0">
+                <a:solidFill>
+                  <a:srgbClr val="0000FF"/>
+                </a:solidFill>
+              </a:rPr>
+              <a:t> Phones &amp; Accessories</a:t>
+            </a:r>
+            <a:r>
+              <a:rPr lang="en" sz="2100" b="1" dirty="0">
+                <a:solidFill>
+                  <a:srgbClr val="0000FF"/>
+                </a:solidFill>
+              </a:rPr>
+              <a:t>”</a:t>
+            </a:r>
+            <a:endParaRPr sz="1100" b="0" i="0" u="none" strike="noStrike" cap="none" dirty="0">
+              <a:solidFill>
+                <a:srgbClr val="000000"/>
+              </a:solidFill>
+              <a:latin typeface="Arial"/>
+              <a:ea typeface="Arial"/>
+              <a:cs typeface="Arial"/>
+              <a:sym typeface="Arial"/>
+            </a:endParaRPr>
           </a:p>
         </p:txBody>
       </p:sp>
       <p:pic>
         <p:nvPicPr>
-          <p:cNvPr id="21" name="Image 20">
+          <p:cNvPr id="1026" name="Picture 2">
             <a:extLst>
               <a:ext uri="{FF2B5EF4-FFF2-40B4-BE49-F238E27FC236}">
-                <a16:creationId xmlns:a16="http://schemas.microsoft.com/office/drawing/2014/main" id="{3F8197E1-D084-4CA0-B59D-59D2B4A1CE0A}"/>
+                <a16:creationId xmlns:a16="http://schemas.microsoft.com/office/drawing/2014/main" id="{9C6DB46B-09A6-4656-BF81-679A872ACCFB}"/>
+              </a:ext>
+            </a:extLst>
+          </p:cNvPr>
+          <p:cNvPicPr>
+            <a:picLocks noChangeAspect="1" noChangeArrowheads="1"/>
+          </p:cNvPicPr>
+          <p:nvPr/>
+        </p:nvPicPr>
+        <p:blipFill>
+          <a:blip r:embed="rId3">
+            <a:extLst>
+              <a:ext uri="{28A0092B-C50C-407E-A947-70E740481C1C}">
+                <a14:useLocalDpi xmlns:a14="http://schemas.microsoft.com/office/drawing/2010/main" val="0"/>
+              </a:ext>
+            </a:extLst>
+          </a:blip>
+          <a:srcRect/>
+          <a:stretch>
+            <a:fillRect/>
+          </a:stretch>
+        </p:blipFill>
+        <p:spPr bwMode="auto">
+          <a:xfrm>
+            <a:off x="561010" y="1582536"/>
+            <a:ext cx="3383062" cy="2281971"/>
+          </a:xfrm>
+          <a:prstGeom prst="rect">
+            <a:avLst/>
+          </a:prstGeom>
+          <a:noFill/>
+          <a:extLst>
+            <a:ext uri="{909E8E84-426E-40DD-AFC4-6F175D3DCCD1}">
+              <a14:hiddenFill xmlns:a14="http://schemas.microsoft.com/office/drawing/2010/main">
+                <a:solidFill>
+                  <a:srgbClr val="FFFFFF"/>
+                </a:solidFill>
+              </a14:hiddenFill>
+            </a:ext>
+          </a:extLst>
+        </p:spPr>
+      </p:pic>
+      <p:pic>
+        <p:nvPicPr>
+          <p:cNvPr id="228" name="Image 227" descr="Une image contenant périphérique&#10;&#10;Description générée automatiquement">
+            <a:extLst>
+              <a:ext uri="{FF2B5EF4-FFF2-40B4-BE49-F238E27FC236}">
+                <a16:creationId xmlns:a16="http://schemas.microsoft.com/office/drawing/2014/main" id="{C8F5783E-1218-4B3F-A3FC-F8BF7C161B3D}"/>
+              </a:ext>
+            </a:extLst>
+          </p:cNvPr>
+          <p:cNvPicPr>
+            <a:picLocks noChangeAspect="1"/>
+          </p:cNvPicPr>
+          <p:nvPr/>
+        </p:nvPicPr>
+        <p:blipFill>
+          <a:blip r:embed="rId4"/>
+          <a:stretch>
+            <a:fillRect/>
+          </a:stretch>
+        </p:blipFill>
+        <p:spPr>
+          <a:xfrm>
+            <a:off x="4599004" y="1582536"/>
+            <a:ext cx="3382206" cy="2281971"/>
+          </a:xfrm>
+          <a:prstGeom prst="rect">
+            <a:avLst/>
+          </a:prstGeom>
+        </p:spPr>
+      </p:pic>
+      <p:sp>
+        <p:nvSpPr>
+          <p:cNvPr id="13" name="TextBox 12">
+            <a:extLst>
+              <a:ext uri="{FF2B5EF4-FFF2-40B4-BE49-F238E27FC236}">
+                <a16:creationId xmlns:a16="http://schemas.microsoft.com/office/drawing/2014/main" id="{5105D2E9-C76C-42CD-BB63-16126794DF99}"/>
+              </a:ext>
+            </a:extLst>
+          </p:cNvPr>
+          <p:cNvSpPr txBox="1"/>
+          <p:nvPr/>
+        </p:nvSpPr>
+        <p:spPr>
+          <a:xfrm>
+            <a:off x="629645" y="987551"/>
+            <a:ext cx="3244853" cy="523220"/>
+          </a:xfrm>
+          <a:prstGeom prst="rect">
+            <a:avLst/>
+          </a:prstGeom>
+          <a:noFill/>
+        </p:spPr>
+        <p:txBody>
+          <a:bodyPr wrap="square" rtlCol="0">
+            <a:spAutoFit/>
+          </a:bodyPr>
+          <a:lstStyle/>
+          <a:p>
+            <a:pPr algn="ctr"/>
+            <a:r>
+              <a:rPr lang="en-GB" b="1" dirty="0"/>
+              <a:t>“Cell Phone &amp; Accessories” Categories</a:t>
+            </a:r>
+          </a:p>
+        </p:txBody>
+      </p:sp>
+      <p:sp>
+        <p:nvSpPr>
+          <p:cNvPr id="35" name="TextBox 34">
+            <a:extLst>
+              <a:ext uri="{FF2B5EF4-FFF2-40B4-BE49-F238E27FC236}">
+                <a16:creationId xmlns:a16="http://schemas.microsoft.com/office/drawing/2014/main" id="{75B6D777-9F61-4531-BA6C-BF72009D6FE8}"/>
+              </a:ext>
+            </a:extLst>
+          </p:cNvPr>
+          <p:cNvSpPr txBox="1"/>
+          <p:nvPr/>
+        </p:nvSpPr>
+        <p:spPr>
+          <a:xfrm>
+            <a:off x="4667680" y="1174703"/>
+            <a:ext cx="3244853" cy="307777"/>
+          </a:xfrm>
+          <a:prstGeom prst="rect">
+            <a:avLst/>
+          </a:prstGeom>
+          <a:noFill/>
+        </p:spPr>
+        <p:txBody>
+          <a:bodyPr wrap="square" rtlCol="0">
+            <a:spAutoFit/>
+          </a:bodyPr>
+          <a:lstStyle/>
+          <a:p>
+            <a:pPr algn="ctr"/>
+            <a:r>
+              <a:rPr lang="en-GB" b="1" dirty="0"/>
+              <a:t>“Accessories” Expanded</a:t>
+            </a:r>
+          </a:p>
+        </p:txBody>
+      </p:sp>
+      <p:cxnSp>
+        <p:nvCxnSpPr>
+          <p:cNvPr id="16" name="Straight Connector 15">
+            <a:extLst>
+              <a:ext uri="{FF2B5EF4-FFF2-40B4-BE49-F238E27FC236}">
+                <a16:creationId xmlns:a16="http://schemas.microsoft.com/office/drawing/2014/main" id="{B6EE1E6C-0963-4052-A8DC-7F62C1FFB7A3}"/>
+              </a:ext>
+            </a:extLst>
+          </p:cNvPr>
+          <p:cNvCxnSpPr/>
+          <p:nvPr/>
+        </p:nvCxnSpPr>
+        <p:spPr>
+          <a:xfrm>
+            <a:off x="560072" y="1482481"/>
+            <a:ext cx="3384000" cy="0"/>
+          </a:xfrm>
+          <a:prstGeom prst="line">
+            <a:avLst/>
+          </a:prstGeom>
+          <a:ln w="19050"/>
+        </p:spPr>
+        <p:style>
+          <a:lnRef idx="1">
+            <a:schemeClr val="accent1"/>
+          </a:lnRef>
+          <a:fillRef idx="0">
+            <a:schemeClr val="accent1"/>
+          </a:fillRef>
+          <a:effectRef idx="0">
+            <a:schemeClr val="accent1"/>
+          </a:effectRef>
+          <a:fontRef idx="minor">
+            <a:schemeClr val="tx1"/>
+          </a:fontRef>
+        </p:style>
+      </p:cxnSp>
+      <p:cxnSp>
+        <p:nvCxnSpPr>
+          <p:cNvPr id="38" name="Straight Connector 37">
+            <a:extLst>
+              <a:ext uri="{FF2B5EF4-FFF2-40B4-BE49-F238E27FC236}">
+                <a16:creationId xmlns:a16="http://schemas.microsoft.com/office/drawing/2014/main" id="{139B7EE1-7F2B-495B-B59C-F0333EF091FC}"/>
+              </a:ext>
+            </a:extLst>
+          </p:cNvPr>
+          <p:cNvCxnSpPr/>
+          <p:nvPr/>
+        </p:nvCxnSpPr>
+        <p:spPr>
+          <a:xfrm>
+            <a:off x="561010" y="1482481"/>
+            <a:ext cx="3384000" cy="0"/>
+          </a:xfrm>
+          <a:prstGeom prst="line">
+            <a:avLst/>
+          </a:prstGeom>
+          <a:ln w="19050"/>
+        </p:spPr>
+        <p:style>
+          <a:lnRef idx="1">
+            <a:schemeClr val="accent1"/>
+          </a:lnRef>
+          <a:fillRef idx="0">
+            <a:schemeClr val="accent1"/>
+          </a:fillRef>
+          <a:effectRef idx="0">
+            <a:schemeClr val="accent1"/>
+          </a:effectRef>
+          <a:fontRef idx="minor">
+            <a:schemeClr val="tx1"/>
+          </a:fontRef>
+        </p:style>
+      </p:cxnSp>
+      <p:cxnSp>
+        <p:nvCxnSpPr>
+          <p:cNvPr id="39" name="Straight Connector 38">
+            <a:extLst>
+              <a:ext uri="{FF2B5EF4-FFF2-40B4-BE49-F238E27FC236}">
+                <a16:creationId xmlns:a16="http://schemas.microsoft.com/office/drawing/2014/main" id="{58ADB436-FE41-4D88-967D-9EB5A77DA5AF}"/>
+              </a:ext>
+            </a:extLst>
+          </p:cNvPr>
+          <p:cNvCxnSpPr/>
+          <p:nvPr/>
+        </p:nvCxnSpPr>
+        <p:spPr>
+          <a:xfrm>
+            <a:off x="4729095" y="1482480"/>
+            <a:ext cx="3384000" cy="0"/>
+          </a:xfrm>
+          <a:prstGeom prst="line">
+            <a:avLst/>
+          </a:prstGeom>
+          <a:ln w="19050"/>
+        </p:spPr>
+        <p:style>
+          <a:lnRef idx="1">
+            <a:schemeClr val="accent1"/>
+          </a:lnRef>
+          <a:fillRef idx="0">
+            <a:schemeClr val="accent1"/>
+          </a:fillRef>
+          <a:effectRef idx="0">
+            <a:schemeClr val="accent1"/>
+          </a:effectRef>
+          <a:fontRef idx="minor">
+            <a:schemeClr val="tx1"/>
+          </a:fontRef>
+        </p:style>
+      </p:cxnSp>
+    </p:spTree>
+    <p:extLst>
+      <p:ext uri="{BB962C8B-B14F-4D97-AF65-F5344CB8AC3E}">
+        <p14:creationId xmlns:p14="http://schemas.microsoft.com/office/powerpoint/2010/main" val="207176143"/>
+      </p:ext>
+    </p:extLst>
+  </p:cSld>
+  <p:clrMapOvr>
+    <a:masterClrMapping/>
+  </p:clrMapOvr>
+</p:sld>
+</file>
+
+<file path=ppt/slides/slide15.xml><?xml version="1.0" encoding="utf-8"?>
+<p:sld xmlns:a="http://schemas.openxmlformats.org/drawingml/2006/main" xmlns:r="http://schemas.openxmlformats.org/officeDocument/2006/relationships" xmlns:p="http://schemas.openxmlformats.org/presentationml/2006/main">
+  <p:cSld>
+    <p:spTree>
+      <p:nvGrpSpPr>
+        <p:cNvPr id="1" name="Shape 235"/>
+        <p:cNvGrpSpPr/>
+        <p:nvPr/>
+      </p:nvGrpSpPr>
+      <p:grpSpPr>
+        <a:xfrm>
+          <a:off x="0" y="0"/>
+          <a:ext cx="0" cy="0"/>
+          <a:chOff x="0" y="0"/>
+          <a:chExt cx="0" cy="0"/>
+        </a:xfrm>
+      </p:grpSpPr>
+      <p:sp>
+        <p:nvSpPr>
+          <p:cNvPr id="236" name="Google Shape;236;p5"/>
+          <p:cNvSpPr txBox="1"/>
+          <p:nvPr/>
+        </p:nvSpPr>
+        <p:spPr>
+          <a:xfrm>
+            <a:off x="400350" y="150241"/>
+            <a:ext cx="6420000" cy="519000"/>
+          </a:xfrm>
+          <a:prstGeom prst="rect">
+            <a:avLst/>
+          </a:prstGeom>
+          <a:noFill/>
+          <a:ln>
+            <a:noFill/>
+          </a:ln>
+        </p:spPr>
+        <p:txBody>
+          <a:bodyPr spcFirstLastPara="1" wrap="square" lIns="35100" tIns="35100" rIns="35100" bIns="35100" anchor="t" anchorCtr="0">
+            <a:noAutofit/>
+          </a:bodyPr>
+          <a:lstStyle/>
+          <a:p>
+            <a:pPr marL="0" marR="0" lvl="0" indent="0" algn="l" rtl="0">
+              <a:lnSpc>
+                <a:spcPct val="90000"/>
+              </a:lnSpc>
+              <a:spcBef>
+                <a:spcPts val="0"/>
+              </a:spcBef>
+              <a:spcAft>
+                <a:spcPts val="0"/>
+              </a:spcAft>
+              <a:buClr>
+                <a:srgbClr val="000000"/>
+              </a:buClr>
+              <a:buSzPts val="2100"/>
+              <a:buFont typeface="Arial"/>
+              <a:buNone/>
+            </a:pPr>
+            <a:r>
+              <a:rPr lang="en-GB" sz="2100" b="1" dirty="0">
+                <a:solidFill>
+                  <a:srgbClr val="0000FF"/>
+                </a:solidFill>
+              </a:rPr>
+              <a:t>Frequency Counts within “Batteries” and “Cases”</a:t>
+            </a:r>
+            <a:endParaRPr sz="1100" b="0" i="0" u="none" strike="noStrike" cap="none" dirty="0">
+              <a:solidFill>
+                <a:srgbClr val="000000"/>
+              </a:solidFill>
+              <a:latin typeface="Arial"/>
+              <a:ea typeface="Arial"/>
+              <a:cs typeface="Arial"/>
+              <a:sym typeface="Arial"/>
+            </a:endParaRPr>
+          </a:p>
+        </p:txBody>
+      </p:sp>
+      <p:cxnSp>
+        <p:nvCxnSpPr>
+          <p:cNvPr id="15" name="Connecteur droit 14">
+            <a:extLst>
+              <a:ext uri="{FF2B5EF4-FFF2-40B4-BE49-F238E27FC236}">
+                <a16:creationId xmlns:a16="http://schemas.microsoft.com/office/drawing/2014/main" id="{1ABA47FA-1833-4021-A446-75795D640F04}"/>
+              </a:ext>
+            </a:extLst>
+          </p:cNvPr>
+          <p:cNvCxnSpPr>
+            <a:cxnSpLocks/>
+          </p:cNvCxnSpPr>
+          <p:nvPr/>
+        </p:nvCxnSpPr>
+        <p:spPr>
+          <a:xfrm flipV="1">
+            <a:off x="5212151" y="1255131"/>
+            <a:ext cx="2291349" cy="1"/>
+          </a:xfrm>
+          <a:prstGeom prst="line">
+            <a:avLst/>
+          </a:prstGeom>
+          <a:ln w="12700">
+            <a:solidFill>
+              <a:schemeClr val="tx1"/>
+            </a:solidFill>
+          </a:ln>
+        </p:spPr>
+        <p:style>
+          <a:lnRef idx="1">
+            <a:schemeClr val="accent1"/>
+          </a:lnRef>
+          <a:fillRef idx="0">
+            <a:schemeClr val="accent1"/>
+          </a:fillRef>
+          <a:effectRef idx="0">
+            <a:schemeClr val="accent1"/>
+          </a:effectRef>
+          <a:fontRef idx="minor">
+            <a:schemeClr val="tx1"/>
+          </a:fontRef>
+        </p:style>
+      </p:cxnSp>
+      <p:cxnSp>
+        <p:nvCxnSpPr>
+          <p:cNvPr id="24" name="Connecteur droit 23">
+            <a:extLst>
+              <a:ext uri="{FF2B5EF4-FFF2-40B4-BE49-F238E27FC236}">
+                <a16:creationId xmlns:a16="http://schemas.microsoft.com/office/drawing/2014/main" id="{89949906-7208-439E-9CE3-A8B947C982AA}"/>
+              </a:ext>
+            </a:extLst>
+          </p:cNvPr>
+          <p:cNvCxnSpPr>
+            <a:cxnSpLocks/>
+          </p:cNvCxnSpPr>
+          <p:nvPr/>
+        </p:nvCxnSpPr>
+        <p:spPr>
+          <a:xfrm>
+            <a:off x="977834" y="1261994"/>
+            <a:ext cx="2432269" cy="0"/>
+          </a:xfrm>
+          <a:prstGeom prst="line">
+            <a:avLst/>
+          </a:prstGeom>
+          <a:ln w="12700">
+            <a:solidFill>
+              <a:schemeClr val="tx1"/>
+            </a:solidFill>
+          </a:ln>
+        </p:spPr>
+        <p:style>
+          <a:lnRef idx="1">
+            <a:schemeClr val="accent1"/>
+          </a:lnRef>
+          <a:fillRef idx="0">
+            <a:schemeClr val="accent1"/>
+          </a:fillRef>
+          <a:effectRef idx="0">
+            <a:schemeClr val="accent1"/>
+          </a:effectRef>
+          <a:fontRef idx="minor">
+            <a:schemeClr val="tx1"/>
+          </a:fontRef>
+        </p:style>
+      </p:cxnSp>
+      <p:sp>
+        <p:nvSpPr>
+          <p:cNvPr id="20" name="ZoneTexte 19">
+            <a:extLst>
+              <a:ext uri="{FF2B5EF4-FFF2-40B4-BE49-F238E27FC236}">
+                <a16:creationId xmlns:a16="http://schemas.microsoft.com/office/drawing/2014/main" id="{33C462E8-E8EA-447E-85A5-EED764FD49CC}"/>
+              </a:ext>
+            </a:extLst>
+          </p:cNvPr>
+          <p:cNvSpPr txBox="1"/>
+          <p:nvPr/>
+        </p:nvSpPr>
+        <p:spPr>
+          <a:xfrm>
+            <a:off x="5178364" y="954154"/>
+            <a:ext cx="1846980" cy="307777"/>
+          </a:xfrm>
+          <a:prstGeom prst="rect">
+            <a:avLst/>
+          </a:prstGeom>
+          <a:noFill/>
+        </p:spPr>
+        <p:txBody>
+          <a:bodyPr wrap="none" rtlCol="0">
+            <a:spAutoFit/>
+          </a:bodyPr>
+          <a:lstStyle/>
+          <a:p>
+            <a:r>
+              <a:rPr lang="fr-FR" dirty="0"/>
+              <a:t>Subcategory : </a:t>
+            </a:r>
+            <a:r>
+              <a:rPr lang="fr-FR" dirty="0">
+                <a:solidFill>
+                  <a:srgbClr val="FF0000"/>
+                </a:solidFill>
+              </a:rPr>
+              <a:t>Cases</a:t>
+            </a:r>
+          </a:p>
+        </p:txBody>
+      </p:sp>
+      <p:sp>
+        <p:nvSpPr>
+          <p:cNvPr id="32" name="ZoneTexte 31">
+            <a:extLst>
+              <a:ext uri="{FF2B5EF4-FFF2-40B4-BE49-F238E27FC236}">
+                <a16:creationId xmlns:a16="http://schemas.microsoft.com/office/drawing/2014/main" id="{8D28F122-13B0-4B33-B27C-DE935BF49978}"/>
+              </a:ext>
+            </a:extLst>
+          </p:cNvPr>
+          <p:cNvSpPr txBox="1"/>
+          <p:nvPr/>
+        </p:nvSpPr>
+        <p:spPr>
+          <a:xfrm>
+            <a:off x="963009" y="954154"/>
+            <a:ext cx="2135521" cy="307777"/>
+          </a:xfrm>
+          <a:prstGeom prst="rect">
+            <a:avLst/>
+          </a:prstGeom>
+          <a:noFill/>
+        </p:spPr>
+        <p:txBody>
+          <a:bodyPr wrap="none" rtlCol="0">
+            <a:spAutoFit/>
+          </a:bodyPr>
+          <a:lstStyle/>
+          <a:p>
+            <a:r>
+              <a:rPr lang="fr-FR" dirty="0" err="1"/>
+              <a:t>Sub</a:t>
+            </a:r>
+            <a:r>
+              <a:rPr lang="fr-FR" dirty="0"/>
+              <a:t> </a:t>
+            </a:r>
+            <a:r>
+              <a:rPr lang="fr-FR" dirty="0" err="1"/>
+              <a:t>Category</a:t>
+            </a:r>
+            <a:r>
+              <a:rPr lang="fr-FR" dirty="0"/>
+              <a:t> : </a:t>
+            </a:r>
+            <a:r>
+              <a:rPr lang="fr-FR" dirty="0">
+                <a:solidFill>
+                  <a:srgbClr val="FF0000"/>
+                </a:solidFill>
+              </a:rPr>
+              <a:t>Batteries</a:t>
+            </a:r>
+          </a:p>
+        </p:txBody>
+      </p:sp>
+      <p:pic>
+        <p:nvPicPr>
+          <p:cNvPr id="27" name="Image 26" descr="Une image contenant capture d’écran, dessin&#10;&#10;Description générée automatiquement">
+            <a:extLst>
+              <a:ext uri="{FF2B5EF4-FFF2-40B4-BE49-F238E27FC236}">
+                <a16:creationId xmlns:a16="http://schemas.microsoft.com/office/drawing/2014/main" id="{BD6BABD2-9F3E-42BF-B723-F323AE0B7A7A}"/>
               </a:ext>
             </a:extLst>
           </p:cNvPr>
@@ -20297,8 +20930,38 @@
         </p:blipFill>
         <p:spPr>
           <a:xfrm>
-            <a:off x="3531956" y="2219158"/>
-            <a:ext cx="2153263" cy="590550"/>
+            <a:off x="400350" y="1261931"/>
+            <a:ext cx="3859048" cy="2222133"/>
+          </a:xfrm>
+          <a:prstGeom prst="rect">
+            <a:avLst/>
+          </a:prstGeom>
+        </p:spPr>
+      </p:pic>
+      <p:pic>
+        <p:nvPicPr>
+          <p:cNvPr id="29" name="Image 28" descr="Une image contenant capture d’écran, dessin&#10;&#10;Description générée automatiquement">
+            <a:extLst>
+              <a:ext uri="{FF2B5EF4-FFF2-40B4-BE49-F238E27FC236}">
+                <a16:creationId xmlns:a16="http://schemas.microsoft.com/office/drawing/2014/main" id="{C666086E-99FE-4FBF-AC8F-5CE2FBB6D561}"/>
+              </a:ext>
+            </a:extLst>
+          </p:cNvPr>
+          <p:cNvPicPr>
+            <a:picLocks noChangeAspect="1"/>
+          </p:cNvPicPr>
+          <p:nvPr/>
+        </p:nvPicPr>
+        <p:blipFill>
+          <a:blip r:embed="rId4"/>
+          <a:stretch>
+            <a:fillRect/>
+          </a:stretch>
+        </p:blipFill>
+        <p:spPr>
+          <a:xfrm>
+            <a:off x="4505911" y="1317871"/>
+            <a:ext cx="3825097" cy="2222118"/>
           </a:xfrm>
           <a:prstGeom prst="rect">
             <a:avLst/>
@@ -20307,10 +20970,10 @@
       </p:pic>
       <p:sp>
         <p:nvSpPr>
-          <p:cNvPr id="29" name="ZoneTexte 28">
+          <p:cNvPr id="2" name="TextBox 1">
             <a:extLst>
               <a:ext uri="{FF2B5EF4-FFF2-40B4-BE49-F238E27FC236}">
-                <a16:creationId xmlns:a16="http://schemas.microsoft.com/office/drawing/2014/main" id="{311B5BDC-6EC5-4FA1-B9EA-175707B45418}"/>
+                <a16:creationId xmlns:a16="http://schemas.microsoft.com/office/drawing/2014/main" id="{0908A009-B646-4F8E-A94E-AC77D29E0775}"/>
               </a:ext>
             </a:extLst>
           </p:cNvPr>
@@ -20319,8 +20982,8 @@
         </p:nvSpPr>
         <p:spPr>
           <a:xfrm>
-            <a:off x="3607319" y="2948655"/>
-            <a:ext cx="2070810" cy="738664"/>
+            <a:off x="694604" y="3927009"/>
+            <a:ext cx="7636404" cy="523220"/>
           </a:xfrm>
           <a:prstGeom prst="rect">
             <a:avLst/>
@@ -20333,9 +20996,456 @@
           </a:bodyPr>
           <a:lstStyle/>
           <a:p>
+            <a:pPr algn="ctr"/>
             <a:r>
               <a:rPr lang="en-GB" dirty="0"/>
-              <a:t>Therefore we fit a linear regression between X and y</a:t>
+              <a:t> Note that although the aspect is listed as “cheap”, this would be the corresponding aspect for “price”.  It is just the case that most people use the word “cheap” when discussing “price”</a:t>
+            </a:r>
+          </a:p>
+        </p:txBody>
+      </p:sp>
+    </p:spTree>
+    <p:extLst>
+      <p:ext uri="{BB962C8B-B14F-4D97-AF65-F5344CB8AC3E}">
+        <p14:creationId xmlns:p14="http://schemas.microsoft.com/office/powerpoint/2010/main" val="219300489"/>
+      </p:ext>
+    </p:extLst>
+  </p:cSld>
+  <p:clrMapOvr>
+    <a:masterClrMapping/>
+  </p:clrMapOvr>
+</p:sld>
+</file>
+
+<file path=ppt/slides/slide16.xml><?xml version="1.0" encoding="utf-8"?>
+<p:sld xmlns:a="http://schemas.openxmlformats.org/drawingml/2006/main" xmlns:r="http://schemas.openxmlformats.org/officeDocument/2006/relationships" xmlns:p="http://schemas.openxmlformats.org/presentationml/2006/main">
+  <p:cSld>
+    <p:spTree>
+      <p:nvGrpSpPr>
+        <p:cNvPr id="1" name="Shape 235"/>
+        <p:cNvGrpSpPr/>
+        <p:nvPr/>
+      </p:nvGrpSpPr>
+      <p:grpSpPr>
+        <a:xfrm>
+          <a:off x="0" y="0"/>
+          <a:ext cx="0" cy="0"/>
+          <a:chOff x="0" y="0"/>
+          <a:chExt cx="0" cy="0"/>
+        </a:xfrm>
+      </p:grpSpPr>
+      <p:sp>
+        <p:nvSpPr>
+          <p:cNvPr id="236" name="Google Shape;236;p5"/>
+          <p:cNvSpPr txBox="1"/>
+          <p:nvPr/>
+        </p:nvSpPr>
+        <p:spPr>
+          <a:xfrm>
+            <a:off x="358489" y="107523"/>
+            <a:ext cx="8374178" cy="519000"/>
+          </a:xfrm>
+          <a:prstGeom prst="rect">
+            <a:avLst/>
+          </a:prstGeom>
+          <a:noFill/>
+          <a:ln>
+            <a:noFill/>
+          </a:ln>
+        </p:spPr>
+        <p:txBody>
+          <a:bodyPr spcFirstLastPara="1" wrap="square" lIns="35100" tIns="35100" rIns="35100" bIns="35100" anchor="t" anchorCtr="0">
+            <a:noAutofit/>
+          </a:bodyPr>
+          <a:lstStyle/>
+          <a:p>
+            <a:pPr marL="0" marR="0" lvl="0" indent="0" algn="l" rtl="0">
+              <a:lnSpc>
+                <a:spcPct val="90000"/>
+              </a:lnSpc>
+              <a:spcBef>
+                <a:spcPts val="0"/>
+              </a:spcBef>
+              <a:spcAft>
+                <a:spcPts val="0"/>
+              </a:spcAft>
+              <a:buClr>
+                <a:srgbClr val="000000"/>
+              </a:buClr>
+              <a:buSzPts val="2100"/>
+              <a:buFont typeface="Arial"/>
+              <a:buNone/>
+            </a:pPr>
+            <a:r>
+              <a:rPr lang="en-GB" sz="2100" b="1" dirty="0">
+                <a:solidFill>
+                  <a:srgbClr val="0000FF"/>
+                </a:solidFill>
+              </a:rPr>
+              <a:t>Aspect importance comparison between “Batteries” and “Cases”</a:t>
+            </a:r>
+            <a:endParaRPr sz="1100" b="0" i="0" u="none" strike="noStrike" cap="none" dirty="0">
+              <a:solidFill>
+                <a:srgbClr val="000000"/>
+              </a:solidFill>
+              <a:latin typeface="Arial"/>
+              <a:ea typeface="Arial"/>
+              <a:cs typeface="Arial"/>
+              <a:sym typeface="Arial"/>
+            </a:endParaRPr>
+          </a:p>
+        </p:txBody>
+      </p:sp>
+      <p:sp>
+        <p:nvSpPr>
+          <p:cNvPr id="33" name="Rectangle 1028">
+            <a:extLst>
+              <a:ext uri="{FF2B5EF4-FFF2-40B4-BE49-F238E27FC236}">
+                <a16:creationId xmlns:a16="http://schemas.microsoft.com/office/drawing/2014/main" id="{711918A6-83A3-4DBE-92BE-7BB900CD813E}"/>
+              </a:ext>
+            </a:extLst>
+          </p:cNvPr>
+          <p:cNvSpPr/>
+          <p:nvPr/>
+        </p:nvSpPr>
+        <p:spPr>
+          <a:xfrm>
+            <a:off x="482595" y="3371657"/>
+            <a:ext cx="8250072" cy="1431200"/>
+          </a:xfrm>
+          <a:prstGeom prst="rect">
+            <a:avLst/>
+          </a:prstGeom>
+          <a:solidFill>
+            <a:srgbClr val="BDD7EE"/>
+          </a:solidFill>
+          <a:ln w="12701" cap="flat">
+            <a:solidFill>
+              <a:srgbClr val="2F528F"/>
+            </a:solidFill>
+            <a:prstDash val="solid"/>
+            <a:miter/>
+          </a:ln>
+        </p:spPr>
+        <p:txBody>
+          <a:bodyPr vert="horz" wrap="square" lIns="91440" tIns="45720" rIns="91440" bIns="45720" anchor="ctr" anchorCtr="1" compatLnSpc="1">
+            <a:noAutofit/>
+          </a:bodyPr>
+          <a:lstStyle/>
+          <a:p>
+            <a:pPr marL="0" marR="0" lvl="0" indent="0" algn="ctr" defTabSz="914400" rtl="0" fontAlgn="auto" hangingPunct="1">
+              <a:lnSpc>
+                <a:spcPct val="100000"/>
+              </a:lnSpc>
+              <a:spcBef>
+                <a:spcPts val="0"/>
+              </a:spcBef>
+              <a:spcAft>
+                <a:spcPts val="0"/>
+              </a:spcAft>
+              <a:buNone/>
+              <a:tabLst/>
+              <a:defRPr sz="1800" b="0" i="0" u="none" strike="noStrike" kern="0" cap="none" spc="0" baseline="0">
+                <a:solidFill>
+                  <a:srgbClr val="000000"/>
+                </a:solidFill>
+                <a:uFillTx/>
+              </a:defRPr>
+            </a:pPr>
+            <a:endParaRPr lang="fr-FR" sz="1800" b="0" i="0" u="none" strike="noStrike" kern="1200" cap="none" spc="0" baseline="0">
+              <a:solidFill>
+                <a:srgbClr val="FFFFFF"/>
+              </a:solidFill>
+              <a:uFillTx/>
+              <a:latin typeface="Calibri"/>
+            </a:endParaRPr>
+          </a:p>
+        </p:txBody>
+      </p:sp>
+      <p:sp>
+        <p:nvSpPr>
+          <p:cNvPr id="22" name="ZoneTexte 21">
+            <a:extLst>
+              <a:ext uri="{FF2B5EF4-FFF2-40B4-BE49-F238E27FC236}">
+                <a16:creationId xmlns:a16="http://schemas.microsoft.com/office/drawing/2014/main" id="{D44B673F-4787-4E54-B01C-DB0F7EEDED65}"/>
+              </a:ext>
+            </a:extLst>
+          </p:cNvPr>
+          <p:cNvSpPr txBox="1"/>
+          <p:nvPr/>
+        </p:nvSpPr>
+        <p:spPr>
+          <a:xfrm>
+            <a:off x="653193" y="3379106"/>
+            <a:ext cx="8008212" cy="1369606"/>
+          </a:xfrm>
+          <a:prstGeom prst="rect">
+            <a:avLst/>
+          </a:prstGeom>
+          <a:noFill/>
+        </p:spPr>
+        <p:txBody>
+          <a:bodyPr wrap="square" rtlCol="0">
+            <a:spAutoFit/>
+          </a:bodyPr>
+          <a:lstStyle/>
+          <a:p>
+            <a:r>
+              <a:rPr lang="en-GB" sz="1200" u="sng" dirty="0"/>
+              <a:t>Compatibility</a:t>
+            </a:r>
+            <a:r>
+              <a:rPr lang="en-GB" sz="1200" dirty="0"/>
+              <a:t>: Highly negative for batteries suggesting a lack of compatibility with devices is very important for battery purchasers </a:t>
+            </a:r>
+            <a:br>
+              <a:rPr lang="en-GB" sz="1200" dirty="0"/>
+            </a:br>
+            <a:endParaRPr lang="en-GB" sz="400" dirty="0"/>
+          </a:p>
+          <a:p>
+            <a:r>
+              <a:rPr lang="en-GB" sz="1200" u="sng" dirty="0"/>
+              <a:t>Solid</a:t>
+            </a:r>
+            <a:r>
+              <a:rPr lang="en-GB" sz="1200" dirty="0"/>
+              <a:t>: Durability appears to be very important across both categories</a:t>
+            </a:r>
+          </a:p>
+          <a:p>
+            <a:endParaRPr lang="en-GB" sz="300" dirty="0"/>
+          </a:p>
+          <a:p>
+            <a:r>
+              <a:rPr lang="en-GB" sz="1200" u="sng" dirty="0"/>
+              <a:t>Battery life time</a:t>
+            </a:r>
+            <a:r>
+              <a:rPr lang="en-GB" sz="1200" dirty="0"/>
+              <a:t>: infrequently mentioned for “Cases”, but when mentioned it contributes very positively towards the overall review. Suggests that when a case may require a battery then having good battery life is very important. </a:t>
+            </a:r>
+          </a:p>
+          <a:p>
+            <a:endParaRPr lang="en-GB" sz="300" dirty="0"/>
+          </a:p>
+          <a:p>
+            <a:r>
+              <a:rPr lang="en-GB" sz="1200" u="sng" dirty="0"/>
+              <a:t>Price</a:t>
+            </a:r>
+            <a:r>
+              <a:rPr lang="en-GB" sz="1200" dirty="0"/>
+              <a:t> : Case purchasers appear to be more price sensitive that battery purchasers</a:t>
+            </a:r>
+          </a:p>
+        </p:txBody>
+      </p:sp>
+      <p:pic>
+        <p:nvPicPr>
+          <p:cNvPr id="31" name="Image 30" descr="Une image contenant horloge&#10;&#10;Description générée automatiquement">
+            <a:extLst>
+              <a:ext uri="{FF2B5EF4-FFF2-40B4-BE49-F238E27FC236}">
+                <a16:creationId xmlns:a16="http://schemas.microsoft.com/office/drawing/2014/main" id="{7C622E36-1677-4DB1-955A-3B1EA1EA192E}"/>
+              </a:ext>
+            </a:extLst>
+          </p:cNvPr>
+          <p:cNvPicPr>
+            <a:picLocks noChangeAspect="1"/>
+          </p:cNvPicPr>
+          <p:nvPr/>
+        </p:nvPicPr>
+        <p:blipFill>
+          <a:blip r:embed="rId3"/>
+          <a:stretch>
+            <a:fillRect/>
+          </a:stretch>
+        </p:blipFill>
+        <p:spPr>
+          <a:xfrm>
+            <a:off x="830574" y="1169989"/>
+            <a:ext cx="3164471" cy="2086764"/>
+          </a:xfrm>
+          <a:prstGeom prst="rect">
+            <a:avLst/>
+          </a:prstGeom>
+        </p:spPr>
+      </p:pic>
+      <p:pic>
+        <p:nvPicPr>
+          <p:cNvPr id="226" name="Image 225" descr="Une image contenant horloge&#10;&#10;Description générée automatiquement">
+            <a:extLst>
+              <a:ext uri="{FF2B5EF4-FFF2-40B4-BE49-F238E27FC236}">
+                <a16:creationId xmlns:a16="http://schemas.microsoft.com/office/drawing/2014/main" id="{E7599CC9-5013-4DBD-85D1-FA9729299607}"/>
+              </a:ext>
+            </a:extLst>
+          </p:cNvPr>
+          <p:cNvPicPr>
+            <a:picLocks noChangeAspect="1"/>
+          </p:cNvPicPr>
+          <p:nvPr/>
+        </p:nvPicPr>
+        <p:blipFill>
+          <a:blip r:embed="rId4"/>
+          <a:stretch>
+            <a:fillRect/>
+          </a:stretch>
+        </p:blipFill>
+        <p:spPr>
+          <a:xfrm>
+            <a:off x="4994610" y="1203761"/>
+            <a:ext cx="3230633" cy="2083723"/>
+          </a:xfrm>
+          <a:prstGeom prst="rect">
+            <a:avLst/>
+          </a:prstGeom>
+        </p:spPr>
+      </p:pic>
+      <p:sp>
+        <p:nvSpPr>
+          <p:cNvPr id="53" name="ZoneTexte 52">
+            <a:extLst>
+              <a:ext uri="{FF2B5EF4-FFF2-40B4-BE49-F238E27FC236}">
+                <a16:creationId xmlns:a16="http://schemas.microsoft.com/office/drawing/2014/main" id="{30D441DD-1527-4A0A-A487-28B8D15D6C02}"/>
+              </a:ext>
+            </a:extLst>
+          </p:cNvPr>
+          <p:cNvSpPr txBox="1"/>
+          <p:nvPr/>
+        </p:nvSpPr>
+        <p:spPr>
+          <a:xfrm>
+            <a:off x="1182148" y="1055085"/>
+            <a:ext cx="2641576" cy="230832"/>
+          </a:xfrm>
+          <a:prstGeom prst="rect">
+            <a:avLst/>
+          </a:prstGeom>
+          <a:noFill/>
+        </p:spPr>
+        <p:txBody>
+          <a:bodyPr wrap="square" rtlCol="0">
+            <a:spAutoFit/>
+          </a:bodyPr>
+          <a:lstStyle/>
+          <a:p>
+            <a:r>
+              <a:rPr lang="en-GB" sz="900" i="1" dirty="0"/>
+              <a:t>Coefficients of the linear regression</a:t>
+            </a:r>
+          </a:p>
+        </p:txBody>
+      </p:sp>
+      <p:sp>
+        <p:nvSpPr>
+          <p:cNvPr id="54" name="ZoneTexte 53">
+            <a:extLst>
+              <a:ext uri="{FF2B5EF4-FFF2-40B4-BE49-F238E27FC236}">
+                <a16:creationId xmlns:a16="http://schemas.microsoft.com/office/drawing/2014/main" id="{4D4D951A-5737-42C7-A9CD-C71BC5EE546B}"/>
+              </a:ext>
+            </a:extLst>
+          </p:cNvPr>
+          <p:cNvSpPr txBox="1"/>
+          <p:nvPr/>
+        </p:nvSpPr>
+        <p:spPr>
+          <a:xfrm>
+            <a:off x="5353693" y="1070307"/>
+            <a:ext cx="2641576" cy="230832"/>
+          </a:xfrm>
+          <a:prstGeom prst="rect">
+            <a:avLst/>
+          </a:prstGeom>
+          <a:noFill/>
+        </p:spPr>
+        <p:txBody>
+          <a:bodyPr wrap="square" rtlCol="0">
+            <a:spAutoFit/>
+          </a:bodyPr>
+          <a:lstStyle/>
+          <a:p>
+            <a:r>
+              <a:rPr lang="en-GB" sz="900" i="1" dirty="0"/>
+              <a:t>Coefficients of the linear regression</a:t>
+            </a:r>
+          </a:p>
+        </p:txBody>
+      </p:sp>
+      <p:sp>
+        <p:nvSpPr>
+          <p:cNvPr id="26" name="ZoneTexte 19">
+            <a:extLst>
+              <a:ext uri="{FF2B5EF4-FFF2-40B4-BE49-F238E27FC236}">
+                <a16:creationId xmlns:a16="http://schemas.microsoft.com/office/drawing/2014/main" id="{1450EDD7-CDE3-4E8E-BC6E-DF576F7DBDEA}"/>
+              </a:ext>
+            </a:extLst>
+          </p:cNvPr>
+          <p:cNvSpPr txBox="1"/>
+          <p:nvPr/>
+        </p:nvSpPr>
+        <p:spPr>
+          <a:xfrm>
+            <a:off x="6009689" y="694133"/>
+            <a:ext cx="1537600" cy="307777"/>
+          </a:xfrm>
+          <a:prstGeom prst="rect">
+            <a:avLst/>
+          </a:prstGeom>
+          <a:noFill/>
+        </p:spPr>
+        <p:txBody>
+          <a:bodyPr wrap="none" rtlCol="0">
+            <a:spAutoFit/>
+          </a:bodyPr>
+          <a:lstStyle/>
+          <a:p>
+            <a:r>
+              <a:rPr lang="fr-FR" b="1" dirty="0">
+                <a:solidFill>
+                  <a:schemeClr val="tx1"/>
+                </a:solidFill>
+              </a:rPr>
+              <a:t>“Case” Weights</a:t>
+            </a:r>
+          </a:p>
+        </p:txBody>
+      </p:sp>
+      <p:sp>
+        <p:nvSpPr>
+          <p:cNvPr id="28" name="ZoneTexte 31">
+            <a:extLst>
+              <a:ext uri="{FF2B5EF4-FFF2-40B4-BE49-F238E27FC236}">
+                <a16:creationId xmlns:a16="http://schemas.microsoft.com/office/drawing/2014/main" id="{9F8A6B76-8E5C-4F77-BD02-601F691AF48F}"/>
+              </a:ext>
+            </a:extLst>
+          </p:cNvPr>
+          <p:cNvSpPr txBox="1"/>
+          <p:nvPr/>
+        </p:nvSpPr>
+        <p:spPr>
+          <a:xfrm>
+            <a:off x="1676498" y="694134"/>
+            <a:ext cx="1875835" cy="307777"/>
+          </a:xfrm>
+          <a:prstGeom prst="rect">
+            <a:avLst/>
+          </a:prstGeom>
+          <a:noFill/>
+        </p:spPr>
+        <p:txBody>
+          <a:bodyPr wrap="none" rtlCol="0">
+            <a:spAutoFit/>
+          </a:bodyPr>
+          <a:lstStyle/>
+          <a:p>
+            <a:pPr algn="ctr"/>
+            <a:r>
+              <a:rPr lang="fr-FR" b="1" dirty="0">
+                <a:solidFill>
+                  <a:schemeClr val="tx1"/>
+                </a:solidFill>
+              </a:rPr>
+              <a:t>“Batteries” Weights</a:t>
             </a:r>
           </a:p>
         </p:txBody>
@@ -20348,7 +21458,272 @@
 </p:sld>
 </file>
 
-<file path=ppt/slides/slide14.xml><?xml version="1.0" encoding="utf-8"?>
+<file path=ppt/slides/slide17.xml><?xml version="1.0" encoding="utf-8"?>
+<p:sld xmlns:a="http://schemas.openxmlformats.org/drawingml/2006/main" xmlns:r="http://schemas.openxmlformats.org/officeDocument/2006/relationships" xmlns:p="http://schemas.openxmlformats.org/presentationml/2006/main">
+  <p:cSld>
+    <p:spTree>
+      <p:nvGrpSpPr>
+        <p:cNvPr id="1" name="Shape 241"/>
+        <p:cNvGrpSpPr/>
+        <p:nvPr/>
+      </p:nvGrpSpPr>
+      <p:grpSpPr>
+        <a:xfrm>
+          <a:off x="0" y="0"/>
+          <a:ext cx="0" cy="0"/>
+          <a:chOff x="0" y="0"/>
+          <a:chExt cx="0" cy="0"/>
+        </a:xfrm>
+      </p:grpSpPr>
+      <p:sp>
+        <p:nvSpPr>
+          <p:cNvPr id="242" name="Google Shape;242;g6c62c62412_0_308"/>
+          <p:cNvSpPr txBox="1"/>
+          <p:nvPr/>
+        </p:nvSpPr>
+        <p:spPr>
+          <a:xfrm>
+            <a:off x="358489" y="107523"/>
+            <a:ext cx="6420000" cy="519000"/>
+          </a:xfrm>
+          <a:prstGeom prst="rect">
+            <a:avLst/>
+          </a:prstGeom>
+          <a:noFill/>
+          <a:ln>
+            <a:noFill/>
+          </a:ln>
+        </p:spPr>
+        <p:txBody>
+          <a:bodyPr spcFirstLastPara="1" wrap="square" lIns="35100" tIns="35100" rIns="35100" bIns="35100" anchor="t" anchorCtr="0">
+            <a:noAutofit/>
+          </a:bodyPr>
+          <a:lstStyle/>
+          <a:p>
+            <a:pPr marL="0" marR="0" lvl="0" indent="0" algn="l" rtl="0">
+              <a:lnSpc>
+                <a:spcPct val="90000"/>
+              </a:lnSpc>
+              <a:spcBef>
+                <a:spcPts val="0"/>
+              </a:spcBef>
+              <a:spcAft>
+                <a:spcPts val="0"/>
+              </a:spcAft>
+              <a:buClr>
+                <a:srgbClr val="000000"/>
+              </a:buClr>
+              <a:buSzPts val="2100"/>
+              <a:buFont typeface="Arial"/>
+              <a:buNone/>
+            </a:pPr>
+            <a:r>
+              <a:rPr lang="en" sz="2100" b="1">
+                <a:solidFill>
+                  <a:srgbClr val="0000FF"/>
+                </a:solidFill>
+              </a:rPr>
+              <a:t>Conclusion</a:t>
+            </a:r>
+            <a:endParaRPr sz="1100" b="0" i="0" u="none" strike="noStrike" cap="none">
+              <a:solidFill>
+                <a:srgbClr val="000000"/>
+              </a:solidFill>
+              <a:latin typeface="Arial"/>
+              <a:ea typeface="Arial"/>
+              <a:cs typeface="Arial"/>
+              <a:sym typeface="Arial"/>
+            </a:endParaRPr>
+          </a:p>
+        </p:txBody>
+      </p:sp>
+      <p:sp>
+        <p:nvSpPr>
+          <p:cNvPr id="243" name="Google Shape;243;g6c62c62412_0_308"/>
+          <p:cNvSpPr txBox="1">
+            <a:spLocks noGrp="1"/>
+          </p:cNvSpPr>
+          <p:nvPr>
+            <p:ph type="body" idx="1"/>
+          </p:nvPr>
+        </p:nvSpPr>
+        <p:spPr>
+          <a:xfrm>
+            <a:off x="358500" y="832125"/>
+            <a:ext cx="8407500" cy="3356400"/>
+          </a:xfrm>
+          <a:prstGeom prst="rect">
+            <a:avLst/>
+          </a:prstGeom>
+          <a:noFill/>
+          <a:ln>
+            <a:noFill/>
+          </a:ln>
+        </p:spPr>
+        <p:txBody>
+          <a:bodyPr spcFirstLastPara="1" wrap="square" lIns="91425" tIns="0" rIns="91425" bIns="0" anchor="t" anchorCtr="0">
+            <a:noAutofit/>
+          </a:bodyPr>
+          <a:lstStyle/>
+          <a:p>
+            <a:pPr marL="0" lvl="0" indent="0" algn="l" rtl="0">
+              <a:lnSpc>
+                <a:spcPct val="100000"/>
+              </a:lnSpc>
+              <a:spcBef>
+                <a:spcPts val="800"/>
+              </a:spcBef>
+              <a:spcAft>
+                <a:spcPts val="0"/>
+              </a:spcAft>
+              <a:buNone/>
+            </a:pPr>
+            <a:r>
+              <a:rPr lang="en" sz="1400" dirty="0">
+                <a:latin typeface="Arial"/>
+                <a:ea typeface="Arial"/>
+                <a:cs typeface="Arial"/>
+                <a:sym typeface="Arial"/>
+              </a:rPr>
+              <a:t>Through chaining modern day NLP solutions, we developed a framework that provides substantial insight into consumer’s purchasing reasons </a:t>
+            </a:r>
+            <a:endParaRPr sz="1400" dirty="0">
+              <a:latin typeface="Arial"/>
+              <a:ea typeface="Arial"/>
+              <a:cs typeface="Arial"/>
+              <a:sym typeface="Arial"/>
+            </a:endParaRPr>
+          </a:p>
+          <a:p>
+            <a:pPr marL="0" lvl="0" indent="0" algn="l" rtl="0">
+              <a:lnSpc>
+                <a:spcPct val="100000"/>
+              </a:lnSpc>
+              <a:spcBef>
+                <a:spcPts val="800"/>
+              </a:spcBef>
+              <a:spcAft>
+                <a:spcPts val="0"/>
+              </a:spcAft>
+              <a:buNone/>
+            </a:pPr>
+            <a:endParaRPr sz="1400" dirty="0">
+              <a:latin typeface="Arial"/>
+              <a:ea typeface="Arial"/>
+              <a:cs typeface="Arial"/>
+              <a:sym typeface="Arial"/>
+            </a:endParaRPr>
+          </a:p>
+          <a:p>
+            <a:pPr marL="0" lvl="0" indent="0" algn="l" rtl="0">
+              <a:lnSpc>
+                <a:spcPct val="100000"/>
+              </a:lnSpc>
+              <a:spcBef>
+                <a:spcPts val="800"/>
+              </a:spcBef>
+              <a:spcAft>
+                <a:spcPts val="0"/>
+              </a:spcAft>
+              <a:buNone/>
+            </a:pPr>
+            <a:r>
+              <a:rPr lang="en" sz="1400" dirty="0">
+                <a:latin typeface="Arial"/>
+                <a:ea typeface="Arial"/>
+                <a:cs typeface="Arial"/>
+                <a:sym typeface="Arial"/>
+              </a:rPr>
+              <a:t>Our framework was developed such that it is independent of the data source and can be applied to any source of open text reviews in a completely unsupervised manner</a:t>
+            </a:r>
+            <a:endParaRPr sz="1400" dirty="0">
+              <a:latin typeface="Arial"/>
+              <a:ea typeface="Arial"/>
+              <a:cs typeface="Arial"/>
+              <a:sym typeface="Arial"/>
+            </a:endParaRPr>
+          </a:p>
+          <a:p>
+            <a:pPr marL="0" lvl="0" indent="0" algn="l" rtl="0">
+              <a:lnSpc>
+                <a:spcPct val="100000"/>
+              </a:lnSpc>
+              <a:spcBef>
+                <a:spcPts val="800"/>
+              </a:spcBef>
+              <a:spcAft>
+                <a:spcPts val="0"/>
+              </a:spcAft>
+              <a:buNone/>
+            </a:pPr>
+            <a:endParaRPr sz="1400" dirty="0">
+              <a:latin typeface="Arial"/>
+              <a:ea typeface="Arial"/>
+              <a:cs typeface="Arial"/>
+              <a:sym typeface="Arial"/>
+            </a:endParaRPr>
+          </a:p>
+          <a:p>
+            <a:pPr marL="0" lvl="0" indent="0" algn="l" rtl="0">
+              <a:lnSpc>
+                <a:spcPct val="100000"/>
+              </a:lnSpc>
+              <a:spcBef>
+                <a:spcPts val="800"/>
+              </a:spcBef>
+              <a:spcAft>
+                <a:spcPts val="0"/>
+              </a:spcAft>
+              <a:buNone/>
+            </a:pPr>
+            <a:r>
+              <a:rPr lang="en" sz="1400" dirty="0">
+                <a:latin typeface="Arial"/>
+                <a:ea typeface="Arial"/>
+                <a:cs typeface="Arial"/>
+                <a:sym typeface="Arial"/>
+              </a:rPr>
+              <a:t>Intended future work is to understand causal reasons for purchases rather than purely associative </a:t>
+            </a:r>
+            <a:endParaRPr sz="1400" dirty="0">
+              <a:latin typeface="Arial"/>
+              <a:ea typeface="Arial"/>
+              <a:cs typeface="Arial"/>
+              <a:sym typeface="Arial"/>
+            </a:endParaRPr>
+          </a:p>
+          <a:p>
+            <a:pPr marL="0" lvl="0" indent="0" algn="l" rtl="0">
+              <a:lnSpc>
+                <a:spcPct val="100000"/>
+              </a:lnSpc>
+              <a:spcBef>
+                <a:spcPts val="800"/>
+              </a:spcBef>
+              <a:spcAft>
+                <a:spcPts val="600"/>
+              </a:spcAft>
+              <a:buSzPts val="1400"/>
+              <a:buNone/>
+            </a:pPr>
+            <a:endParaRPr sz="1400" dirty="0">
+              <a:latin typeface="Arial"/>
+              <a:ea typeface="Arial"/>
+              <a:cs typeface="Arial"/>
+              <a:sym typeface="Arial"/>
+            </a:endParaRPr>
+          </a:p>
+        </p:txBody>
+      </p:sp>
+    </p:spTree>
+  </p:cSld>
+  <p:clrMapOvr>
+    <a:masterClrMapping/>
+  </p:clrMapOvr>
+</p:sld>
+</file>
+
+<file path=ppt/slides/slide18.xml><?xml version="1.0" encoding="utf-8"?>
 <p:sld xmlns:a="http://schemas.openxmlformats.org/drawingml/2006/main" xmlns:r="http://schemas.openxmlformats.org/officeDocument/2006/relationships" xmlns:p="http://schemas.openxmlformats.org/presentationml/2006/main">
   <p:cSld>
     <p:spTree>
@@ -22899,1137 +24274,6 @@
 </p:sld>
 </file>
 
-<file path=ppt/slides/slide15.xml><?xml version="1.0" encoding="utf-8"?>
-<p:sld xmlns:a="http://schemas.openxmlformats.org/drawingml/2006/main" xmlns:r="http://schemas.openxmlformats.org/officeDocument/2006/relationships" xmlns:p="http://schemas.openxmlformats.org/presentationml/2006/main">
-  <p:cSld>
-    <p:spTree>
-      <p:nvGrpSpPr>
-        <p:cNvPr id="1" name="Shape 235"/>
-        <p:cNvGrpSpPr/>
-        <p:nvPr/>
-      </p:nvGrpSpPr>
-      <p:grpSpPr>
-        <a:xfrm>
-          <a:off x="0" y="0"/>
-          <a:ext cx="0" cy="0"/>
-          <a:chOff x="0" y="0"/>
-          <a:chExt cx="0" cy="0"/>
-        </a:xfrm>
-      </p:grpSpPr>
-      <p:sp>
-        <p:nvSpPr>
-          <p:cNvPr id="236" name="Google Shape;236;p5"/>
-          <p:cNvSpPr txBox="1"/>
-          <p:nvPr/>
-        </p:nvSpPr>
-        <p:spPr>
-          <a:xfrm>
-            <a:off x="358489" y="107523"/>
-            <a:ext cx="6420000" cy="519000"/>
-          </a:xfrm>
-          <a:prstGeom prst="rect">
-            <a:avLst/>
-          </a:prstGeom>
-          <a:noFill/>
-          <a:ln>
-            <a:noFill/>
-          </a:ln>
-        </p:spPr>
-        <p:txBody>
-          <a:bodyPr spcFirstLastPara="1" wrap="square" lIns="35100" tIns="35100" rIns="35100" bIns="35100" anchor="t" anchorCtr="0">
-            <a:noAutofit/>
-          </a:bodyPr>
-          <a:lstStyle/>
-          <a:p>
-            <a:pPr marL="0" marR="0" lvl="0" indent="0" algn="l" rtl="0">
-              <a:lnSpc>
-                <a:spcPct val="90000"/>
-              </a:lnSpc>
-              <a:spcBef>
-                <a:spcPts val="0"/>
-              </a:spcBef>
-              <a:spcAft>
-                <a:spcPts val="0"/>
-              </a:spcAft>
-              <a:buClr>
-                <a:srgbClr val="000000"/>
-              </a:buClr>
-              <a:buSzPts val="2100"/>
-              <a:buFont typeface="Arial"/>
-              <a:buNone/>
-            </a:pPr>
-            <a:r>
-              <a:rPr lang="en" sz="2100" b="1" dirty="0">
-                <a:solidFill>
-                  <a:srgbClr val="0000FF"/>
-                </a:solidFill>
-              </a:rPr>
-              <a:t>In-depth Analysis of “</a:t>
-            </a:r>
-            <a:r>
-              <a:rPr lang="fr-FR" sz="2100" b="1" dirty="0" err="1">
-                <a:solidFill>
-                  <a:srgbClr val="0000FF"/>
-                </a:solidFill>
-              </a:rPr>
-              <a:t>Cell</a:t>
-            </a:r>
-            <a:r>
-              <a:rPr lang="fr-FR" sz="2100" b="1" dirty="0">
-                <a:solidFill>
-                  <a:srgbClr val="0000FF"/>
-                </a:solidFill>
-              </a:rPr>
-              <a:t> Phones &amp; Accessories</a:t>
-            </a:r>
-            <a:r>
-              <a:rPr lang="en" sz="2100" b="1" dirty="0">
-                <a:solidFill>
-                  <a:srgbClr val="0000FF"/>
-                </a:solidFill>
-              </a:rPr>
-              <a:t>”</a:t>
-            </a:r>
-            <a:endParaRPr sz="1100" b="0" i="0" u="none" strike="noStrike" cap="none" dirty="0">
-              <a:solidFill>
-                <a:srgbClr val="000000"/>
-              </a:solidFill>
-              <a:latin typeface="Arial"/>
-              <a:ea typeface="Arial"/>
-              <a:cs typeface="Arial"/>
-              <a:sym typeface="Arial"/>
-            </a:endParaRPr>
-          </a:p>
-        </p:txBody>
-      </p:sp>
-      <p:pic>
-        <p:nvPicPr>
-          <p:cNvPr id="1026" name="Picture 2">
-            <a:extLst>
-              <a:ext uri="{FF2B5EF4-FFF2-40B4-BE49-F238E27FC236}">
-                <a16:creationId xmlns:a16="http://schemas.microsoft.com/office/drawing/2014/main" id="{9C6DB46B-09A6-4656-BF81-679A872ACCFB}"/>
-              </a:ext>
-            </a:extLst>
-          </p:cNvPr>
-          <p:cNvPicPr>
-            <a:picLocks noChangeAspect="1" noChangeArrowheads="1"/>
-          </p:cNvPicPr>
-          <p:nvPr/>
-        </p:nvPicPr>
-        <p:blipFill>
-          <a:blip r:embed="rId3">
-            <a:extLst>
-              <a:ext uri="{28A0092B-C50C-407E-A947-70E740481C1C}">
-                <a14:useLocalDpi xmlns:a14="http://schemas.microsoft.com/office/drawing/2010/main" val="0"/>
-              </a:ext>
-            </a:extLst>
-          </a:blip>
-          <a:srcRect/>
-          <a:stretch>
-            <a:fillRect/>
-          </a:stretch>
-        </p:blipFill>
-        <p:spPr bwMode="auto">
-          <a:xfrm>
-            <a:off x="3163869" y="557842"/>
-            <a:ext cx="2340768" cy="1578914"/>
-          </a:xfrm>
-          <a:prstGeom prst="rect">
-            <a:avLst/>
-          </a:prstGeom>
-          <a:noFill/>
-          <a:extLst>
-            <a:ext uri="{909E8E84-426E-40DD-AFC4-6F175D3DCCD1}">
-              <a14:hiddenFill xmlns:a14="http://schemas.microsoft.com/office/drawing/2010/main">
-                <a:solidFill>
-                  <a:srgbClr val="FFFFFF"/>
-                </a:solidFill>
-              </a14:hiddenFill>
-            </a:ext>
-          </a:extLst>
-        </p:spPr>
-      </p:pic>
-      <p:cxnSp>
-        <p:nvCxnSpPr>
-          <p:cNvPr id="3" name="Connecteur droit 2">
-            <a:extLst>
-              <a:ext uri="{FF2B5EF4-FFF2-40B4-BE49-F238E27FC236}">
-                <a16:creationId xmlns:a16="http://schemas.microsoft.com/office/drawing/2014/main" id="{6386815C-DC12-4597-9A04-021237E0CC02}"/>
-              </a:ext>
-            </a:extLst>
-          </p:cNvPr>
-          <p:cNvCxnSpPr>
-            <a:cxnSpLocks/>
-          </p:cNvCxnSpPr>
-          <p:nvPr/>
-        </p:nvCxnSpPr>
-        <p:spPr>
-          <a:xfrm flipV="1">
-            <a:off x="4889090" y="664368"/>
-            <a:ext cx="1083580" cy="293704"/>
-          </a:xfrm>
-          <a:prstGeom prst="line">
-            <a:avLst/>
-          </a:prstGeom>
-          <a:ln w="12700">
-            <a:solidFill>
-              <a:schemeClr val="tx1"/>
-            </a:solidFill>
-          </a:ln>
-        </p:spPr>
-        <p:style>
-          <a:lnRef idx="1">
-            <a:schemeClr val="accent1"/>
-          </a:lnRef>
-          <a:fillRef idx="0">
-            <a:schemeClr val="accent1"/>
-          </a:fillRef>
-          <a:effectRef idx="0">
-            <a:schemeClr val="accent1"/>
-          </a:effectRef>
-          <a:fontRef idx="minor">
-            <a:schemeClr val="tx1"/>
-          </a:fontRef>
-        </p:style>
-      </p:cxnSp>
-      <p:cxnSp>
-        <p:nvCxnSpPr>
-          <p:cNvPr id="15" name="Connecteur droit 14">
-            <a:extLst>
-              <a:ext uri="{FF2B5EF4-FFF2-40B4-BE49-F238E27FC236}">
-                <a16:creationId xmlns:a16="http://schemas.microsoft.com/office/drawing/2014/main" id="{1ABA47FA-1833-4021-A446-75795D640F04}"/>
-              </a:ext>
-            </a:extLst>
-          </p:cNvPr>
-          <p:cNvCxnSpPr>
-            <a:cxnSpLocks/>
-          </p:cNvCxnSpPr>
-          <p:nvPr/>
-        </p:nvCxnSpPr>
-        <p:spPr>
-          <a:xfrm flipV="1">
-            <a:off x="5972670" y="668000"/>
-            <a:ext cx="2291349" cy="1"/>
-          </a:xfrm>
-          <a:prstGeom prst="line">
-            <a:avLst/>
-          </a:prstGeom>
-          <a:ln w="12700">
-            <a:solidFill>
-              <a:schemeClr val="tx1"/>
-            </a:solidFill>
-          </a:ln>
-        </p:spPr>
-        <p:style>
-          <a:lnRef idx="1">
-            <a:schemeClr val="accent1"/>
-          </a:lnRef>
-          <a:fillRef idx="0">
-            <a:schemeClr val="accent1"/>
-          </a:fillRef>
-          <a:effectRef idx="0">
-            <a:schemeClr val="accent1"/>
-          </a:effectRef>
-          <a:fontRef idx="minor">
-            <a:schemeClr val="tx1"/>
-          </a:fontRef>
-        </p:style>
-      </p:cxnSp>
-      <p:cxnSp>
-        <p:nvCxnSpPr>
-          <p:cNvPr id="18" name="Connecteur droit 17">
-            <a:extLst>
-              <a:ext uri="{FF2B5EF4-FFF2-40B4-BE49-F238E27FC236}">
-                <a16:creationId xmlns:a16="http://schemas.microsoft.com/office/drawing/2014/main" id="{88D0F1D4-DA73-487D-B705-948333AEEBE7}"/>
-              </a:ext>
-            </a:extLst>
-          </p:cNvPr>
-          <p:cNvCxnSpPr>
-            <a:cxnSpLocks/>
-          </p:cNvCxnSpPr>
-          <p:nvPr/>
-        </p:nvCxnSpPr>
-        <p:spPr>
-          <a:xfrm>
-            <a:off x="2971800" y="711793"/>
-            <a:ext cx="830930" cy="246279"/>
-          </a:xfrm>
-          <a:prstGeom prst="line">
-            <a:avLst/>
-          </a:prstGeom>
-          <a:ln w="12700">
-            <a:solidFill>
-              <a:schemeClr val="tx1"/>
-            </a:solidFill>
-          </a:ln>
-        </p:spPr>
-        <p:style>
-          <a:lnRef idx="1">
-            <a:schemeClr val="accent1"/>
-          </a:lnRef>
-          <a:fillRef idx="0">
-            <a:schemeClr val="accent1"/>
-          </a:fillRef>
-          <a:effectRef idx="0">
-            <a:schemeClr val="accent1"/>
-          </a:effectRef>
-          <a:fontRef idx="minor">
-            <a:schemeClr val="tx1"/>
-          </a:fontRef>
-        </p:style>
-      </p:cxnSp>
-      <p:cxnSp>
-        <p:nvCxnSpPr>
-          <p:cNvPr id="24" name="Connecteur droit 23">
-            <a:extLst>
-              <a:ext uri="{FF2B5EF4-FFF2-40B4-BE49-F238E27FC236}">
-                <a16:creationId xmlns:a16="http://schemas.microsoft.com/office/drawing/2014/main" id="{89949906-7208-439E-9CE3-A8B947C982AA}"/>
-              </a:ext>
-            </a:extLst>
-          </p:cNvPr>
-          <p:cNvCxnSpPr>
-            <a:cxnSpLocks/>
-          </p:cNvCxnSpPr>
-          <p:nvPr/>
-        </p:nvCxnSpPr>
-        <p:spPr>
-          <a:xfrm>
-            <a:off x="568273" y="711793"/>
-            <a:ext cx="2432269" cy="0"/>
-          </a:xfrm>
-          <a:prstGeom prst="line">
-            <a:avLst/>
-          </a:prstGeom>
-          <a:ln w="12700">
-            <a:solidFill>
-              <a:schemeClr val="tx1"/>
-            </a:solidFill>
-          </a:ln>
-        </p:spPr>
-        <p:style>
-          <a:lnRef idx="1">
-            <a:schemeClr val="accent1"/>
-          </a:lnRef>
-          <a:fillRef idx="0">
-            <a:schemeClr val="accent1"/>
-          </a:fillRef>
-          <a:effectRef idx="0">
-            <a:schemeClr val="accent1"/>
-          </a:effectRef>
-          <a:fontRef idx="minor">
-            <a:schemeClr val="tx1"/>
-          </a:fontRef>
-        </p:style>
-      </p:cxnSp>
-      <p:sp>
-        <p:nvSpPr>
-          <p:cNvPr id="20" name="ZoneTexte 19">
-            <a:extLst>
-              <a:ext uri="{FF2B5EF4-FFF2-40B4-BE49-F238E27FC236}">
-                <a16:creationId xmlns:a16="http://schemas.microsoft.com/office/drawing/2014/main" id="{33C462E8-E8EA-447E-85A5-EED764FD49CC}"/>
-              </a:ext>
-            </a:extLst>
-          </p:cNvPr>
-          <p:cNvSpPr txBox="1"/>
-          <p:nvPr/>
-        </p:nvSpPr>
-        <p:spPr>
-          <a:xfrm>
-            <a:off x="5938883" y="367023"/>
-            <a:ext cx="1936749" cy="307777"/>
-          </a:xfrm>
-          <a:prstGeom prst="rect">
-            <a:avLst/>
-          </a:prstGeom>
-          <a:noFill/>
-        </p:spPr>
-        <p:txBody>
-          <a:bodyPr wrap="none" rtlCol="0">
-            <a:spAutoFit/>
-          </a:bodyPr>
-          <a:lstStyle/>
-          <a:p>
-            <a:r>
-              <a:rPr lang="fr-FR" dirty="0" err="1"/>
-              <a:t>Sub</a:t>
-            </a:r>
-            <a:r>
-              <a:rPr lang="fr-FR" dirty="0"/>
-              <a:t> </a:t>
-            </a:r>
-            <a:r>
-              <a:rPr lang="fr-FR" dirty="0" err="1"/>
-              <a:t>Category</a:t>
-            </a:r>
-            <a:r>
-              <a:rPr lang="fr-FR" dirty="0"/>
-              <a:t> : </a:t>
-            </a:r>
-            <a:r>
-              <a:rPr lang="fr-FR" dirty="0">
-                <a:solidFill>
-                  <a:srgbClr val="FF0000"/>
-                </a:solidFill>
-              </a:rPr>
-              <a:t>Cases</a:t>
-            </a:r>
-          </a:p>
-        </p:txBody>
-      </p:sp>
-      <p:sp>
-        <p:nvSpPr>
-          <p:cNvPr id="32" name="ZoneTexte 31">
-            <a:extLst>
-              <a:ext uri="{FF2B5EF4-FFF2-40B4-BE49-F238E27FC236}">
-                <a16:creationId xmlns:a16="http://schemas.microsoft.com/office/drawing/2014/main" id="{8D28F122-13B0-4B33-B27C-DE935BF49978}"/>
-              </a:ext>
-            </a:extLst>
-          </p:cNvPr>
-          <p:cNvSpPr txBox="1"/>
-          <p:nvPr/>
-        </p:nvSpPr>
-        <p:spPr>
-          <a:xfrm>
-            <a:off x="553448" y="403953"/>
-            <a:ext cx="2135521" cy="307777"/>
-          </a:xfrm>
-          <a:prstGeom prst="rect">
-            <a:avLst/>
-          </a:prstGeom>
-          <a:noFill/>
-        </p:spPr>
-        <p:txBody>
-          <a:bodyPr wrap="none" rtlCol="0">
-            <a:spAutoFit/>
-          </a:bodyPr>
-          <a:lstStyle/>
-          <a:p>
-            <a:r>
-              <a:rPr lang="fr-FR" dirty="0" err="1"/>
-              <a:t>Sub</a:t>
-            </a:r>
-            <a:r>
-              <a:rPr lang="fr-FR" dirty="0"/>
-              <a:t> </a:t>
-            </a:r>
-            <a:r>
-              <a:rPr lang="fr-FR" dirty="0" err="1"/>
-              <a:t>Category</a:t>
-            </a:r>
-            <a:r>
-              <a:rPr lang="fr-FR" dirty="0"/>
-              <a:t> : </a:t>
-            </a:r>
-            <a:r>
-              <a:rPr lang="fr-FR" dirty="0">
-                <a:solidFill>
-                  <a:srgbClr val="FF0000"/>
-                </a:solidFill>
-              </a:rPr>
-              <a:t>Batteries</a:t>
-            </a:r>
-          </a:p>
-        </p:txBody>
-      </p:sp>
-      <p:sp>
-        <p:nvSpPr>
-          <p:cNvPr id="33" name="Rectangle 1028">
-            <a:extLst>
-              <a:ext uri="{FF2B5EF4-FFF2-40B4-BE49-F238E27FC236}">
-                <a16:creationId xmlns:a16="http://schemas.microsoft.com/office/drawing/2014/main" id="{711918A6-83A3-4DBE-92BE-7BB900CD813E}"/>
-              </a:ext>
-            </a:extLst>
-          </p:cNvPr>
-          <p:cNvSpPr/>
-          <p:nvPr/>
-        </p:nvSpPr>
-        <p:spPr>
-          <a:xfrm>
-            <a:off x="2810559" y="2200443"/>
-            <a:ext cx="3465024" cy="2369282"/>
-          </a:xfrm>
-          <a:prstGeom prst="rect">
-            <a:avLst/>
-          </a:prstGeom>
-          <a:solidFill>
-            <a:srgbClr val="BDD7EE"/>
-          </a:solidFill>
-          <a:ln w="12701" cap="flat">
-            <a:solidFill>
-              <a:srgbClr val="2F528F"/>
-            </a:solidFill>
-            <a:prstDash val="solid"/>
-            <a:miter/>
-          </a:ln>
-        </p:spPr>
-        <p:txBody>
-          <a:bodyPr vert="horz" wrap="square" lIns="91440" tIns="45720" rIns="91440" bIns="45720" anchor="ctr" anchorCtr="1" compatLnSpc="1">
-            <a:noAutofit/>
-          </a:bodyPr>
-          <a:lstStyle/>
-          <a:p>
-            <a:pPr marL="0" marR="0" lvl="0" indent="0" algn="ctr" defTabSz="914400" rtl="0" fontAlgn="auto" hangingPunct="1">
-              <a:lnSpc>
-                <a:spcPct val="100000"/>
-              </a:lnSpc>
-              <a:spcBef>
-                <a:spcPts val="0"/>
-              </a:spcBef>
-              <a:spcAft>
-                <a:spcPts val="0"/>
-              </a:spcAft>
-              <a:buNone/>
-              <a:tabLst/>
-              <a:defRPr sz="1800" b="0" i="0" u="none" strike="noStrike" kern="0" cap="none" spc="0" baseline="0">
-                <a:solidFill>
-                  <a:srgbClr val="000000"/>
-                </a:solidFill>
-                <a:uFillTx/>
-              </a:defRPr>
-            </a:pPr>
-            <a:endParaRPr lang="fr-FR" sz="1800" b="0" i="0" u="none" strike="noStrike" kern="1200" cap="none" spc="0" baseline="0">
-              <a:solidFill>
-                <a:srgbClr val="FFFFFF"/>
-              </a:solidFill>
-              <a:uFillTx/>
-              <a:latin typeface="Calibri"/>
-            </a:endParaRPr>
-          </a:p>
-        </p:txBody>
-      </p:sp>
-      <p:sp>
-        <p:nvSpPr>
-          <p:cNvPr id="21" name="ZoneTexte 20">
-            <a:extLst>
-              <a:ext uri="{FF2B5EF4-FFF2-40B4-BE49-F238E27FC236}">
-                <a16:creationId xmlns:a16="http://schemas.microsoft.com/office/drawing/2014/main" id="{DADDE013-262D-4542-A6A7-036A1DE5A0E3}"/>
-              </a:ext>
-            </a:extLst>
-          </p:cNvPr>
-          <p:cNvSpPr txBox="1"/>
-          <p:nvPr/>
-        </p:nvSpPr>
-        <p:spPr>
-          <a:xfrm>
-            <a:off x="2917157" y="2220498"/>
-            <a:ext cx="1156086" cy="338554"/>
-          </a:xfrm>
-          <a:prstGeom prst="rect">
-            <a:avLst/>
-          </a:prstGeom>
-          <a:noFill/>
-        </p:spPr>
-        <p:txBody>
-          <a:bodyPr wrap="none" rtlCol="0">
-            <a:spAutoFit/>
-          </a:bodyPr>
-          <a:lstStyle/>
-          <a:p>
-            <a:r>
-              <a:rPr lang="fr-FR" sz="1600" b="1" dirty="0">
-                <a:solidFill>
-                  <a:srgbClr val="0000FF"/>
-                </a:solidFill>
-              </a:rPr>
-              <a:t>Insights : </a:t>
-            </a:r>
-          </a:p>
-        </p:txBody>
-      </p:sp>
-      <p:sp>
-        <p:nvSpPr>
-          <p:cNvPr id="22" name="ZoneTexte 21">
-            <a:extLst>
-              <a:ext uri="{FF2B5EF4-FFF2-40B4-BE49-F238E27FC236}">
-                <a16:creationId xmlns:a16="http://schemas.microsoft.com/office/drawing/2014/main" id="{D44B673F-4787-4E54-B01C-DB0F7EEDED65}"/>
-              </a:ext>
-            </a:extLst>
-          </p:cNvPr>
-          <p:cNvSpPr txBox="1"/>
-          <p:nvPr/>
-        </p:nvSpPr>
-        <p:spPr>
-          <a:xfrm>
-            <a:off x="2876977" y="2560045"/>
-            <a:ext cx="3391801" cy="1815882"/>
-          </a:xfrm>
-          <a:prstGeom prst="rect">
-            <a:avLst/>
-          </a:prstGeom>
-          <a:noFill/>
-        </p:spPr>
-        <p:txBody>
-          <a:bodyPr wrap="square" rtlCol="0">
-            <a:spAutoFit/>
-          </a:bodyPr>
-          <a:lstStyle/>
-          <a:p>
-            <a:r>
-              <a:rPr lang="en-GB" u="sng" dirty="0"/>
-              <a:t>Compatibility</a:t>
-            </a:r>
-            <a:r>
-              <a:rPr lang="en-GB" dirty="0"/>
-              <a:t>: Most negative aspect of Cell Phones</a:t>
-            </a:r>
-          </a:p>
-          <a:p>
-            <a:r>
-              <a:rPr lang="en-GB" u="sng" dirty="0"/>
-              <a:t>Batterie life time</a:t>
-            </a:r>
-            <a:r>
-              <a:rPr lang="en-GB" dirty="0"/>
-              <a:t>: well discussed in Cell phones but seems not very important. Might be surprising.</a:t>
-            </a:r>
-          </a:p>
-          <a:p>
-            <a:r>
-              <a:rPr lang="en-GB" dirty="0"/>
-              <a:t>Much less discussed in Cases category but is still important !</a:t>
-            </a:r>
-          </a:p>
-          <a:p>
-            <a:r>
-              <a:rPr lang="en-GB" u="sng" dirty="0"/>
-              <a:t>Price</a:t>
-            </a:r>
-            <a:r>
-              <a:rPr lang="en-GB" dirty="0"/>
-              <a:t> : Much more sensitive for Cases.</a:t>
-            </a:r>
-          </a:p>
-        </p:txBody>
-      </p:sp>
-      <p:pic>
-        <p:nvPicPr>
-          <p:cNvPr id="27" name="Image 26" descr="Une image contenant capture d’écran, dessin&#10;&#10;Description générée automatiquement">
-            <a:extLst>
-              <a:ext uri="{FF2B5EF4-FFF2-40B4-BE49-F238E27FC236}">
-                <a16:creationId xmlns:a16="http://schemas.microsoft.com/office/drawing/2014/main" id="{BD6BABD2-9F3E-42BF-B723-F323AE0B7A7A}"/>
-              </a:ext>
-            </a:extLst>
-          </p:cNvPr>
-          <p:cNvPicPr>
-            <a:picLocks noChangeAspect="1"/>
-          </p:cNvPicPr>
-          <p:nvPr/>
-        </p:nvPicPr>
-        <p:blipFill>
-          <a:blip r:embed="rId4"/>
-          <a:stretch>
-            <a:fillRect/>
-          </a:stretch>
-        </p:blipFill>
-        <p:spPr>
-          <a:xfrm>
-            <a:off x="196786" y="711730"/>
-            <a:ext cx="2483437" cy="1430023"/>
-          </a:xfrm>
-          <a:prstGeom prst="rect">
-            <a:avLst/>
-          </a:prstGeom>
-        </p:spPr>
-      </p:pic>
-      <p:pic>
-        <p:nvPicPr>
-          <p:cNvPr id="29" name="Image 28" descr="Une image contenant capture d’écran, dessin&#10;&#10;Description générée automatiquement">
-            <a:extLst>
-              <a:ext uri="{FF2B5EF4-FFF2-40B4-BE49-F238E27FC236}">
-                <a16:creationId xmlns:a16="http://schemas.microsoft.com/office/drawing/2014/main" id="{C666086E-99FE-4FBF-AC8F-5CE2FBB6D561}"/>
-              </a:ext>
-            </a:extLst>
-          </p:cNvPr>
-          <p:cNvPicPr>
-            <a:picLocks noChangeAspect="1"/>
-          </p:cNvPicPr>
-          <p:nvPr/>
-        </p:nvPicPr>
-        <p:blipFill>
-          <a:blip r:embed="rId5"/>
-          <a:stretch>
-            <a:fillRect/>
-          </a:stretch>
-        </p:blipFill>
-        <p:spPr>
-          <a:xfrm>
-            <a:off x="5583635" y="683586"/>
-            <a:ext cx="2519433" cy="1463617"/>
-          </a:xfrm>
-          <a:prstGeom prst="rect">
-            <a:avLst/>
-          </a:prstGeom>
-        </p:spPr>
-      </p:pic>
-      <p:pic>
-        <p:nvPicPr>
-          <p:cNvPr id="31" name="Image 30" descr="Une image contenant horloge&#10;&#10;Description générée automatiquement">
-            <a:extLst>
-              <a:ext uri="{FF2B5EF4-FFF2-40B4-BE49-F238E27FC236}">
-                <a16:creationId xmlns:a16="http://schemas.microsoft.com/office/drawing/2014/main" id="{7C622E36-1677-4DB1-955A-3B1EA1EA192E}"/>
-              </a:ext>
-            </a:extLst>
-          </p:cNvPr>
-          <p:cNvPicPr>
-            <a:picLocks noChangeAspect="1"/>
-          </p:cNvPicPr>
-          <p:nvPr/>
-        </p:nvPicPr>
-        <p:blipFill>
-          <a:blip r:embed="rId6"/>
-          <a:stretch>
-            <a:fillRect/>
-          </a:stretch>
-        </p:blipFill>
-        <p:spPr>
-          <a:xfrm>
-            <a:off x="-180626" y="2474963"/>
-            <a:ext cx="2886335" cy="1903351"/>
-          </a:xfrm>
-          <a:prstGeom prst="rect">
-            <a:avLst/>
-          </a:prstGeom>
-        </p:spPr>
-      </p:pic>
-      <p:pic>
-        <p:nvPicPr>
-          <p:cNvPr id="226" name="Image 225" descr="Une image contenant horloge&#10;&#10;Description générée automatiquement">
-            <a:extLst>
-              <a:ext uri="{FF2B5EF4-FFF2-40B4-BE49-F238E27FC236}">
-                <a16:creationId xmlns:a16="http://schemas.microsoft.com/office/drawing/2014/main" id="{E7599CC9-5013-4DBD-85D1-FA9729299607}"/>
-              </a:ext>
-            </a:extLst>
-          </p:cNvPr>
-          <p:cNvPicPr>
-            <a:picLocks noChangeAspect="1"/>
-          </p:cNvPicPr>
-          <p:nvPr/>
-        </p:nvPicPr>
-        <p:blipFill>
-          <a:blip r:embed="rId7"/>
-          <a:stretch>
-            <a:fillRect/>
-          </a:stretch>
-        </p:blipFill>
-        <p:spPr>
-          <a:xfrm>
-            <a:off x="6102297" y="2474963"/>
-            <a:ext cx="2919712" cy="1883182"/>
-          </a:xfrm>
-          <a:prstGeom prst="rect">
-            <a:avLst/>
-          </a:prstGeom>
-        </p:spPr>
-      </p:pic>
-      <p:pic>
-        <p:nvPicPr>
-          <p:cNvPr id="228" name="Image 227" descr="Une image contenant périphérique&#10;&#10;Description générée automatiquement">
-            <a:extLst>
-              <a:ext uri="{FF2B5EF4-FFF2-40B4-BE49-F238E27FC236}">
-                <a16:creationId xmlns:a16="http://schemas.microsoft.com/office/drawing/2014/main" id="{C8F5783E-1218-4B3F-A3FC-F8BF7C161B3D}"/>
-              </a:ext>
-            </a:extLst>
-          </p:cNvPr>
-          <p:cNvPicPr>
-            <a:picLocks noChangeAspect="1"/>
-          </p:cNvPicPr>
-          <p:nvPr/>
-        </p:nvPicPr>
-        <p:blipFill>
-          <a:blip r:embed="rId8"/>
-          <a:stretch>
-            <a:fillRect/>
-          </a:stretch>
-        </p:blipFill>
-        <p:spPr>
-          <a:xfrm>
-            <a:off x="2498773" y="922953"/>
-            <a:ext cx="1697832" cy="1145525"/>
-          </a:xfrm>
-          <a:prstGeom prst="rect">
-            <a:avLst/>
-          </a:prstGeom>
-        </p:spPr>
-      </p:pic>
-      <p:sp>
-        <p:nvSpPr>
-          <p:cNvPr id="229" name="ZoneTexte 228">
-            <a:extLst>
-              <a:ext uri="{FF2B5EF4-FFF2-40B4-BE49-F238E27FC236}">
-                <a16:creationId xmlns:a16="http://schemas.microsoft.com/office/drawing/2014/main" id="{89F602DA-7702-40C8-8605-943FF359ED77}"/>
-              </a:ext>
-            </a:extLst>
-          </p:cNvPr>
-          <p:cNvSpPr txBox="1"/>
-          <p:nvPr/>
-        </p:nvSpPr>
-        <p:spPr>
-          <a:xfrm>
-            <a:off x="7972985" y="694260"/>
-            <a:ext cx="1235134" cy="369332"/>
-          </a:xfrm>
-          <a:prstGeom prst="rect">
-            <a:avLst/>
-          </a:prstGeom>
-          <a:noFill/>
-        </p:spPr>
-        <p:txBody>
-          <a:bodyPr wrap="square" rtlCol="0">
-            <a:spAutoFit/>
-          </a:bodyPr>
-          <a:lstStyle/>
-          <a:p>
-            <a:r>
-              <a:rPr lang="en-GB" sz="900" i="1" dirty="0"/>
-              <a:t>Aspects frequencies in the Case category</a:t>
-            </a:r>
-            <a:endParaRPr lang="en-GB" sz="1050" dirty="0"/>
-          </a:p>
-        </p:txBody>
-      </p:sp>
-      <p:sp>
-        <p:nvSpPr>
-          <p:cNvPr id="53" name="ZoneTexte 52">
-            <a:extLst>
-              <a:ext uri="{FF2B5EF4-FFF2-40B4-BE49-F238E27FC236}">
-                <a16:creationId xmlns:a16="http://schemas.microsoft.com/office/drawing/2014/main" id="{30D441DD-1527-4A0A-A487-28B8D15D6C02}"/>
-              </a:ext>
-            </a:extLst>
-          </p:cNvPr>
-          <p:cNvSpPr txBox="1"/>
-          <p:nvPr/>
-        </p:nvSpPr>
-        <p:spPr>
-          <a:xfrm>
-            <a:off x="235401" y="2286272"/>
-            <a:ext cx="2641576" cy="230832"/>
-          </a:xfrm>
-          <a:prstGeom prst="rect">
-            <a:avLst/>
-          </a:prstGeom>
-          <a:noFill/>
-        </p:spPr>
-        <p:txBody>
-          <a:bodyPr wrap="square" rtlCol="0">
-            <a:spAutoFit/>
-          </a:bodyPr>
-          <a:lstStyle/>
-          <a:p>
-            <a:r>
-              <a:rPr lang="en-GB" sz="900" i="1" dirty="0"/>
-              <a:t>Coefficients of the logistic regression</a:t>
-            </a:r>
-          </a:p>
-        </p:txBody>
-      </p:sp>
-      <p:sp>
-        <p:nvSpPr>
-          <p:cNvPr id="54" name="ZoneTexte 53">
-            <a:extLst>
-              <a:ext uri="{FF2B5EF4-FFF2-40B4-BE49-F238E27FC236}">
-                <a16:creationId xmlns:a16="http://schemas.microsoft.com/office/drawing/2014/main" id="{4D4D951A-5737-42C7-A9CD-C71BC5EE546B}"/>
-              </a:ext>
-            </a:extLst>
-          </p:cNvPr>
-          <p:cNvSpPr txBox="1"/>
-          <p:nvPr/>
-        </p:nvSpPr>
-        <p:spPr>
-          <a:xfrm>
-            <a:off x="6380433" y="2287057"/>
-            <a:ext cx="2641576" cy="230832"/>
-          </a:xfrm>
-          <a:prstGeom prst="rect">
-            <a:avLst/>
-          </a:prstGeom>
-          <a:noFill/>
-        </p:spPr>
-        <p:txBody>
-          <a:bodyPr wrap="square" rtlCol="0">
-            <a:spAutoFit/>
-          </a:bodyPr>
-          <a:lstStyle/>
-          <a:p>
-            <a:r>
-              <a:rPr lang="en-GB" sz="900" i="1" dirty="0"/>
-              <a:t>Coefficients of the logistic regression</a:t>
-            </a:r>
-          </a:p>
-        </p:txBody>
-      </p:sp>
-    </p:spTree>
-  </p:cSld>
-  <p:clrMapOvr>
-    <a:masterClrMapping/>
-  </p:clrMapOvr>
-</p:sld>
-</file>
-
-<file path=ppt/slides/slide16.xml><?xml version="1.0" encoding="utf-8"?>
-<p:sld xmlns:a="http://schemas.openxmlformats.org/drawingml/2006/main" xmlns:r="http://schemas.openxmlformats.org/officeDocument/2006/relationships" xmlns:p="http://schemas.openxmlformats.org/presentationml/2006/main">
-  <p:cSld>
-    <p:spTree>
-      <p:nvGrpSpPr>
-        <p:cNvPr id="1" name="Shape 241"/>
-        <p:cNvGrpSpPr/>
-        <p:nvPr/>
-      </p:nvGrpSpPr>
-      <p:grpSpPr>
-        <a:xfrm>
-          <a:off x="0" y="0"/>
-          <a:ext cx="0" cy="0"/>
-          <a:chOff x="0" y="0"/>
-          <a:chExt cx="0" cy="0"/>
-        </a:xfrm>
-      </p:grpSpPr>
-      <p:sp>
-        <p:nvSpPr>
-          <p:cNvPr id="242" name="Google Shape;242;g6c62c62412_0_308"/>
-          <p:cNvSpPr txBox="1"/>
-          <p:nvPr/>
-        </p:nvSpPr>
-        <p:spPr>
-          <a:xfrm>
-            <a:off x="358489" y="107523"/>
-            <a:ext cx="6420000" cy="519000"/>
-          </a:xfrm>
-          <a:prstGeom prst="rect">
-            <a:avLst/>
-          </a:prstGeom>
-          <a:noFill/>
-          <a:ln>
-            <a:noFill/>
-          </a:ln>
-        </p:spPr>
-        <p:txBody>
-          <a:bodyPr spcFirstLastPara="1" wrap="square" lIns="35100" tIns="35100" rIns="35100" bIns="35100" anchor="t" anchorCtr="0">
-            <a:noAutofit/>
-          </a:bodyPr>
-          <a:lstStyle/>
-          <a:p>
-            <a:pPr marL="0" marR="0" lvl="0" indent="0" algn="l" rtl="0">
-              <a:lnSpc>
-                <a:spcPct val="90000"/>
-              </a:lnSpc>
-              <a:spcBef>
-                <a:spcPts val="0"/>
-              </a:spcBef>
-              <a:spcAft>
-                <a:spcPts val="0"/>
-              </a:spcAft>
-              <a:buClr>
-                <a:srgbClr val="000000"/>
-              </a:buClr>
-              <a:buSzPts val="2100"/>
-              <a:buFont typeface="Arial"/>
-              <a:buNone/>
-            </a:pPr>
-            <a:r>
-              <a:rPr lang="en" sz="2100" b="1">
-                <a:solidFill>
-                  <a:srgbClr val="0000FF"/>
-                </a:solidFill>
-              </a:rPr>
-              <a:t>Conclusion</a:t>
-            </a:r>
-            <a:endParaRPr sz="1100" b="0" i="0" u="none" strike="noStrike" cap="none">
-              <a:solidFill>
-                <a:srgbClr val="000000"/>
-              </a:solidFill>
-              <a:latin typeface="Arial"/>
-              <a:ea typeface="Arial"/>
-              <a:cs typeface="Arial"/>
-              <a:sym typeface="Arial"/>
-            </a:endParaRPr>
-          </a:p>
-        </p:txBody>
-      </p:sp>
-      <p:sp>
-        <p:nvSpPr>
-          <p:cNvPr id="243" name="Google Shape;243;g6c62c62412_0_308"/>
-          <p:cNvSpPr txBox="1">
-            <a:spLocks noGrp="1"/>
-          </p:cNvSpPr>
-          <p:nvPr>
-            <p:ph type="body" idx="1"/>
-          </p:nvPr>
-        </p:nvSpPr>
-        <p:spPr>
-          <a:xfrm>
-            <a:off x="358500" y="832125"/>
-            <a:ext cx="8407500" cy="3356400"/>
-          </a:xfrm>
-          <a:prstGeom prst="rect">
-            <a:avLst/>
-          </a:prstGeom>
-          <a:noFill/>
-          <a:ln>
-            <a:noFill/>
-          </a:ln>
-        </p:spPr>
-        <p:txBody>
-          <a:bodyPr spcFirstLastPara="1" wrap="square" lIns="91425" tIns="0" rIns="91425" bIns="0" anchor="t" anchorCtr="0">
-            <a:noAutofit/>
-          </a:bodyPr>
-          <a:lstStyle/>
-          <a:p>
-            <a:pPr marL="0" lvl="0" indent="0" algn="l" rtl="0">
-              <a:lnSpc>
-                <a:spcPct val="100000"/>
-              </a:lnSpc>
-              <a:spcBef>
-                <a:spcPts val="800"/>
-              </a:spcBef>
-              <a:spcAft>
-                <a:spcPts val="0"/>
-              </a:spcAft>
-              <a:buNone/>
-            </a:pPr>
-            <a:r>
-              <a:rPr lang="en" sz="1800">
-                <a:latin typeface="Arial"/>
-                <a:ea typeface="Arial"/>
-                <a:cs typeface="Arial"/>
-                <a:sym typeface="Arial"/>
-              </a:rPr>
-              <a:t>Through chaining modern day NLP solutions, we developed a framework that provides substantial insight into consumer’s purchasing reasons </a:t>
-            </a:r>
-            <a:endParaRPr sz="1800">
-              <a:latin typeface="Arial"/>
-              <a:ea typeface="Arial"/>
-              <a:cs typeface="Arial"/>
-              <a:sym typeface="Arial"/>
-            </a:endParaRPr>
-          </a:p>
-          <a:p>
-            <a:pPr marL="0" lvl="0" indent="0" algn="l" rtl="0">
-              <a:lnSpc>
-                <a:spcPct val="100000"/>
-              </a:lnSpc>
-              <a:spcBef>
-                <a:spcPts val="800"/>
-              </a:spcBef>
-              <a:spcAft>
-                <a:spcPts val="0"/>
-              </a:spcAft>
-              <a:buNone/>
-            </a:pPr>
-            <a:endParaRPr sz="1800">
-              <a:latin typeface="Arial"/>
-              <a:ea typeface="Arial"/>
-              <a:cs typeface="Arial"/>
-              <a:sym typeface="Arial"/>
-            </a:endParaRPr>
-          </a:p>
-          <a:p>
-            <a:pPr marL="0" lvl="0" indent="0" algn="l" rtl="0">
-              <a:lnSpc>
-                <a:spcPct val="100000"/>
-              </a:lnSpc>
-              <a:spcBef>
-                <a:spcPts val="800"/>
-              </a:spcBef>
-              <a:spcAft>
-                <a:spcPts val="0"/>
-              </a:spcAft>
-              <a:buNone/>
-            </a:pPr>
-            <a:r>
-              <a:rPr lang="en" sz="1800">
-                <a:latin typeface="Arial"/>
-                <a:ea typeface="Arial"/>
-                <a:cs typeface="Arial"/>
-                <a:sym typeface="Arial"/>
-              </a:rPr>
-              <a:t>Our framework was developed such that it is independent of the data source and can be applied to any source of open text reviews in a completely unsupervised manner</a:t>
-            </a:r>
-            <a:endParaRPr sz="1800">
-              <a:latin typeface="Arial"/>
-              <a:ea typeface="Arial"/>
-              <a:cs typeface="Arial"/>
-              <a:sym typeface="Arial"/>
-            </a:endParaRPr>
-          </a:p>
-          <a:p>
-            <a:pPr marL="0" lvl="0" indent="0" algn="l" rtl="0">
-              <a:lnSpc>
-                <a:spcPct val="100000"/>
-              </a:lnSpc>
-              <a:spcBef>
-                <a:spcPts val="800"/>
-              </a:spcBef>
-              <a:spcAft>
-                <a:spcPts val="0"/>
-              </a:spcAft>
-              <a:buNone/>
-            </a:pPr>
-            <a:endParaRPr sz="1800">
-              <a:latin typeface="Arial"/>
-              <a:ea typeface="Arial"/>
-              <a:cs typeface="Arial"/>
-              <a:sym typeface="Arial"/>
-            </a:endParaRPr>
-          </a:p>
-          <a:p>
-            <a:pPr marL="0" lvl="0" indent="0" algn="l" rtl="0">
-              <a:lnSpc>
-                <a:spcPct val="100000"/>
-              </a:lnSpc>
-              <a:spcBef>
-                <a:spcPts val="800"/>
-              </a:spcBef>
-              <a:spcAft>
-                <a:spcPts val="0"/>
-              </a:spcAft>
-              <a:buNone/>
-            </a:pPr>
-            <a:r>
-              <a:rPr lang="en" sz="1800">
-                <a:latin typeface="Arial"/>
-                <a:ea typeface="Arial"/>
-                <a:cs typeface="Arial"/>
-                <a:sym typeface="Arial"/>
-              </a:rPr>
-              <a:t>Intended future work is to understand causal reasons for purchases rather than purely associative </a:t>
-            </a:r>
-            <a:endParaRPr sz="1800">
-              <a:latin typeface="Arial"/>
-              <a:ea typeface="Arial"/>
-              <a:cs typeface="Arial"/>
-              <a:sym typeface="Arial"/>
-            </a:endParaRPr>
-          </a:p>
-          <a:p>
-            <a:pPr marL="0" lvl="0" indent="0" algn="l" rtl="0">
-              <a:lnSpc>
-                <a:spcPct val="100000"/>
-              </a:lnSpc>
-              <a:spcBef>
-                <a:spcPts val="800"/>
-              </a:spcBef>
-              <a:spcAft>
-                <a:spcPts val="600"/>
-              </a:spcAft>
-              <a:buSzPts val="1400"/>
-              <a:buNone/>
-            </a:pPr>
-            <a:endParaRPr sz="1800">
-              <a:latin typeface="Arial"/>
-              <a:ea typeface="Arial"/>
-              <a:cs typeface="Arial"/>
-              <a:sym typeface="Arial"/>
-            </a:endParaRPr>
-          </a:p>
-        </p:txBody>
-      </p:sp>
-    </p:spTree>
-  </p:cSld>
-  <p:clrMapOvr>
-    <a:masterClrMapping/>
-  </p:clrMapOvr>
-</p:sld>
-</file>
-
 <file path=ppt/slides/slide2.xml><?xml version="1.0" encoding="utf-8"?>
 <p:sld xmlns:a="http://schemas.openxmlformats.org/drawingml/2006/main" xmlns:r="http://schemas.openxmlformats.org/officeDocument/2006/relationships" xmlns:p="http://schemas.openxmlformats.org/presentationml/2006/main">
   <p:cSld>
@@ -24156,7 +24400,7 @@
               <a:buNone/>
             </a:pPr>
             <a:r>
-              <a:rPr lang="en" sz="1500" b="1" i="0" u="none" strike="noStrike" cap="none">
+              <a:rPr lang="en" sz="1500" b="1" i="0" u="none" strike="noStrike" cap="none" dirty="0">
                 <a:solidFill>
                   <a:srgbClr val="595959"/>
                 </a:solidFill>
@@ -24168,7 +24412,7 @@
               <a:t>Goal:</a:t>
             </a:r>
             <a:r>
-              <a:rPr lang="en" sz="1500" b="0" i="0" u="none" strike="noStrike" cap="none">
+              <a:rPr lang="en" sz="1500" b="0" i="0" u="none" strike="noStrike" cap="none" dirty="0">
                 <a:solidFill>
                   <a:srgbClr val="595959"/>
                 </a:solidFill>
@@ -24180,7 +24424,7 @@
               <a:t> Identify, extract, and rank the impor</a:t>
             </a:r>
             <a:r>
-              <a:rPr lang="en" sz="1500">
+              <a:rPr lang="en" sz="1500" dirty="0">
                 <a:solidFill>
                   <a:srgbClr val="595959"/>
                 </a:solidFill>
@@ -24188,7 +24432,7 @@
               <a:t>tance of</a:t>
             </a:r>
             <a:r>
-              <a:rPr lang="en" sz="1500" b="0" i="0" u="none" strike="noStrike" cap="none">
+              <a:rPr lang="en" sz="1500" b="0" i="0" u="none" strike="noStrike" cap="none" dirty="0">
                 <a:solidFill>
                   <a:srgbClr val="595959"/>
                 </a:solidFill>
@@ -24197,10 +24441,34 @@
                 <a:cs typeface="Arial"/>
                 <a:sym typeface="Arial"/>
               </a:rPr>
-              <a:t> product aspects for each </a:t>
+              <a:t> product aspects </a:t>
             </a:r>
             <a:r>
-              <a:rPr lang="en" sz="1500">
+              <a:rPr lang="en-GB" sz="1500" b="0" i="0" u="none" strike="noStrike" cap="none" dirty="0">
+                <a:solidFill>
+                  <a:srgbClr val="595959"/>
+                </a:solidFill>
+                <a:latin typeface="Arial"/>
+                <a:ea typeface="Arial"/>
+                <a:cs typeface="Arial"/>
+                <a:sym typeface="Arial"/>
+              </a:rPr>
+              <a:t>within</a:t>
+            </a:r>
+            <a:r>
+              <a:rPr lang="en" sz="1500" b="0" i="0" u="none" strike="noStrike" cap="none" dirty="0">
+                <a:solidFill>
+                  <a:srgbClr val="595959"/>
+                </a:solidFill>
+                <a:latin typeface="Arial"/>
+                <a:ea typeface="Arial"/>
+                <a:cs typeface="Arial"/>
+                <a:sym typeface="Arial"/>
+              </a:rPr>
+              <a:t> each </a:t>
+            </a:r>
+            <a:r>
+              <a:rPr lang="en" sz="1500" dirty="0">
                 <a:solidFill>
                   <a:srgbClr val="595959"/>
                 </a:solidFill>
@@ -24208,7 +24476,7 @@
               <a:t>category </a:t>
             </a:r>
             <a:r>
-              <a:rPr lang="en" sz="1500" b="0" i="0" u="none" strike="noStrike" cap="none">
+              <a:rPr lang="en" sz="1500" b="0" i="0" u="none" strike="noStrike" cap="none" dirty="0">
                 <a:solidFill>
                   <a:srgbClr val="595959"/>
                 </a:solidFill>
@@ -24219,7 +24487,7 @@
               </a:rPr>
               <a:t>on Amazon</a:t>
             </a:r>
-            <a:endParaRPr sz="1500" b="0" i="0" u="none" strike="noStrike" cap="none">
+            <a:endParaRPr sz="1500" b="0" i="0" u="none" strike="noStrike" cap="none" dirty="0">
               <a:solidFill>
                 <a:srgbClr val="595959"/>
               </a:solidFill>
@@ -24248,7 +24516,7 @@
               <a:buChar char="●"/>
             </a:pPr>
             <a:r>
-              <a:rPr lang="en" sz="1500" b="0" i="0" u="none" strike="noStrike" cap="none">
+              <a:rPr lang="en" sz="1500" b="0" i="0" u="none" strike="noStrike" cap="none" dirty="0">
                 <a:solidFill>
                   <a:srgbClr val="595959"/>
                 </a:solidFill>
@@ -24260,7 +24528,7 @@
               <a:t>Aspect refers to a component or attribute of a specific product (e.g., an aspect of a phone may be its battery life)</a:t>
             </a:r>
             <a:br>
-              <a:rPr lang="en" sz="1500" b="0" i="0" u="none" strike="noStrike" cap="none">
+              <a:rPr lang="en" sz="1500" b="0" i="0" u="none" strike="noStrike" cap="none" dirty="0">
                 <a:solidFill>
                   <a:srgbClr val="595959"/>
                 </a:solidFill>
@@ -24270,7 +24538,7 @@
                 <a:sym typeface="Arial"/>
               </a:rPr>
             </a:br>
-            <a:endParaRPr sz="1500" b="0" i="0" u="none" strike="noStrike" cap="none">
+            <a:endParaRPr sz="1500" b="0" i="0" u="none" strike="noStrike" cap="none" dirty="0">
               <a:solidFill>
                 <a:srgbClr val="595959"/>
               </a:solidFill>
@@ -24299,7 +24567,7 @@
               <a:buNone/>
             </a:pPr>
             <a:r>
-              <a:rPr lang="en" sz="1500" b="0" i="0" u="none" strike="noStrike" cap="none">
+              <a:rPr lang="en" sz="1500" b="0" i="0" u="none" strike="noStrike" cap="none" dirty="0">
                 <a:solidFill>
                   <a:srgbClr val="595959"/>
                 </a:solidFill>
@@ -24310,7 +24578,7 @@
               </a:rPr>
               <a:t>Leveraging the unstructured text in Amazon Product reviews, we can identify aspects for different categories and measure consumer sentiment towards each aspect.</a:t>
             </a:r>
-            <a:endParaRPr sz="1500" b="0" i="0" u="none" strike="noStrike" cap="none">
+            <a:endParaRPr sz="1500" b="0" i="0" u="none" strike="noStrike" cap="none" dirty="0">
               <a:solidFill>
                 <a:srgbClr val="595959"/>
               </a:solidFill>
@@ -27941,7 +28209,7 @@
               <a:buChar char="●"/>
             </a:pPr>
             <a:r>
-              <a:rPr lang="en" sz="1500" b="0" i="0" u="none" strike="noStrike" cap="none">
+              <a:rPr lang="en" sz="1500" b="0" i="0" u="none" strike="noStrike" cap="none" dirty="0">
                 <a:solidFill>
                   <a:srgbClr val="000000"/>
                 </a:solidFill>
@@ -27952,7 +28220,7 @@
               </a:rPr>
               <a:t>Convert extracted aspects to word vectors</a:t>
             </a:r>
-            <a:endParaRPr sz="1500" b="0" i="0" u="none" strike="noStrike" cap="none">
+            <a:endParaRPr sz="1500" b="0" i="0" u="none" strike="noStrike" cap="none" dirty="0">
               <a:solidFill>
                 <a:srgbClr val="000000"/>
               </a:solidFill>
@@ -27981,7 +28249,7 @@
               <a:buChar char="●"/>
             </a:pPr>
             <a:r>
-              <a:rPr lang="en" sz="1500" b="0" i="0" u="none" strike="noStrike" cap="none">
+              <a:rPr lang="en" sz="1500" b="0" i="0" u="none" strike="noStrike" cap="none" dirty="0">
                 <a:solidFill>
                   <a:srgbClr val="000000"/>
                 </a:solidFill>
@@ -27992,7 +28260,7 @@
               </a:rPr>
               <a:t>Leverage clustering algorithms to group semantically similar aspects</a:t>
             </a:r>
-            <a:endParaRPr sz="1500" b="0" i="0" u="none" strike="noStrike" cap="none">
+            <a:endParaRPr sz="1500" b="0" i="0" u="none" strike="noStrike" cap="none" dirty="0">
               <a:solidFill>
                 <a:srgbClr val="000000"/>
               </a:solidFill>
@@ -28021,7 +28289,7 @@
               <a:buChar char="●"/>
             </a:pPr>
             <a:r>
-              <a:rPr lang="en" sz="1500" b="0" i="0" u="none" strike="noStrike" cap="none">
+              <a:rPr lang="en" sz="1500" b="0" i="0" u="none" strike="noStrike" cap="none" dirty="0">
                 <a:solidFill>
                   <a:srgbClr val="000000"/>
                 </a:solidFill>
@@ -28032,7 +28300,7 @@
               </a:rPr>
               <a:t>Extract word(s) most representative of each group </a:t>
             </a:r>
-            <a:endParaRPr sz="1500" b="0" i="0" u="none" strike="noStrike" cap="none">
+            <a:endParaRPr sz="1500" b="0" i="0" u="none" strike="noStrike" cap="none" dirty="0">
               <a:solidFill>
                 <a:srgbClr val="000000"/>
               </a:solidFill>
@@ -28061,7 +28329,7 @@
               <a:buChar char="●"/>
             </a:pPr>
             <a:r>
-              <a:rPr lang="en" sz="1500" b="0" i="0" u="none" strike="noStrike" cap="none">
+              <a:rPr lang="en" sz="1500" b="0" i="0" u="none" strike="noStrike" cap="none" dirty="0">
                 <a:solidFill>
                   <a:srgbClr val="000000"/>
                 </a:solidFill>
@@ -28072,7 +28340,7 @@
               </a:rPr>
               <a:t>Assign extracted word(s) as common name for each aspect</a:t>
             </a:r>
-            <a:endParaRPr sz="1500" b="0" i="0" u="none" strike="noStrike" cap="none">
+            <a:endParaRPr sz="1500" b="0" i="0" u="none" strike="noStrike" cap="none" dirty="0">
               <a:solidFill>
                 <a:srgbClr val="000000"/>
               </a:solidFill>
